--- a/notes/arch-alu.pptx
+++ b/notes/arch-alu.pptx
@@ -5,7 +5,7 @@
     <p:sldMasterId id="2147483648" r:id="rId1"/>
   </p:sldMasterIdLst>
   <p:notesMasterIdLst>
-    <p:notesMasterId r:id="rId35"/>
+    <p:notesMasterId r:id="rId36"/>
   </p:notesMasterIdLst>
   <p:sldIdLst>
     <p:sldId id="256" r:id="rId2"/>
@@ -21,26 +21,27 @@
     <p:sldId id="261" r:id="rId12"/>
     <p:sldId id="264" r:id="rId13"/>
     <p:sldId id="266" r:id="rId14"/>
-    <p:sldId id="267" r:id="rId15"/>
-    <p:sldId id="268" r:id="rId16"/>
-    <p:sldId id="269" r:id="rId17"/>
-    <p:sldId id="297" r:id="rId18"/>
-    <p:sldId id="270" r:id="rId19"/>
-    <p:sldId id="273" r:id="rId20"/>
-    <p:sldId id="272" r:id="rId21"/>
-    <p:sldId id="284" r:id="rId22"/>
-    <p:sldId id="274" r:id="rId23"/>
-    <p:sldId id="288" r:id="rId24"/>
-    <p:sldId id="285" r:id="rId25"/>
-    <p:sldId id="292" r:id="rId26"/>
-    <p:sldId id="291" r:id="rId27"/>
-    <p:sldId id="287" r:id="rId28"/>
-    <p:sldId id="275" r:id="rId29"/>
-    <p:sldId id="278" r:id="rId30"/>
-    <p:sldId id="279" r:id="rId31"/>
-    <p:sldId id="280" r:id="rId32"/>
-    <p:sldId id="281" r:id="rId33"/>
-    <p:sldId id="296" r:id="rId34"/>
+    <p:sldId id="298" r:id="rId15"/>
+    <p:sldId id="267" r:id="rId16"/>
+    <p:sldId id="268" r:id="rId17"/>
+    <p:sldId id="269" r:id="rId18"/>
+    <p:sldId id="297" r:id="rId19"/>
+    <p:sldId id="270" r:id="rId20"/>
+    <p:sldId id="273" r:id="rId21"/>
+    <p:sldId id="272" r:id="rId22"/>
+    <p:sldId id="284" r:id="rId23"/>
+    <p:sldId id="274" r:id="rId24"/>
+    <p:sldId id="288" r:id="rId25"/>
+    <p:sldId id="285" r:id="rId26"/>
+    <p:sldId id="292" r:id="rId27"/>
+    <p:sldId id="291" r:id="rId28"/>
+    <p:sldId id="287" r:id="rId29"/>
+    <p:sldId id="275" r:id="rId30"/>
+    <p:sldId id="278" r:id="rId31"/>
+    <p:sldId id="279" r:id="rId32"/>
+    <p:sldId id="280" r:id="rId33"/>
+    <p:sldId id="281" r:id="rId34"/>
+    <p:sldId id="296" r:id="rId35"/>
   </p:sldIdLst>
   <p:sldSz cx="9144000" cy="6858000" type="screen4x3"/>
   <p:notesSz cx="6858000" cy="9144000"/>
@@ -156,14 +157,6 @@
     </p:ext>
   </p:extLst>
 </p:presentation>
-</file>
-
-<file path=ppt/revisionInfo.xml><?xml version="1.0" encoding="utf-8"?>
-<p1510:revInfo xmlns:a="http://schemas.openxmlformats.org/drawingml/2006/main" xmlns:r="http://schemas.openxmlformats.org/officeDocument/2006/relationships" xmlns:p1510="http://schemas.microsoft.com/office/powerpoint/2015/10/main">
-  <p1510:revLst>
-    <p1510:client id="{7EAE6AED-4230-0D40-90E4-F3B545E4C284}" v="191" dt="2022-11-17T14:14:09.604"/>
-  </p1510:revLst>
-</p1510:revInfo>
 </file>
 
 <file path=ppt/ink/ink1.xml><?xml version="1.0" encoding="utf-8"?>
@@ -2471,125 +2464,7 @@
           <a:bodyPr/>
           <a:lstStyle/>
           <a:p>
-            <a:r>
-              <a:rPr lang="en-US" dirty="0" err="1"/>
-              <a:t>c_out</a:t>
-            </a:r>
-            <a:r>
-              <a:rPr lang="en-US" dirty="0"/>
-              <a:t> = ~a*b*</a:t>
-            </a:r>
-            <a:r>
-              <a:rPr lang="en-US" dirty="0" err="1"/>
-              <a:t>c_in</a:t>
-            </a:r>
-            <a:r>
-              <a:rPr lang="en-US" dirty="0"/>
-              <a:t> + a * ~b * </a:t>
-            </a:r>
-            <a:r>
-              <a:rPr lang="en-US" dirty="0" err="1"/>
-              <a:t>c_in</a:t>
-            </a:r>
-            <a:r>
-              <a:rPr lang="en-US" dirty="0"/>
-              <a:t> + a * b * ~</a:t>
-            </a:r>
-            <a:r>
-              <a:rPr lang="en-US" dirty="0" err="1"/>
-              <a:t>c_in</a:t>
-            </a:r>
-            <a:r>
-              <a:rPr lang="en-US" dirty="0"/>
-              <a:t> + a * b * </a:t>
-            </a:r>
-            <a:r>
-              <a:rPr lang="en-US" dirty="0" err="1"/>
-              <a:t>c_in</a:t>
-            </a:r>
-            <a:r>
-              <a:rPr lang="en-US" dirty="0"/>
-              <a:t> = (~a*b*</a:t>
-            </a:r>
-            <a:r>
-              <a:rPr lang="en-US" dirty="0" err="1"/>
-              <a:t>c_in</a:t>
-            </a:r>
-            <a:r>
-              <a:rPr lang="en-US" dirty="0"/>
-              <a:t>  + a * b * </a:t>
-            </a:r>
-            <a:r>
-              <a:rPr lang="en-US" dirty="0" err="1"/>
-              <a:t>c_in</a:t>
-            </a:r>
-            <a:r>
-              <a:rPr lang="en-US" dirty="0"/>
-              <a:t>)+ (a * ~b * </a:t>
-            </a:r>
-            <a:r>
-              <a:rPr lang="en-US" dirty="0" err="1"/>
-              <a:t>c_in+a</a:t>
-            </a:r>
-            <a:r>
-              <a:rPr lang="en-US" dirty="0"/>
-              <a:t> * b * </a:t>
-            </a:r>
-            <a:r>
-              <a:rPr lang="en-US" dirty="0" err="1"/>
-              <a:t>c_in</a:t>
-            </a:r>
-            <a:r>
-              <a:rPr lang="en-US" dirty="0"/>
-              <a:t>) + (a * b * ~</a:t>
-            </a:r>
-            <a:r>
-              <a:rPr lang="en-US" dirty="0" err="1"/>
-              <a:t>c_in</a:t>
-            </a:r>
-            <a:r>
-              <a:rPr lang="en-US" dirty="0"/>
-              <a:t> +a * b * </a:t>
-            </a:r>
-            <a:r>
-              <a:rPr lang="en-US" dirty="0" err="1"/>
-              <a:t>c_in</a:t>
-            </a:r>
-            <a:r>
-              <a:rPr lang="en-US" dirty="0"/>
-              <a:t>)</a:t>
-            </a:r>
-          </a:p>
-          <a:p>
-            <a:r>
-              <a:rPr lang="en-US" dirty="0"/>
-              <a:t>= b * </a:t>
-            </a:r>
-            <a:r>
-              <a:rPr lang="en-US" dirty="0" err="1"/>
-              <a:t>c_in</a:t>
-            </a:r>
-            <a:r>
-              <a:rPr lang="en-US" dirty="0"/>
-              <a:t> + a*</a:t>
-            </a:r>
-            <a:r>
-              <a:rPr lang="en-US" dirty="0" err="1"/>
-              <a:t>c_in</a:t>
-            </a:r>
-            <a:r>
-              <a:rPr lang="en-US" dirty="0"/>
-              <a:t> + a*b</a:t>
-            </a:r>
-          </a:p>
-          <a:p>
             <a:endParaRPr lang="en-US" dirty="0"/>
-          </a:p>
-          <a:p>
-            <a:r>
-              <a:rPr lang="en-US" dirty="0"/>
-              <a:t>(Note that x === x + x for any Boolean formula x)</a:t>
-            </a:r>
           </a:p>
         </p:txBody>
       </p:sp>
@@ -2610,7 +2485,7 @@
           <a:p>
             <a:fld id="{375AEED3-1C52-3742-8435-1D4A86E6237B}" type="slidenum">
               <a:rPr lang="en-US" smtClean="0"/>
-              <a:t>16</a:t>
+              <a:t>14</a:t>
             </a:fld>
             <a:endParaRPr lang="en-US"/>
           </a:p>
@@ -2619,7 +2494,7 @@
     </p:spTree>
     <p:extLst>
       <p:ext uri="{BB962C8B-B14F-4D97-AF65-F5344CB8AC3E}">
-        <p14:creationId xmlns:p14="http://schemas.microsoft.com/office/powerpoint/2010/main" val="3067281350"/>
+        <p14:creationId xmlns:p14="http://schemas.microsoft.com/office/powerpoint/2010/main" val="3159351346"/>
       </p:ext>
     </p:extLst>
   </p:cSld>
@@ -2673,7 +2548,125 @@
           <a:bodyPr/>
           <a:lstStyle/>
           <a:p>
-            <a:endParaRPr lang="en-US"/>
+            <a:r>
+              <a:rPr lang="en-US" dirty="0" err="1"/>
+              <a:t>c_out</a:t>
+            </a:r>
+            <a:r>
+              <a:rPr lang="en-US" dirty="0"/>
+              <a:t> = ~a*b*</a:t>
+            </a:r>
+            <a:r>
+              <a:rPr lang="en-US" dirty="0" err="1"/>
+              <a:t>c_in</a:t>
+            </a:r>
+            <a:r>
+              <a:rPr lang="en-US" dirty="0"/>
+              <a:t> + a * ~b * </a:t>
+            </a:r>
+            <a:r>
+              <a:rPr lang="en-US" dirty="0" err="1"/>
+              <a:t>c_in</a:t>
+            </a:r>
+            <a:r>
+              <a:rPr lang="en-US" dirty="0"/>
+              <a:t> + a * b * ~</a:t>
+            </a:r>
+            <a:r>
+              <a:rPr lang="en-US" dirty="0" err="1"/>
+              <a:t>c_in</a:t>
+            </a:r>
+            <a:r>
+              <a:rPr lang="en-US" dirty="0"/>
+              <a:t> + a * b * </a:t>
+            </a:r>
+            <a:r>
+              <a:rPr lang="en-US" dirty="0" err="1"/>
+              <a:t>c_in</a:t>
+            </a:r>
+            <a:r>
+              <a:rPr lang="en-US" dirty="0"/>
+              <a:t> = (~a*b*</a:t>
+            </a:r>
+            <a:r>
+              <a:rPr lang="en-US" dirty="0" err="1"/>
+              <a:t>c_in</a:t>
+            </a:r>
+            <a:r>
+              <a:rPr lang="en-US" dirty="0"/>
+              <a:t>  + a * b * </a:t>
+            </a:r>
+            <a:r>
+              <a:rPr lang="en-US" dirty="0" err="1"/>
+              <a:t>c_in</a:t>
+            </a:r>
+            <a:r>
+              <a:rPr lang="en-US" dirty="0"/>
+              <a:t>)+ (a * ~b * </a:t>
+            </a:r>
+            <a:r>
+              <a:rPr lang="en-US" dirty="0" err="1"/>
+              <a:t>c_in+a</a:t>
+            </a:r>
+            <a:r>
+              <a:rPr lang="en-US" dirty="0"/>
+              <a:t> * b * </a:t>
+            </a:r>
+            <a:r>
+              <a:rPr lang="en-US" dirty="0" err="1"/>
+              <a:t>c_in</a:t>
+            </a:r>
+            <a:r>
+              <a:rPr lang="en-US" dirty="0"/>
+              <a:t>) + (a * b * ~</a:t>
+            </a:r>
+            <a:r>
+              <a:rPr lang="en-US" dirty="0" err="1"/>
+              <a:t>c_in</a:t>
+            </a:r>
+            <a:r>
+              <a:rPr lang="en-US" dirty="0"/>
+              <a:t> +a * b * </a:t>
+            </a:r>
+            <a:r>
+              <a:rPr lang="en-US" dirty="0" err="1"/>
+              <a:t>c_in</a:t>
+            </a:r>
+            <a:r>
+              <a:rPr lang="en-US" dirty="0"/>
+              <a:t>)</a:t>
+            </a:r>
+          </a:p>
+          <a:p>
+            <a:r>
+              <a:rPr lang="en-US" dirty="0"/>
+              <a:t>= b * </a:t>
+            </a:r>
+            <a:r>
+              <a:rPr lang="en-US" dirty="0" err="1"/>
+              <a:t>c_in</a:t>
+            </a:r>
+            <a:r>
+              <a:rPr lang="en-US" dirty="0"/>
+              <a:t> + a*</a:t>
+            </a:r>
+            <a:r>
+              <a:rPr lang="en-US" dirty="0" err="1"/>
+              <a:t>c_in</a:t>
+            </a:r>
+            <a:r>
+              <a:rPr lang="en-US" dirty="0"/>
+              <a:t> + a*b</a:t>
+            </a:r>
+          </a:p>
+          <a:p>
+            <a:endParaRPr lang="en-US" dirty="0"/>
+          </a:p>
+          <a:p>
+            <a:r>
+              <a:rPr lang="en-US" dirty="0"/>
+              <a:t>(Note that x === x + x for any Boolean formula x)</a:t>
+            </a:r>
           </a:p>
         </p:txBody>
       </p:sp>
@@ -2703,7 +2696,7 @@
     </p:spTree>
     <p:extLst>
       <p:ext uri="{BB962C8B-B14F-4D97-AF65-F5344CB8AC3E}">
-        <p14:creationId xmlns:p14="http://schemas.microsoft.com/office/powerpoint/2010/main" val="2289072824"/>
+        <p14:creationId xmlns:p14="http://schemas.microsoft.com/office/powerpoint/2010/main" val="3067281350"/>
       </p:ext>
     </p:extLst>
   </p:cSld>
@@ -2778,7 +2771,7 @@
           <a:p>
             <a:fld id="{375AEED3-1C52-3742-8435-1D4A86E6237B}" type="slidenum">
               <a:rPr lang="en-US" smtClean="0"/>
-              <a:t>24</a:t>
+              <a:t>18</a:t>
             </a:fld>
             <a:endParaRPr lang="en-US"/>
           </a:p>
@@ -2787,7 +2780,7 @@
     </p:spTree>
     <p:extLst>
       <p:ext uri="{BB962C8B-B14F-4D97-AF65-F5344CB8AC3E}">
-        <p14:creationId xmlns:p14="http://schemas.microsoft.com/office/powerpoint/2010/main" val="264883419"/>
+        <p14:creationId xmlns:p14="http://schemas.microsoft.com/office/powerpoint/2010/main" val="2289072824"/>
       </p:ext>
     </p:extLst>
   </p:cSld>
@@ -2871,7 +2864,7 @@
     </p:spTree>
     <p:extLst>
       <p:ext uri="{BB962C8B-B14F-4D97-AF65-F5344CB8AC3E}">
-        <p14:creationId xmlns:p14="http://schemas.microsoft.com/office/powerpoint/2010/main" val="1821031299"/>
+        <p14:creationId xmlns:p14="http://schemas.microsoft.com/office/powerpoint/2010/main" val="264883419"/>
       </p:ext>
     </p:extLst>
   </p:cSld>
@@ -2955,7 +2948,7 @@
     </p:spTree>
     <p:extLst>
       <p:ext uri="{BB962C8B-B14F-4D97-AF65-F5344CB8AC3E}">
-        <p14:creationId xmlns:p14="http://schemas.microsoft.com/office/powerpoint/2010/main" val="2431537254"/>
+        <p14:creationId xmlns:p14="http://schemas.microsoft.com/office/powerpoint/2010/main" val="1821031299"/>
       </p:ext>
     </p:extLst>
   </p:cSld>
@@ -3009,14 +3002,7 @@
           <a:bodyPr/>
           <a:lstStyle/>
           <a:p>
-            <a:r>
-              <a:rPr lang="en-US" dirty="0"/>
-              <a:t>This is the same as </a:t>
-            </a:r>
-            <a:r>
-              <a:rPr lang="en-US"/>
-              <a:t>in Slide 18.</a:t>
-            </a:r>
+            <a:endParaRPr lang="en-US"/>
           </a:p>
         </p:txBody>
       </p:sp>
@@ -3037,7 +3023,7 @@
           <a:p>
             <a:fld id="{375AEED3-1C52-3742-8435-1D4A86E6237B}" type="slidenum">
               <a:rPr lang="en-US" smtClean="0"/>
-              <a:t>31</a:t>
+              <a:t>27</a:t>
             </a:fld>
             <a:endParaRPr lang="en-US"/>
           </a:p>
@@ -3046,7 +3032,7 @@
     </p:spTree>
     <p:extLst>
       <p:ext uri="{BB962C8B-B14F-4D97-AF65-F5344CB8AC3E}">
-        <p14:creationId xmlns:p14="http://schemas.microsoft.com/office/powerpoint/2010/main" val="3962055855"/>
+        <p14:creationId xmlns:p14="http://schemas.microsoft.com/office/powerpoint/2010/main" val="2431537254"/>
       </p:ext>
     </p:extLst>
   </p:cSld>
@@ -3100,7 +3086,10 @@
           <a:bodyPr/>
           <a:lstStyle/>
           <a:p>
-            <a:endParaRPr lang="en-US"/>
+            <a:r>
+              <a:rPr lang="en-US" dirty="0"/>
+              <a:t>This is the same as in Slide 18.</a:t>
+            </a:r>
           </a:p>
         </p:txBody>
       </p:sp>
@@ -3122,6 +3111,90 @@
             <a:fld id="{375AEED3-1C52-3742-8435-1D4A86E6237B}" type="slidenum">
               <a:rPr lang="en-US" smtClean="0"/>
               <a:t>32</a:t>
+            </a:fld>
+            <a:endParaRPr lang="en-US"/>
+          </a:p>
+        </p:txBody>
+      </p:sp>
+    </p:spTree>
+    <p:extLst>
+      <p:ext uri="{BB962C8B-B14F-4D97-AF65-F5344CB8AC3E}">
+        <p14:creationId xmlns:p14="http://schemas.microsoft.com/office/powerpoint/2010/main" val="3962055855"/>
+      </p:ext>
+    </p:extLst>
+  </p:cSld>
+  <p:clrMapOvr>
+    <a:masterClrMapping/>
+  </p:clrMapOvr>
+</p:notes>
+</file>
+
+<file path=ppt/notesSlides/notesSlide9.xml><?xml version="1.0" encoding="utf-8"?>
+<p:notes xmlns:a="http://schemas.openxmlformats.org/drawingml/2006/main" xmlns:r="http://schemas.openxmlformats.org/officeDocument/2006/relationships" xmlns:p="http://schemas.openxmlformats.org/presentationml/2006/main">
+  <p:cSld>
+    <p:spTree>
+      <p:nvGrpSpPr>
+        <p:cNvPr id="1" name=""/>
+        <p:cNvGrpSpPr/>
+        <p:nvPr/>
+      </p:nvGrpSpPr>
+      <p:grpSpPr>
+        <a:xfrm>
+          <a:off x="0" y="0"/>
+          <a:ext cx="0" cy="0"/>
+          <a:chOff x="0" y="0"/>
+          <a:chExt cx="0" cy="0"/>
+        </a:xfrm>
+      </p:grpSpPr>
+      <p:sp>
+        <p:nvSpPr>
+          <p:cNvPr id="2" name="Slide Image Placeholder 1"/>
+          <p:cNvSpPr>
+            <a:spLocks noGrp="1" noRot="1" noChangeAspect="1"/>
+          </p:cNvSpPr>
+          <p:nvPr>
+            <p:ph type="sldImg"/>
+          </p:nvPr>
+        </p:nvSpPr>
+        <p:spPr/>
+      </p:sp>
+      <p:sp>
+        <p:nvSpPr>
+          <p:cNvPr id="3" name="Notes Placeholder 2"/>
+          <p:cNvSpPr>
+            <a:spLocks noGrp="1"/>
+          </p:cNvSpPr>
+          <p:nvPr>
+            <p:ph type="body" idx="1"/>
+          </p:nvPr>
+        </p:nvSpPr>
+        <p:spPr/>
+        <p:txBody>
+          <a:bodyPr/>
+          <a:lstStyle/>
+          <a:p>
+            <a:endParaRPr lang="en-US"/>
+          </a:p>
+        </p:txBody>
+      </p:sp>
+      <p:sp>
+        <p:nvSpPr>
+          <p:cNvPr id="4" name="Slide Number Placeholder 3"/>
+          <p:cNvSpPr>
+            <a:spLocks noGrp="1"/>
+          </p:cNvSpPr>
+          <p:nvPr>
+            <p:ph type="sldNum" sz="quarter" idx="5"/>
+          </p:nvPr>
+        </p:nvSpPr>
+        <p:spPr/>
+        <p:txBody>
+          <a:bodyPr/>
+          <a:lstStyle/>
+          <a:p>
+            <a:fld id="{375AEED3-1C52-3742-8435-1D4A86E6237B}" type="slidenum">
+              <a:rPr lang="en-US" smtClean="0"/>
+              <a:t>33</a:t>
             </a:fld>
             <a:endParaRPr lang="en-US"/>
           </a:p>
@@ -9590,6 +9663,2162 @@
 </file>
 
 <file path=ppt/slides/slide14.xml><?xml version="1.0" encoding="utf-8"?>
+<p:sld xmlns:a="http://schemas.openxmlformats.org/drawingml/2006/main" xmlns:r="http://schemas.openxmlformats.org/officeDocument/2006/relationships" xmlns:p="http://schemas.openxmlformats.org/presentationml/2006/main">
+  <p:cSld>
+    <p:spTree>
+      <p:nvGrpSpPr>
+        <p:cNvPr id="1" name=""/>
+        <p:cNvGrpSpPr/>
+        <p:nvPr/>
+      </p:nvGrpSpPr>
+      <p:grpSpPr>
+        <a:xfrm>
+          <a:off x="0" y="0"/>
+          <a:ext cx="0" cy="0"/>
+          <a:chOff x="0" y="0"/>
+          <a:chExt cx="0" cy="0"/>
+        </a:xfrm>
+      </p:grpSpPr>
+      <p:sp>
+        <p:nvSpPr>
+          <p:cNvPr id="2" name="Title 1">
+            <a:extLst>
+              <a:ext uri="{FF2B5EF4-FFF2-40B4-BE49-F238E27FC236}">
+                <a16:creationId xmlns:a16="http://schemas.microsoft.com/office/drawing/2014/main" id="{45999AC1-721A-3A17-3119-BA834B7DF990}"/>
+              </a:ext>
+            </a:extLst>
+          </p:cNvPr>
+          <p:cNvSpPr>
+            <a:spLocks noGrp="1"/>
+          </p:cNvSpPr>
+          <p:nvPr>
+            <p:ph type="title"/>
+          </p:nvPr>
+        </p:nvSpPr>
+        <p:spPr/>
+        <p:txBody>
+          <a:bodyPr>
+            <a:normAutofit fontScale="90000"/>
+          </a:bodyPr>
+          <a:lstStyle/>
+          <a:p>
+            <a:r>
+              <a:rPr lang="en-US" dirty="0"/>
+              <a:t>Implementing the adder: 1-bit adder</a:t>
+            </a:r>
+          </a:p>
+        </p:txBody>
+      </p:sp>
+      <p:sp>
+        <p:nvSpPr>
+          <p:cNvPr id="3" name="Content Placeholder 2">
+            <a:extLst>
+              <a:ext uri="{FF2B5EF4-FFF2-40B4-BE49-F238E27FC236}">
+                <a16:creationId xmlns:a16="http://schemas.microsoft.com/office/drawing/2014/main" id="{15023073-02BA-AE5D-4751-054CFEA444F3}"/>
+              </a:ext>
+            </a:extLst>
+          </p:cNvPr>
+          <p:cNvSpPr>
+            <a:spLocks noGrp="1"/>
+          </p:cNvSpPr>
+          <p:nvPr>
+            <p:ph idx="1"/>
+          </p:nvPr>
+        </p:nvSpPr>
+        <p:spPr>
+          <a:xfrm>
+            <a:off x="416048" y="1388119"/>
+            <a:ext cx="8229600" cy="612913"/>
+          </a:xfrm>
+        </p:spPr>
+        <p:txBody>
+          <a:bodyPr/>
+          <a:lstStyle/>
+          <a:p>
+            <a:r>
+              <a:rPr lang="en-US" dirty="0"/>
+              <a:t>Recall how base-2 addition works</a:t>
+            </a:r>
+          </a:p>
+        </p:txBody>
+      </p:sp>
+      <p:sp>
+        <p:nvSpPr>
+          <p:cNvPr id="4" name="TextBox 3">
+            <a:extLst>
+              <a:ext uri="{FF2B5EF4-FFF2-40B4-BE49-F238E27FC236}">
+                <a16:creationId xmlns:a16="http://schemas.microsoft.com/office/drawing/2014/main" id="{296607CF-4602-D3F4-2DE5-BE3ACDC1F721}"/>
+              </a:ext>
+            </a:extLst>
+          </p:cNvPr>
+          <p:cNvSpPr txBox="1"/>
+          <p:nvPr/>
+        </p:nvSpPr>
+        <p:spPr>
+          <a:xfrm>
+            <a:off x="2391617" y="4146180"/>
+            <a:ext cx="1651414" cy="523220"/>
+          </a:xfrm>
+          <a:prstGeom prst="rect">
+            <a:avLst/>
+          </a:prstGeom>
+          <a:noFill/>
+        </p:spPr>
+        <p:txBody>
+          <a:bodyPr wrap="none" rtlCol="0">
+            <a:spAutoFit/>
+          </a:bodyPr>
+          <a:lstStyle/>
+          <a:p>
+            <a:r>
+              <a:rPr lang="en-US" sz="2800" dirty="0"/>
+              <a:t>0   0   1   1</a:t>
+            </a:r>
+          </a:p>
+        </p:txBody>
+      </p:sp>
+      <p:sp>
+        <p:nvSpPr>
+          <p:cNvPr id="5" name="TextBox 4">
+            <a:extLst>
+              <a:ext uri="{FF2B5EF4-FFF2-40B4-BE49-F238E27FC236}">
+                <a16:creationId xmlns:a16="http://schemas.microsoft.com/office/drawing/2014/main" id="{6D41871B-D7C7-48F3-8FA0-67506F3A1810}"/>
+              </a:ext>
+            </a:extLst>
+          </p:cNvPr>
+          <p:cNvSpPr txBox="1"/>
+          <p:nvPr/>
+        </p:nvSpPr>
+        <p:spPr>
+          <a:xfrm>
+            <a:off x="2391616" y="4629884"/>
+            <a:ext cx="1733167" cy="523220"/>
+          </a:xfrm>
+          <a:prstGeom prst="rect">
+            <a:avLst/>
+          </a:prstGeom>
+          <a:noFill/>
+        </p:spPr>
+        <p:txBody>
+          <a:bodyPr wrap="none" rtlCol="0">
+            <a:spAutoFit/>
+          </a:bodyPr>
+          <a:lstStyle/>
+          <a:p>
+            <a:r>
+              <a:rPr lang="en-US" sz="2800" dirty="0"/>
+              <a:t>1   0   0   1 </a:t>
+            </a:r>
+          </a:p>
+        </p:txBody>
+      </p:sp>
+      <p:cxnSp>
+        <p:nvCxnSpPr>
+          <p:cNvPr id="7" name="Straight Connector 6">
+            <a:extLst>
+              <a:ext uri="{FF2B5EF4-FFF2-40B4-BE49-F238E27FC236}">
+                <a16:creationId xmlns:a16="http://schemas.microsoft.com/office/drawing/2014/main" id="{287957E0-6D51-D0E7-ECC6-F13565B2619D}"/>
+              </a:ext>
+            </a:extLst>
+          </p:cNvPr>
+          <p:cNvCxnSpPr>
+            <a:cxnSpLocks/>
+          </p:cNvCxnSpPr>
+          <p:nvPr/>
+        </p:nvCxnSpPr>
+        <p:spPr>
+          <a:xfrm>
+            <a:off x="2200789" y="5166356"/>
+            <a:ext cx="1923994" cy="0"/>
+          </a:xfrm>
+          <a:prstGeom prst="line">
+            <a:avLst/>
+          </a:prstGeom>
+        </p:spPr>
+        <p:style>
+          <a:lnRef idx="2">
+            <a:schemeClr val="accent1"/>
+          </a:lnRef>
+          <a:fillRef idx="0">
+            <a:schemeClr val="accent1"/>
+          </a:fillRef>
+          <a:effectRef idx="1">
+            <a:schemeClr val="accent1"/>
+          </a:effectRef>
+          <a:fontRef idx="minor">
+            <a:schemeClr val="tx1"/>
+          </a:fontRef>
+        </p:style>
+      </p:cxnSp>
+      <p:sp>
+        <p:nvSpPr>
+          <p:cNvPr id="11" name="TextBox 10">
+            <a:extLst>
+              <a:ext uri="{FF2B5EF4-FFF2-40B4-BE49-F238E27FC236}">
+                <a16:creationId xmlns:a16="http://schemas.microsoft.com/office/drawing/2014/main" id="{A8ECB44B-48A3-24F1-7DE8-02A0AAA805F2}"/>
+              </a:ext>
+            </a:extLst>
+          </p:cNvPr>
+          <p:cNvSpPr txBox="1"/>
+          <p:nvPr/>
+        </p:nvSpPr>
+        <p:spPr>
+          <a:xfrm>
+            <a:off x="2391615" y="5322551"/>
+            <a:ext cx="1651414" cy="523220"/>
+          </a:xfrm>
+          <a:prstGeom prst="rect">
+            <a:avLst/>
+          </a:prstGeom>
+          <a:noFill/>
+        </p:spPr>
+        <p:txBody>
+          <a:bodyPr wrap="none" rtlCol="0">
+            <a:spAutoFit/>
+          </a:bodyPr>
+          <a:lstStyle/>
+          <a:p>
+            <a:r>
+              <a:rPr lang="en-US" sz="2800" dirty="0"/>
+              <a:t>1   1   0   0</a:t>
+            </a:r>
+          </a:p>
+        </p:txBody>
+      </p:sp>
+      <p:sp>
+        <p:nvSpPr>
+          <p:cNvPr id="13" name="TextBox 12">
+            <a:extLst>
+              <a:ext uri="{FF2B5EF4-FFF2-40B4-BE49-F238E27FC236}">
+                <a16:creationId xmlns:a16="http://schemas.microsoft.com/office/drawing/2014/main" id="{73738B97-7402-9516-6131-F5F92223DB5E}"/>
+              </a:ext>
+            </a:extLst>
+          </p:cNvPr>
+          <p:cNvSpPr txBox="1"/>
+          <p:nvPr/>
+        </p:nvSpPr>
+        <p:spPr>
+          <a:xfrm>
+            <a:off x="3258199" y="3790100"/>
+            <a:ext cx="301686" cy="369332"/>
+          </a:xfrm>
+          <a:prstGeom prst="rect">
+            <a:avLst/>
+          </a:prstGeom>
+          <a:noFill/>
+        </p:spPr>
+        <p:txBody>
+          <a:bodyPr wrap="none" rtlCol="0">
+            <a:spAutoFit/>
+          </a:bodyPr>
+          <a:lstStyle/>
+          <a:p>
+            <a:r>
+              <a:rPr lang="en-US" dirty="0">
+                <a:solidFill>
+                  <a:srgbClr val="FF0000"/>
+                </a:solidFill>
+              </a:rPr>
+              <a:t>1</a:t>
+            </a:r>
+          </a:p>
+        </p:txBody>
+      </p:sp>
+      <p:sp>
+        <p:nvSpPr>
+          <p:cNvPr id="16" name="TextBox 15">
+            <a:extLst>
+              <a:ext uri="{FF2B5EF4-FFF2-40B4-BE49-F238E27FC236}">
+                <a16:creationId xmlns:a16="http://schemas.microsoft.com/office/drawing/2014/main" id="{4361D511-0178-7921-1D7D-AD2BB7CC1ABE}"/>
+              </a:ext>
+            </a:extLst>
+          </p:cNvPr>
+          <p:cNvSpPr txBox="1"/>
+          <p:nvPr/>
+        </p:nvSpPr>
+        <p:spPr>
+          <a:xfrm>
+            <a:off x="2805712" y="3802175"/>
+            <a:ext cx="301686" cy="369332"/>
+          </a:xfrm>
+          <a:prstGeom prst="rect">
+            <a:avLst/>
+          </a:prstGeom>
+          <a:noFill/>
+        </p:spPr>
+        <p:txBody>
+          <a:bodyPr wrap="none" rtlCol="0">
+            <a:spAutoFit/>
+          </a:bodyPr>
+          <a:lstStyle/>
+          <a:p>
+            <a:r>
+              <a:rPr lang="en-US" dirty="0">
+                <a:solidFill>
+                  <a:srgbClr val="FF0000"/>
+                </a:solidFill>
+              </a:rPr>
+              <a:t>1</a:t>
+            </a:r>
+          </a:p>
+        </p:txBody>
+      </p:sp>
+      <p:sp>
+        <p:nvSpPr>
+          <p:cNvPr id="17" name="TextBox 16">
+            <a:extLst>
+              <a:ext uri="{FF2B5EF4-FFF2-40B4-BE49-F238E27FC236}">
+                <a16:creationId xmlns:a16="http://schemas.microsoft.com/office/drawing/2014/main" id="{7FE92183-B7B1-2DCE-92C8-C70979464FEF}"/>
+              </a:ext>
+            </a:extLst>
+          </p:cNvPr>
+          <p:cNvSpPr txBox="1"/>
+          <p:nvPr/>
+        </p:nvSpPr>
+        <p:spPr>
+          <a:xfrm>
+            <a:off x="3679197" y="3783474"/>
+            <a:ext cx="301686" cy="369332"/>
+          </a:xfrm>
+          <a:prstGeom prst="rect">
+            <a:avLst/>
+          </a:prstGeom>
+          <a:noFill/>
+        </p:spPr>
+        <p:txBody>
+          <a:bodyPr wrap="none" rtlCol="0">
+            <a:spAutoFit/>
+          </a:bodyPr>
+          <a:lstStyle/>
+          <a:p>
+            <a:r>
+              <a:rPr lang="en-US" dirty="0">
+                <a:solidFill>
+                  <a:srgbClr val="FF0000"/>
+                </a:solidFill>
+              </a:rPr>
+              <a:t>0</a:t>
+            </a:r>
+          </a:p>
+        </p:txBody>
+      </p:sp>
+      <p:sp>
+        <p:nvSpPr>
+          <p:cNvPr id="18" name="TextBox 17">
+            <a:extLst>
+              <a:ext uri="{FF2B5EF4-FFF2-40B4-BE49-F238E27FC236}">
+                <a16:creationId xmlns:a16="http://schemas.microsoft.com/office/drawing/2014/main" id="{6E05C96E-9A38-8C3C-9377-B1FC73348CB3}"/>
+              </a:ext>
+            </a:extLst>
+          </p:cNvPr>
+          <p:cNvSpPr txBox="1"/>
+          <p:nvPr/>
+        </p:nvSpPr>
+        <p:spPr>
+          <a:xfrm>
+            <a:off x="2386506" y="3816219"/>
+            <a:ext cx="301686" cy="369332"/>
+          </a:xfrm>
+          <a:prstGeom prst="rect">
+            <a:avLst/>
+          </a:prstGeom>
+          <a:noFill/>
+        </p:spPr>
+        <p:txBody>
+          <a:bodyPr wrap="none" rtlCol="0">
+            <a:spAutoFit/>
+          </a:bodyPr>
+          <a:lstStyle/>
+          <a:p>
+            <a:r>
+              <a:rPr lang="en-US" dirty="0">
+                <a:solidFill>
+                  <a:srgbClr val="FF0000"/>
+                </a:solidFill>
+              </a:rPr>
+              <a:t>0</a:t>
+            </a:r>
+          </a:p>
+        </p:txBody>
+      </p:sp>
+      <p:sp>
+        <p:nvSpPr>
+          <p:cNvPr id="20" name="TextBox 19">
+            <a:extLst>
+              <a:ext uri="{FF2B5EF4-FFF2-40B4-BE49-F238E27FC236}">
+                <a16:creationId xmlns:a16="http://schemas.microsoft.com/office/drawing/2014/main" id="{938280B4-03A9-0DE6-8DB4-EF00ED817933}"/>
+              </a:ext>
+            </a:extLst>
+          </p:cNvPr>
+          <p:cNvSpPr txBox="1"/>
+          <p:nvPr/>
+        </p:nvSpPr>
+        <p:spPr>
+          <a:xfrm>
+            <a:off x="2027783" y="3819460"/>
+            <a:ext cx="301686" cy="369332"/>
+          </a:xfrm>
+          <a:prstGeom prst="rect">
+            <a:avLst/>
+          </a:prstGeom>
+          <a:noFill/>
+        </p:spPr>
+        <p:txBody>
+          <a:bodyPr wrap="none" rtlCol="0">
+            <a:spAutoFit/>
+          </a:bodyPr>
+          <a:lstStyle/>
+          <a:p>
+            <a:r>
+              <a:rPr lang="en-US" dirty="0">
+                <a:solidFill>
+                  <a:srgbClr val="FF0000"/>
+                </a:solidFill>
+              </a:rPr>
+              <a:t>0</a:t>
+            </a:r>
+          </a:p>
+        </p:txBody>
+      </p:sp>
+      <p:cxnSp>
+        <p:nvCxnSpPr>
+          <p:cNvPr id="22" name="Straight Arrow Connector 21">
+            <a:extLst>
+              <a:ext uri="{FF2B5EF4-FFF2-40B4-BE49-F238E27FC236}">
+                <a16:creationId xmlns:a16="http://schemas.microsoft.com/office/drawing/2014/main" id="{1F77BE0D-5E0F-D079-30ED-77BF8349748D}"/>
+              </a:ext>
+            </a:extLst>
+          </p:cNvPr>
+          <p:cNvCxnSpPr>
+            <a:cxnSpLocks/>
+            <a:stCxn id="23" idx="1"/>
+            <a:endCxn id="17" idx="3"/>
+          </p:cNvCxnSpPr>
+          <p:nvPr/>
+        </p:nvCxnSpPr>
+        <p:spPr>
+          <a:xfrm flipH="1">
+            <a:off x="3980883" y="3715848"/>
+            <a:ext cx="619641" cy="252292"/>
+          </a:xfrm>
+          <a:prstGeom prst="straightConnector1">
+            <a:avLst/>
+          </a:prstGeom>
+          <a:ln>
+            <a:tailEnd type="triangle" w="lg" len="lg"/>
+          </a:ln>
+        </p:spPr>
+        <p:style>
+          <a:lnRef idx="2">
+            <a:schemeClr val="accent1"/>
+          </a:lnRef>
+          <a:fillRef idx="0">
+            <a:schemeClr val="accent1"/>
+          </a:fillRef>
+          <a:effectRef idx="1">
+            <a:schemeClr val="accent1"/>
+          </a:effectRef>
+          <a:fontRef idx="minor">
+            <a:schemeClr val="tx1"/>
+          </a:fontRef>
+        </p:style>
+      </p:cxnSp>
+      <p:sp>
+        <p:nvSpPr>
+          <p:cNvPr id="23" name="TextBox 22">
+            <a:extLst>
+              <a:ext uri="{FF2B5EF4-FFF2-40B4-BE49-F238E27FC236}">
+                <a16:creationId xmlns:a16="http://schemas.microsoft.com/office/drawing/2014/main" id="{9EB36DA6-6063-5A07-D6AA-FDBC73C034B3}"/>
+              </a:ext>
+            </a:extLst>
+          </p:cNvPr>
+          <p:cNvSpPr txBox="1"/>
+          <p:nvPr/>
+        </p:nvSpPr>
+        <p:spPr>
+          <a:xfrm>
+            <a:off x="4600524" y="3531182"/>
+            <a:ext cx="1577996" cy="369332"/>
+          </a:xfrm>
+          <a:prstGeom prst="rect">
+            <a:avLst/>
+          </a:prstGeom>
+          <a:noFill/>
+        </p:spPr>
+        <p:txBody>
+          <a:bodyPr wrap="none" rtlCol="0">
+            <a:spAutoFit/>
+          </a:bodyPr>
+          <a:lstStyle/>
+          <a:p>
+            <a:r>
+              <a:rPr lang="en-US" dirty="0" err="1"/>
+              <a:t>carryIn</a:t>
+            </a:r>
+            <a:r>
+              <a:rPr lang="en-US" dirty="0"/>
+              <a:t> at pos0</a:t>
+            </a:r>
+          </a:p>
+        </p:txBody>
+      </p:sp>
+      <p:sp>
+        <p:nvSpPr>
+          <p:cNvPr id="24" name="TextBox 23">
+            <a:extLst>
+              <a:ext uri="{FF2B5EF4-FFF2-40B4-BE49-F238E27FC236}">
+                <a16:creationId xmlns:a16="http://schemas.microsoft.com/office/drawing/2014/main" id="{D11178CD-B6BD-8998-B363-E80D9DF69D37}"/>
+              </a:ext>
+            </a:extLst>
+          </p:cNvPr>
+          <p:cNvSpPr txBox="1"/>
+          <p:nvPr/>
+        </p:nvSpPr>
+        <p:spPr>
+          <a:xfrm>
+            <a:off x="4571999" y="3243616"/>
+            <a:ext cx="4002157" cy="369332"/>
+          </a:xfrm>
+          <a:prstGeom prst="rect">
+            <a:avLst/>
+          </a:prstGeom>
+          <a:noFill/>
+        </p:spPr>
+        <p:txBody>
+          <a:bodyPr wrap="square" rtlCol="0">
+            <a:spAutoFit/>
+          </a:bodyPr>
+          <a:lstStyle/>
+          <a:p>
+            <a:r>
+              <a:rPr lang="en-US" dirty="0" err="1"/>
+              <a:t>carryOut</a:t>
+            </a:r>
+            <a:r>
+              <a:rPr lang="en-US" dirty="0"/>
+              <a:t> at pos0 = </a:t>
+            </a:r>
+            <a:r>
+              <a:rPr lang="en-US" dirty="0" err="1"/>
+              <a:t>carryIn</a:t>
+            </a:r>
+            <a:r>
+              <a:rPr lang="en-US" dirty="0"/>
+              <a:t> at pos1</a:t>
+            </a:r>
+          </a:p>
+        </p:txBody>
+      </p:sp>
+      <p:cxnSp>
+        <p:nvCxnSpPr>
+          <p:cNvPr id="25" name="Straight Arrow Connector 24">
+            <a:extLst>
+              <a:ext uri="{FF2B5EF4-FFF2-40B4-BE49-F238E27FC236}">
+                <a16:creationId xmlns:a16="http://schemas.microsoft.com/office/drawing/2014/main" id="{12922DF6-FC33-4258-2E63-A56132F182F3}"/>
+              </a:ext>
+            </a:extLst>
+          </p:cNvPr>
+          <p:cNvCxnSpPr>
+            <a:cxnSpLocks/>
+            <a:stCxn id="24" idx="1"/>
+            <a:endCxn id="13" idx="0"/>
+          </p:cNvCxnSpPr>
+          <p:nvPr/>
+        </p:nvCxnSpPr>
+        <p:spPr>
+          <a:xfrm flipH="1">
+            <a:off x="3409042" y="3428282"/>
+            <a:ext cx="1162957" cy="361818"/>
+          </a:xfrm>
+          <a:prstGeom prst="straightConnector1">
+            <a:avLst/>
+          </a:prstGeom>
+          <a:ln>
+            <a:tailEnd type="triangle" w="lg" len="lg"/>
+          </a:ln>
+        </p:spPr>
+        <p:style>
+          <a:lnRef idx="2">
+            <a:schemeClr val="accent1"/>
+          </a:lnRef>
+          <a:fillRef idx="0">
+            <a:schemeClr val="accent1"/>
+          </a:fillRef>
+          <a:effectRef idx="1">
+            <a:schemeClr val="accent1"/>
+          </a:effectRef>
+          <a:fontRef idx="minor">
+            <a:schemeClr val="tx1"/>
+          </a:fontRef>
+        </p:style>
+      </p:cxnSp>
+      <p:sp>
+        <p:nvSpPr>
+          <p:cNvPr id="29" name="TextBox 28">
+            <a:extLst>
+              <a:ext uri="{FF2B5EF4-FFF2-40B4-BE49-F238E27FC236}">
+                <a16:creationId xmlns:a16="http://schemas.microsoft.com/office/drawing/2014/main" id="{1A08EA53-9B88-D559-92DD-1B33605AC310}"/>
+              </a:ext>
+            </a:extLst>
+          </p:cNvPr>
+          <p:cNvSpPr txBox="1"/>
+          <p:nvPr/>
+        </p:nvSpPr>
+        <p:spPr>
+          <a:xfrm>
+            <a:off x="4572000" y="2874284"/>
+            <a:ext cx="3816626" cy="369332"/>
+          </a:xfrm>
+          <a:prstGeom prst="rect">
+            <a:avLst/>
+          </a:prstGeom>
+          <a:noFill/>
+        </p:spPr>
+        <p:txBody>
+          <a:bodyPr wrap="square" rtlCol="0">
+            <a:spAutoFit/>
+          </a:bodyPr>
+          <a:lstStyle/>
+          <a:p>
+            <a:r>
+              <a:rPr lang="en-US" dirty="0" err="1"/>
+              <a:t>carryOut</a:t>
+            </a:r>
+            <a:r>
+              <a:rPr lang="en-US" dirty="0"/>
+              <a:t> at pos1 = </a:t>
+            </a:r>
+            <a:r>
+              <a:rPr lang="en-US" dirty="0" err="1"/>
+              <a:t>carryIn</a:t>
+            </a:r>
+            <a:r>
+              <a:rPr lang="en-US" dirty="0"/>
+              <a:t> at pos2</a:t>
+            </a:r>
+          </a:p>
+        </p:txBody>
+      </p:sp>
+      <p:cxnSp>
+        <p:nvCxnSpPr>
+          <p:cNvPr id="32" name="Straight Arrow Connector 31">
+            <a:extLst>
+              <a:ext uri="{FF2B5EF4-FFF2-40B4-BE49-F238E27FC236}">
+                <a16:creationId xmlns:a16="http://schemas.microsoft.com/office/drawing/2014/main" id="{31351A3F-991B-9C78-4AE7-9411BA90CF47}"/>
+              </a:ext>
+            </a:extLst>
+          </p:cNvPr>
+          <p:cNvCxnSpPr>
+            <a:cxnSpLocks/>
+            <a:stCxn id="29" idx="1"/>
+            <a:endCxn id="16" idx="0"/>
+          </p:cNvCxnSpPr>
+          <p:nvPr/>
+        </p:nvCxnSpPr>
+        <p:spPr>
+          <a:xfrm flipH="1">
+            <a:off x="2956555" y="3058950"/>
+            <a:ext cx="1615445" cy="743225"/>
+          </a:xfrm>
+          <a:prstGeom prst="straightConnector1">
+            <a:avLst/>
+          </a:prstGeom>
+          <a:ln>
+            <a:tailEnd type="triangle" w="lg" len="lg"/>
+          </a:ln>
+        </p:spPr>
+        <p:style>
+          <a:lnRef idx="2">
+            <a:schemeClr val="accent1"/>
+          </a:lnRef>
+          <a:fillRef idx="0">
+            <a:schemeClr val="accent1"/>
+          </a:fillRef>
+          <a:effectRef idx="1">
+            <a:schemeClr val="accent1"/>
+          </a:effectRef>
+          <a:fontRef idx="minor">
+            <a:schemeClr val="tx1"/>
+          </a:fontRef>
+        </p:style>
+      </p:cxnSp>
+      <p:sp>
+        <p:nvSpPr>
+          <p:cNvPr id="40" name="TextBox 39">
+            <a:extLst>
+              <a:ext uri="{FF2B5EF4-FFF2-40B4-BE49-F238E27FC236}">
+                <a16:creationId xmlns:a16="http://schemas.microsoft.com/office/drawing/2014/main" id="{C5DABD5B-28AD-C614-3684-D1064E47112C}"/>
+              </a:ext>
+            </a:extLst>
+          </p:cNvPr>
+          <p:cNvSpPr txBox="1"/>
+          <p:nvPr/>
+        </p:nvSpPr>
+        <p:spPr>
+          <a:xfrm>
+            <a:off x="4572000" y="2497962"/>
+            <a:ext cx="3816626" cy="369332"/>
+          </a:xfrm>
+          <a:prstGeom prst="rect">
+            <a:avLst/>
+          </a:prstGeom>
+          <a:noFill/>
+        </p:spPr>
+        <p:txBody>
+          <a:bodyPr wrap="square" rtlCol="0">
+            <a:spAutoFit/>
+          </a:bodyPr>
+          <a:lstStyle/>
+          <a:p>
+            <a:r>
+              <a:rPr lang="en-US" dirty="0" err="1"/>
+              <a:t>carryOut</a:t>
+            </a:r>
+            <a:r>
+              <a:rPr lang="en-US" dirty="0"/>
+              <a:t> at pos2 = </a:t>
+            </a:r>
+            <a:r>
+              <a:rPr lang="en-US" dirty="0" err="1"/>
+              <a:t>carryIn</a:t>
+            </a:r>
+            <a:r>
+              <a:rPr lang="en-US" dirty="0"/>
+              <a:t> at pos3</a:t>
+            </a:r>
+          </a:p>
+        </p:txBody>
+      </p:sp>
+      <p:cxnSp>
+        <p:nvCxnSpPr>
+          <p:cNvPr id="41" name="Straight Arrow Connector 40">
+            <a:extLst>
+              <a:ext uri="{FF2B5EF4-FFF2-40B4-BE49-F238E27FC236}">
+                <a16:creationId xmlns:a16="http://schemas.microsoft.com/office/drawing/2014/main" id="{4CE5FA25-8E81-A307-62CD-7EBEA84FA602}"/>
+              </a:ext>
+            </a:extLst>
+          </p:cNvPr>
+          <p:cNvCxnSpPr>
+            <a:cxnSpLocks/>
+            <a:stCxn id="40" idx="1"/>
+            <a:endCxn id="18" idx="0"/>
+          </p:cNvCxnSpPr>
+          <p:nvPr/>
+        </p:nvCxnSpPr>
+        <p:spPr>
+          <a:xfrm flipH="1">
+            <a:off x="2537349" y="2682628"/>
+            <a:ext cx="2034651" cy="1133591"/>
+          </a:xfrm>
+          <a:prstGeom prst="straightConnector1">
+            <a:avLst/>
+          </a:prstGeom>
+          <a:ln>
+            <a:tailEnd type="triangle" w="lg" len="lg"/>
+          </a:ln>
+        </p:spPr>
+        <p:style>
+          <a:lnRef idx="2">
+            <a:schemeClr val="accent1"/>
+          </a:lnRef>
+          <a:fillRef idx="0">
+            <a:schemeClr val="accent1"/>
+          </a:fillRef>
+          <a:effectRef idx="1">
+            <a:schemeClr val="accent1"/>
+          </a:effectRef>
+          <a:fontRef idx="minor">
+            <a:schemeClr val="tx1"/>
+          </a:fontRef>
+        </p:style>
+      </p:cxnSp>
+      <p:sp>
+        <p:nvSpPr>
+          <p:cNvPr id="42" name="TextBox 41">
+            <a:extLst>
+              <a:ext uri="{FF2B5EF4-FFF2-40B4-BE49-F238E27FC236}">
+                <a16:creationId xmlns:a16="http://schemas.microsoft.com/office/drawing/2014/main" id="{22F99536-6907-6F6C-EFE6-9214779B650C}"/>
+              </a:ext>
+            </a:extLst>
+          </p:cNvPr>
+          <p:cNvSpPr txBox="1"/>
+          <p:nvPr/>
+        </p:nvSpPr>
+        <p:spPr>
+          <a:xfrm>
+            <a:off x="4572000" y="2160104"/>
+            <a:ext cx="3075175" cy="369332"/>
+          </a:xfrm>
+          <a:prstGeom prst="rect">
+            <a:avLst/>
+          </a:prstGeom>
+          <a:noFill/>
+        </p:spPr>
+        <p:txBody>
+          <a:bodyPr wrap="square" rtlCol="0">
+            <a:spAutoFit/>
+          </a:bodyPr>
+          <a:lstStyle/>
+          <a:p>
+            <a:r>
+              <a:rPr lang="en-US" dirty="0" err="1"/>
+              <a:t>carryOut</a:t>
+            </a:r>
+            <a:r>
+              <a:rPr lang="en-US" dirty="0"/>
+              <a:t> at pos3</a:t>
+            </a:r>
+          </a:p>
+        </p:txBody>
+      </p:sp>
+      <p:cxnSp>
+        <p:nvCxnSpPr>
+          <p:cNvPr id="43" name="Straight Arrow Connector 42">
+            <a:extLst>
+              <a:ext uri="{FF2B5EF4-FFF2-40B4-BE49-F238E27FC236}">
+                <a16:creationId xmlns:a16="http://schemas.microsoft.com/office/drawing/2014/main" id="{782950D2-AB85-76F7-2862-A09F7287B2A9}"/>
+              </a:ext>
+            </a:extLst>
+          </p:cNvPr>
+          <p:cNvCxnSpPr>
+            <a:cxnSpLocks/>
+            <a:stCxn id="42" idx="1"/>
+            <a:endCxn id="20" idx="0"/>
+          </p:cNvCxnSpPr>
+          <p:nvPr/>
+        </p:nvCxnSpPr>
+        <p:spPr>
+          <a:xfrm flipH="1">
+            <a:off x="2178626" y="2344770"/>
+            <a:ext cx="2393374" cy="1474690"/>
+          </a:xfrm>
+          <a:prstGeom prst="straightConnector1">
+            <a:avLst/>
+          </a:prstGeom>
+          <a:ln>
+            <a:tailEnd type="triangle" w="lg" len="lg"/>
+          </a:ln>
+        </p:spPr>
+        <p:style>
+          <a:lnRef idx="2">
+            <a:schemeClr val="accent1"/>
+          </a:lnRef>
+          <a:fillRef idx="0">
+            <a:schemeClr val="accent1"/>
+          </a:fillRef>
+          <a:effectRef idx="1">
+            <a:schemeClr val="accent1"/>
+          </a:effectRef>
+          <a:fontRef idx="minor">
+            <a:schemeClr val="tx1"/>
+          </a:fontRef>
+        </p:style>
+      </p:cxnSp>
+      <p:sp>
+        <p:nvSpPr>
+          <p:cNvPr id="54" name="Freeform 53">
+            <a:extLst>
+              <a:ext uri="{FF2B5EF4-FFF2-40B4-BE49-F238E27FC236}">
+                <a16:creationId xmlns:a16="http://schemas.microsoft.com/office/drawing/2014/main" id="{9B87A01E-25E5-861B-AC00-E909BD1335D5}"/>
+              </a:ext>
+            </a:extLst>
+          </p:cNvPr>
+          <p:cNvSpPr/>
+          <p:nvPr/>
+        </p:nvSpPr>
+        <p:spPr>
+          <a:xfrm>
+            <a:off x="5772148" y="4135596"/>
+            <a:ext cx="626764" cy="1500309"/>
+          </a:xfrm>
+          <a:custGeom>
+            <a:avLst/>
+            <a:gdLst>
+              <a:gd name="connsiteX0" fmla="*/ 27651 w 626764"/>
+              <a:gd name="connsiteY0" fmla="*/ 37743 h 1500309"/>
+              <a:gd name="connsiteX1" fmla="*/ 0 w 626764"/>
+              <a:gd name="connsiteY1" fmla="*/ 169846 h 1500309"/>
+              <a:gd name="connsiteX2" fmla="*/ 9216 w 626764"/>
+              <a:gd name="connsiteY2" fmla="*/ 264205 h 1500309"/>
+              <a:gd name="connsiteX3" fmla="*/ 27651 w 626764"/>
+              <a:gd name="connsiteY3" fmla="*/ 292512 h 1500309"/>
+              <a:gd name="connsiteX4" fmla="*/ 82954 w 626764"/>
+              <a:gd name="connsiteY4" fmla="*/ 311384 h 1500309"/>
+              <a:gd name="connsiteX5" fmla="*/ 248862 w 626764"/>
+              <a:gd name="connsiteY5" fmla="*/ 330256 h 1500309"/>
+              <a:gd name="connsiteX6" fmla="*/ 267296 w 626764"/>
+              <a:gd name="connsiteY6" fmla="*/ 358564 h 1500309"/>
+              <a:gd name="connsiteX7" fmla="*/ 285730 w 626764"/>
+              <a:gd name="connsiteY7" fmla="*/ 415179 h 1500309"/>
+              <a:gd name="connsiteX8" fmla="*/ 294948 w 626764"/>
+              <a:gd name="connsiteY8" fmla="*/ 547282 h 1500309"/>
+              <a:gd name="connsiteX9" fmla="*/ 304165 w 626764"/>
+              <a:gd name="connsiteY9" fmla="*/ 603898 h 1500309"/>
+              <a:gd name="connsiteX10" fmla="*/ 285730 w 626764"/>
+              <a:gd name="connsiteY10" fmla="*/ 971898 h 1500309"/>
+              <a:gd name="connsiteX11" fmla="*/ 294948 w 626764"/>
+              <a:gd name="connsiteY11" fmla="*/ 1226667 h 1500309"/>
+              <a:gd name="connsiteX12" fmla="*/ 304165 w 626764"/>
+              <a:gd name="connsiteY12" fmla="*/ 1283283 h 1500309"/>
+              <a:gd name="connsiteX13" fmla="*/ 331815 w 626764"/>
+              <a:gd name="connsiteY13" fmla="*/ 1377642 h 1500309"/>
+              <a:gd name="connsiteX14" fmla="*/ 341032 w 626764"/>
+              <a:gd name="connsiteY14" fmla="*/ 1405950 h 1500309"/>
+              <a:gd name="connsiteX15" fmla="*/ 368684 w 626764"/>
+              <a:gd name="connsiteY15" fmla="*/ 1462565 h 1500309"/>
+              <a:gd name="connsiteX16" fmla="*/ 396336 w 626764"/>
+              <a:gd name="connsiteY16" fmla="*/ 1481437 h 1500309"/>
+              <a:gd name="connsiteX17" fmla="*/ 451639 w 626764"/>
+              <a:gd name="connsiteY17" fmla="*/ 1500309 h 1500309"/>
+              <a:gd name="connsiteX18" fmla="*/ 516158 w 626764"/>
+              <a:gd name="connsiteY18" fmla="*/ 1490873 h 1500309"/>
+              <a:gd name="connsiteX19" fmla="*/ 562244 w 626764"/>
+              <a:gd name="connsiteY19" fmla="*/ 1443693 h 1500309"/>
+              <a:gd name="connsiteX20" fmla="*/ 589895 w 626764"/>
+              <a:gd name="connsiteY20" fmla="*/ 1396513 h 1500309"/>
+              <a:gd name="connsiteX21" fmla="*/ 617547 w 626764"/>
+              <a:gd name="connsiteY21" fmla="*/ 1349335 h 1500309"/>
+              <a:gd name="connsiteX22" fmla="*/ 626764 w 626764"/>
+              <a:gd name="connsiteY22" fmla="*/ 1141744 h 1500309"/>
+              <a:gd name="connsiteX23" fmla="*/ 608330 w 626764"/>
+              <a:gd name="connsiteY23" fmla="*/ 811488 h 1500309"/>
+              <a:gd name="connsiteX24" fmla="*/ 599112 w 626764"/>
+              <a:gd name="connsiteY24" fmla="*/ 188717 h 1500309"/>
+              <a:gd name="connsiteX25" fmla="*/ 589895 w 626764"/>
+              <a:gd name="connsiteY25" fmla="*/ 150973 h 1500309"/>
+              <a:gd name="connsiteX26" fmla="*/ 562244 w 626764"/>
+              <a:gd name="connsiteY26" fmla="*/ 94358 h 1500309"/>
+              <a:gd name="connsiteX27" fmla="*/ 534592 w 626764"/>
+              <a:gd name="connsiteY27" fmla="*/ 75486 h 1500309"/>
+              <a:gd name="connsiteX28" fmla="*/ 479289 w 626764"/>
+              <a:gd name="connsiteY28" fmla="*/ 56615 h 1500309"/>
+              <a:gd name="connsiteX29" fmla="*/ 433204 w 626764"/>
+              <a:gd name="connsiteY29" fmla="*/ 28307 h 1500309"/>
+              <a:gd name="connsiteX30" fmla="*/ 359467 w 626764"/>
+              <a:gd name="connsiteY30" fmla="*/ 0 h 1500309"/>
+              <a:gd name="connsiteX31" fmla="*/ 258079 w 626764"/>
+              <a:gd name="connsiteY31" fmla="*/ 9435 h 1500309"/>
+              <a:gd name="connsiteX32" fmla="*/ 82954 w 626764"/>
+              <a:gd name="connsiteY32" fmla="*/ 28307 h 1500309"/>
+              <a:gd name="connsiteX33" fmla="*/ 18433 w 626764"/>
+              <a:gd name="connsiteY33" fmla="*/ 47179 h 1500309"/>
+              <a:gd name="connsiteX34" fmla="*/ 27651 w 626764"/>
+              <a:gd name="connsiteY34" fmla="*/ 37743 h 1500309"/>
+            </a:gdLst>
+            <a:ahLst/>
+            <a:cxnLst>
+              <a:cxn ang="0">
+                <a:pos x="connsiteX0" y="connsiteY0"/>
+              </a:cxn>
+              <a:cxn ang="0">
+                <a:pos x="connsiteX1" y="connsiteY1"/>
+              </a:cxn>
+              <a:cxn ang="0">
+                <a:pos x="connsiteX2" y="connsiteY2"/>
+              </a:cxn>
+              <a:cxn ang="0">
+                <a:pos x="connsiteX3" y="connsiteY3"/>
+              </a:cxn>
+              <a:cxn ang="0">
+                <a:pos x="connsiteX4" y="connsiteY4"/>
+              </a:cxn>
+              <a:cxn ang="0">
+                <a:pos x="connsiteX5" y="connsiteY5"/>
+              </a:cxn>
+              <a:cxn ang="0">
+                <a:pos x="connsiteX6" y="connsiteY6"/>
+              </a:cxn>
+              <a:cxn ang="0">
+                <a:pos x="connsiteX7" y="connsiteY7"/>
+              </a:cxn>
+              <a:cxn ang="0">
+                <a:pos x="connsiteX8" y="connsiteY8"/>
+              </a:cxn>
+              <a:cxn ang="0">
+                <a:pos x="connsiteX9" y="connsiteY9"/>
+              </a:cxn>
+              <a:cxn ang="0">
+                <a:pos x="connsiteX10" y="connsiteY10"/>
+              </a:cxn>
+              <a:cxn ang="0">
+                <a:pos x="connsiteX11" y="connsiteY11"/>
+              </a:cxn>
+              <a:cxn ang="0">
+                <a:pos x="connsiteX12" y="connsiteY12"/>
+              </a:cxn>
+              <a:cxn ang="0">
+                <a:pos x="connsiteX13" y="connsiteY13"/>
+              </a:cxn>
+              <a:cxn ang="0">
+                <a:pos x="connsiteX14" y="connsiteY14"/>
+              </a:cxn>
+              <a:cxn ang="0">
+                <a:pos x="connsiteX15" y="connsiteY15"/>
+              </a:cxn>
+              <a:cxn ang="0">
+                <a:pos x="connsiteX16" y="connsiteY16"/>
+              </a:cxn>
+              <a:cxn ang="0">
+                <a:pos x="connsiteX17" y="connsiteY17"/>
+              </a:cxn>
+              <a:cxn ang="0">
+                <a:pos x="connsiteX18" y="connsiteY18"/>
+              </a:cxn>
+              <a:cxn ang="0">
+                <a:pos x="connsiteX19" y="connsiteY19"/>
+              </a:cxn>
+              <a:cxn ang="0">
+                <a:pos x="connsiteX20" y="connsiteY20"/>
+              </a:cxn>
+              <a:cxn ang="0">
+                <a:pos x="connsiteX21" y="connsiteY21"/>
+              </a:cxn>
+              <a:cxn ang="0">
+                <a:pos x="connsiteX22" y="connsiteY22"/>
+              </a:cxn>
+              <a:cxn ang="0">
+                <a:pos x="connsiteX23" y="connsiteY23"/>
+              </a:cxn>
+              <a:cxn ang="0">
+                <a:pos x="connsiteX24" y="connsiteY24"/>
+              </a:cxn>
+              <a:cxn ang="0">
+                <a:pos x="connsiteX25" y="connsiteY25"/>
+              </a:cxn>
+              <a:cxn ang="0">
+                <a:pos x="connsiteX26" y="connsiteY26"/>
+              </a:cxn>
+              <a:cxn ang="0">
+                <a:pos x="connsiteX27" y="connsiteY27"/>
+              </a:cxn>
+              <a:cxn ang="0">
+                <a:pos x="connsiteX28" y="connsiteY28"/>
+              </a:cxn>
+              <a:cxn ang="0">
+                <a:pos x="connsiteX29" y="connsiteY29"/>
+              </a:cxn>
+              <a:cxn ang="0">
+                <a:pos x="connsiteX30" y="connsiteY30"/>
+              </a:cxn>
+              <a:cxn ang="0">
+                <a:pos x="connsiteX31" y="connsiteY31"/>
+              </a:cxn>
+              <a:cxn ang="0">
+                <a:pos x="connsiteX32" y="connsiteY32"/>
+              </a:cxn>
+              <a:cxn ang="0">
+                <a:pos x="connsiteX33" y="connsiteY33"/>
+              </a:cxn>
+              <a:cxn ang="0">
+                <a:pos x="connsiteX34" y="connsiteY34"/>
+              </a:cxn>
+            </a:cxnLst>
+            <a:rect l="l" t="t" r="r" b="b"/>
+            <a:pathLst>
+              <a:path w="626764" h="1500309" extrusionOk="0">
+                <a:moveTo>
+                  <a:pt x="27651" y="37743"/>
+                </a:moveTo>
+                <a:cubicBezTo>
+                  <a:pt x="21526" y="56304"/>
+                  <a:pt x="-7538" y="128314"/>
+                  <a:pt x="0" y="169846"/>
+                </a:cubicBezTo>
+                <a:cubicBezTo>
+                  <a:pt x="5936" y="202705"/>
+                  <a:pt x="-5268" y="233645"/>
+                  <a:pt x="9216" y="264205"/>
+                </a:cubicBezTo>
+                <a:cubicBezTo>
+                  <a:pt x="11277" y="275675"/>
+                  <a:pt x="17810" y="288977"/>
+                  <a:pt x="27651" y="292512"/>
+                </a:cubicBezTo>
+                <a:cubicBezTo>
+                  <a:pt x="40487" y="301062"/>
+                  <a:pt x="68425" y="306959"/>
+                  <a:pt x="82954" y="311384"/>
+                </a:cubicBezTo>
+                <a:cubicBezTo>
+                  <a:pt x="159421" y="336366"/>
+                  <a:pt x="105214" y="311250"/>
+                  <a:pt x="248862" y="330256"/>
+                </a:cubicBezTo>
+                <a:cubicBezTo>
+                  <a:pt x="253807" y="339508"/>
+                  <a:pt x="262171" y="348790"/>
+                  <a:pt x="267296" y="358564"/>
+                </a:cubicBezTo>
+                <a:cubicBezTo>
+                  <a:pt x="275188" y="376741"/>
+                  <a:pt x="285730" y="415179"/>
+                  <a:pt x="285730" y="415179"/>
+                </a:cubicBezTo>
+                <a:cubicBezTo>
+                  <a:pt x="295732" y="463093"/>
+                  <a:pt x="292126" y="503707"/>
+                  <a:pt x="294948" y="547282"/>
+                </a:cubicBezTo>
+                <a:cubicBezTo>
+                  <a:pt x="295765" y="566151"/>
+                  <a:pt x="306567" y="586730"/>
+                  <a:pt x="304165" y="603898"/>
+                </a:cubicBezTo>
+                <a:cubicBezTo>
+                  <a:pt x="314309" y="700394"/>
+                  <a:pt x="293022" y="894441"/>
+                  <a:pt x="285730" y="971898"/>
+                </a:cubicBezTo>
+                <a:cubicBezTo>
+                  <a:pt x="293412" y="1063921"/>
+                  <a:pt x="296676" y="1150109"/>
+                  <a:pt x="294948" y="1226667"/>
+                </a:cubicBezTo>
+                <a:cubicBezTo>
+                  <a:pt x="297746" y="1244303"/>
+                  <a:pt x="300862" y="1262815"/>
+                  <a:pt x="304165" y="1283283"/>
+                </a:cubicBezTo>
+                <a:cubicBezTo>
+                  <a:pt x="305855" y="1319801"/>
+                  <a:pt x="316580" y="1339133"/>
+                  <a:pt x="331815" y="1377642"/>
+                </a:cubicBezTo>
+                <a:cubicBezTo>
+                  <a:pt x="334986" y="1383747"/>
+                  <a:pt x="336324" y="1392444"/>
+                  <a:pt x="341032" y="1405950"/>
+                </a:cubicBezTo>
+                <a:cubicBezTo>
+                  <a:pt x="347843" y="1426911"/>
+                  <a:pt x="352332" y="1443968"/>
+                  <a:pt x="368684" y="1462565"/>
+                </a:cubicBezTo>
+                <a:cubicBezTo>
+                  <a:pt x="377391" y="1470726"/>
+                  <a:pt x="385638" y="1476855"/>
+                  <a:pt x="396336" y="1481437"/>
+                </a:cubicBezTo>
+                <a:cubicBezTo>
+                  <a:pt x="414092" y="1489515"/>
+                  <a:pt x="451638" y="1500309"/>
+                  <a:pt x="451639" y="1500309"/>
+                </a:cubicBezTo>
+                <a:cubicBezTo>
+                  <a:pt x="478392" y="1496053"/>
+                  <a:pt x="496795" y="1501466"/>
+                  <a:pt x="516158" y="1490873"/>
+                </a:cubicBezTo>
+                <a:cubicBezTo>
+                  <a:pt x="535591" y="1480926"/>
+                  <a:pt x="562244" y="1443693"/>
+                  <a:pt x="562244" y="1443693"/>
+                </a:cubicBezTo>
+                <a:cubicBezTo>
+                  <a:pt x="594609" y="1364808"/>
+                  <a:pt x="548683" y="1465335"/>
+                  <a:pt x="589895" y="1396513"/>
+                </a:cubicBezTo>
+                <a:cubicBezTo>
+                  <a:pt x="628921" y="1325633"/>
+                  <a:pt x="576275" y="1403025"/>
+                  <a:pt x="617547" y="1349335"/>
+                </a:cubicBezTo>
+                <a:cubicBezTo>
+                  <a:pt x="622691" y="1286692"/>
+                  <a:pt x="630304" y="1212252"/>
+                  <a:pt x="626764" y="1141744"/>
+                </a:cubicBezTo>
+                <a:cubicBezTo>
+                  <a:pt x="628670" y="987674"/>
+                  <a:pt x="630661" y="938335"/>
+                  <a:pt x="608330" y="811488"/>
+                </a:cubicBezTo>
+                <a:cubicBezTo>
+                  <a:pt x="611954" y="602429"/>
+                  <a:pt x="624212" y="412154"/>
+                  <a:pt x="599112" y="188717"/>
+                </a:cubicBezTo>
+                <a:cubicBezTo>
+                  <a:pt x="597697" y="175393"/>
+                  <a:pt x="591571" y="165269"/>
+                  <a:pt x="589895" y="150973"/>
+                </a:cubicBezTo>
+                <a:cubicBezTo>
+                  <a:pt x="582404" y="132683"/>
+                  <a:pt x="581380" y="107341"/>
+                  <a:pt x="562244" y="94358"/>
+                </a:cubicBezTo>
+                <a:cubicBezTo>
+                  <a:pt x="555891" y="87711"/>
+                  <a:pt x="546913" y="78779"/>
+                  <a:pt x="534592" y="75486"/>
+                </a:cubicBezTo>
+                <a:cubicBezTo>
+                  <a:pt x="516836" y="67408"/>
+                  <a:pt x="479289" y="56614"/>
+                  <a:pt x="479289" y="56615"/>
+                </a:cubicBezTo>
+                <a:cubicBezTo>
+                  <a:pt x="437246" y="19559"/>
+                  <a:pt x="492617" y="56108"/>
+                  <a:pt x="433204" y="28307"/>
+                </a:cubicBezTo>
+                <a:cubicBezTo>
+                  <a:pt x="386329" y="-8434"/>
+                  <a:pt x="448081" y="20299"/>
+                  <a:pt x="359467" y="0"/>
+                </a:cubicBezTo>
+                <a:cubicBezTo>
+                  <a:pt x="325612" y="5295"/>
+                  <a:pt x="290106" y="3933"/>
+                  <a:pt x="258079" y="9435"/>
+                </a:cubicBezTo>
+                <a:cubicBezTo>
+                  <a:pt x="12345" y="40361"/>
+                  <a:pt x="180217" y="5567"/>
+                  <a:pt x="82954" y="28307"/>
+                </a:cubicBezTo>
+                <a:cubicBezTo>
+                  <a:pt x="67001" y="29442"/>
+                  <a:pt x="32751" y="40051"/>
+                  <a:pt x="18433" y="47179"/>
+                </a:cubicBezTo>
+                <a:cubicBezTo>
+                  <a:pt x="15519" y="49387"/>
+                  <a:pt x="33965" y="13835"/>
+                  <a:pt x="27651" y="37743"/>
+                </a:cubicBezTo>
+                <a:close/>
+              </a:path>
+            </a:pathLst>
+          </a:custGeom>
+          <a:noFill/>
+          <a:ln w="25400">
+            <a:solidFill>
+              <a:srgbClr val="FF0000"/>
+            </a:solidFill>
+            <a:extLst>
+              <a:ext uri="{C807C97D-BFC1-408E-A445-0C87EB9F89A2}">
+                <ask:lineSketchStyleProps xmlns:ask="http://schemas.microsoft.com/office/drawing/2018/sketchyshapes" sd="1219033472">
+                  <a:custGeom>
+                    <a:avLst/>
+                    <a:gdLst>
+                      <a:gd name="connsiteX0" fmla="*/ 39757 w 901148"/>
+                      <a:gd name="connsiteY0" fmla="*/ 53008 h 2107095"/>
+                      <a:gd name="connsiteX1" fmla="*/ 0 w 901148"/>
+                      <a:gd name="connsiteY1" fmla="*/ 238539 h 2107095"/>
+                      <a:gd name="connsiteX2" fmla="*/ 13252 w 901148"/>
+                      <a:gd name="connsiteY2" fmla="*/ 371061 h 2107095"/>
+                      <a:gd name="connsiteX3" fmla="*/ 39757 w 901148"/>
+                      <a:gd name="connsiteY3" fmla="*/ 410817 h 2107095"/>
+                      <a:gd name="connsiteX4" fmla="*/ 119270 w 901148"/>
+                      <a:gd name="connsiteY4" fmla="*/ 437321 h 2107095"/>
+                      <a:gd name="connsiteX5" fmla="*/ 357809 w 901148"/>
+                      <a:gd name="connsiteY5" fmla="*/ 463826 h 2107095"/>
+                      <a:gd name="connsiteX6" fmla="*/ 384313 w 901148"/>
+                      <a:gd name="connsiteY6" fmla="*/ 503582 h 2107095"/>
+                      <a:gd name="connsiteX7" fmla="*/ 410817 w 901148"/>
+                      <a:gd name="connsiteY7" fmla="*/ 583095 h 2107095"/>
+                      <a:gd name="connsiteX8" fmla="*/ 424070 w 901148"/>
+                      <a:gd name="connsiteY8" fmla="*/ 768626 h 2107095"/>
+                      <a:gd name="connsiteX9" fmla="*/ 437322 w 901148"/>
+                      <a:gd name="connsiteY9" fmla="*/ 848139 h 2107095"/>
+                      <a:gd name="connsiteX10" fmla="*/ 410817 w 901148"/>
+                      <a:gd name="connsiteY10" fmla="*/ 1364974 h 2107095"/>
+                      <a:gd name="connsiteX11" fmla="*/ 424070 w 901148"/>
+                      <a:gd name="connsiteY11" fmla="*/ 1722782 h 2107095"/>
+                      <a:gd name="connsiteX12" fmla="*/ 437322 w 901148"/>
+                      <a:gd name="connsiteY12" fmla="*/ 1802295 h 2107095"/>
+                      <a:gd name="connsiteX13" fmla="*/ 477078 w 901148"/>
+                      <a:gd name="connsiteY13" fmla="*/ 1934817 h 2107095"/>
+                      <a:gd name="connsiteX14" fmla="*/ 490330 w 901148"/>
+                      <a:gd name="connsiteY14" fmla="*/ 1974574 h 2107095"/>
+                      <a:gd name="connsiteX15" fmla="*/ 530087 w 901148"/>
+                      <a:gd name="connsiteY15" fmla="*/ 2054087 h 2107095"/>
+                      <a:gd name="connsiteX16" fmla="*/ 569844 w 901148"/>
+                      <a:gd name="connsiteY16" fmla="*/ 2080591 h 2107095"/>
+                      <a:gd name="connsiteX17" fmla="*/ 649357 w 901148"/>
+                      <a:gd name="connsiteY17" fmla="*/ 2107095 h 2107095"/>
+                      <a:gd name="connsiteX18" fmla="*/ 742122 w 901148"/>
+                      <a:gd name="connsiteY18" fmla="*/ 2093843 h 2107095"/>
+                      <a:gd name="connsiteX19" fmla="*/ 808383 w 901148"/>
+                      <a:gd name="connsiteY19" fmla="*/ 2027582 h 2107095"/>
+                      <a:gd name="connsiteX20" fmla="*/ 848139 w 901148"/>
+                      <a:gd name="connsiteY20" fmla="*/ 1961321 h 2107095"/>
+                      <a:gd name="connsiteX21" fmla="*/ 887896 w 901148"/>
+                      <a:gd name="connsiteY21" fmla="*/ 1895061 h 2107095"/>
+                      <a:gd name="connsiteX22" fmla="*/ 901148 w 901148"/>
+                      <a:gd name="connsiteY22" fmla="*/ 1603513 h 2107095"/>
+                      <a:gd name="connsiteX23" fmla="*/ 874644 w 901148"/>
+                      <a:gd name="connsiteY23" fmla="*/ 1139687 h 2107095"/>
+                      <a:gd name="connsiteX24" fmla="*/ 861391 w 901148"/>
+                      <a:gd name="connsiteY24" fmla="*/ 265043 h 2107095"/>
+                      <a:gd name="connsiteX25" fmla="*/ 848139 w 901148"/>
+                      <a:gd name="connsiteY25" fmla="*/ 212034 h 2107095"/>
+                      <a:gd name="connsiteX26" fmla="*/ 808383 w 901148"/>
+                      <a:gd name="connsiteY26" fmla="*/ 132521 h 2107095"/>
+                      <a:gd name="connsiteX27" fmla="*/ 768626 w 901148"/>
+                      <a:gd name="connsiteY27" fmla="*/ 106017 h 2107095"/>
+                      <a:gd name="connsiteX28" fmla="*/ 689113 w 901148"/>
+                      <a:gd name="connsiteY28" fmla="*/ 79513 h 2107095"/>
+                      <a:gd name="connsiteX29" fmla="*/ 622852 w 901148"/>
+                      <a:gd name="connsiteY29" fmla="*/ 39756 h 2107095"/>
+                      <a:gd name="connsiteX30" fmla="*/ 516835 w 901148"/>
+                      <a:gd name="connsiteY30" fmla="*/ 0 h 2107095"/>
+                      <a:gd name="connsiteX31" fmla="*/ 371061 w 901148"/>
+                      <a:gd name="connsiteY31" fmla="*/ 13252 h 2107095"/>
+                      <a:gd name="connsiteX32" fmla="*/ 119270 w 901148"/>
+                      <a:gd name="connsiteY32" fmla="*/ 39756 h 2107095"/>
+                      <a:gd name="connsiteX33" fmla="*/ 26504 w 901148"/>
+                      <a:gd name="connsiteY33" fmla="*/ 66261 h 2107095"/>
+                      <a:gd name="connsiteX34" fmla="*/ 39757 w 901148"/>
+                      <a:gd name="connsiteY34" fmla="*/ 53008 h 2107095"/>
+                    </a:gdLst>
+                    <a:ahLst/>
+                    <a:cxnLst>
+                      <a:cxn ang="0">
+                        <a:pos x="connsiteX0" y="connsiteY0"/>
+                      </a:cxn>
+                      <a:cxn ang="0">
+                        <a:pos x="connsiteX1" y="connsiteY1"/>
+                      </a:cxn>
+                      <a:cxn ang="0">
+                        <a:pos x="connsiteX2" y="connsiteY2"/>
+                      </a:cxn>
+                      <a:cxn ang="0">
+                        <a:pos x="connsiteX3" y="connsiteY3"/>
+                      </a:cxn>
+                      <a:cxn ang="0">
+                        <a:pos x="connsiteX4" y="connsiteY4"/>
+                      </a:cxn>
+                      <a:cxn ang="0">
+                        <a:pos x="connsiteX5" y="connsiteY5"/>
+                      </a:cxn>
+                      <a:cxn ang="0">
+                        <a:pos x="connsiteX6" y="connsiteY6"/>
+                      </a:cxn>
+                      <a:cxn ang="0">
+                        <a:pos x="connsiteX7" y="connsiteY7"/>
+                      </a:cxn>
+                      <a:cxn ang="0">
+                        <a:pos x="connsiteX8" y="connsiteY8"/>
+                      </a:cxn>
+                      <a:cxn ang="0">
+                        <a:pos x="connsiteX9" y="connsiteY9"/>
+                      </a:cxn>
+                      <a:cxn ang="0">
+                        <a:pos x="connsiteX10" y="connsiteY10"/>
+                      </a:cxn>
+                      <a:cxn ang="0">
+                        <a:pos x="connsiteX11" y="connsiteY11"/>
+                      </a:cxn>
+                      <a:cxn ang="0">
+                        <a:pos x="connsiteX12" y="connsiteY12"/>
+                      </a:cxn>
+                      <a:cxn ang="0">
+                        <a:pos x="connsiteX13" y="connsiteY13"/>
+                      </a:cxn>
+                      <a:cxn ang="0">
+                        <a:pos x="connsiteX14" y="connsiteY14"/>
+                      </a:cxn>
+                      <a:cxn ang="0">
+                        <a:pos x="connsiteX15" y="connsiteY15"/>
+                      </a:cxn>
+                      <a:cxn ang="0">
+                        <a:pos x="connsiteX16" y="connsiteY16"/>
+                      </a:cxn>
+                      <a:cxn ang="0">
+                        <a:pos x="connsiteX17" y="connsiteY17"/>
+                      </a:cxn>
+                      <a:cxn ang="0">
+                        <a:pos x="connsiteX18" y="connsiteY18"/>
+                      </a:cxn>
+                      <a:cxn ang="0">
+                        <a:pos x="connsiteX19" y="connsiteY19"/>
+                      </a:cxn>
+                      <a:cxn ang="0">
+                        <a:pos x="connsiteX20" y="connsiteY20"/>
+                      </a:cxn>
+                      <a:cxn ang="0">
+                        <a:pos x="connsiteX21" y="connsiteY21"/>
+                      </a:cxn>
+                      <a:cxn ang="0">
+                        <a:pos x="connsiteX22" y="connsiteY22"/>
+                      </a:cxn>
+                      <a:cxn ang="0">
+                        <a:pos x="connsiteX23" y="connsiteY23"/>
+                      </a:cxn>
+                      <a:cxn ang="0">
+                        <a:pos x="connsiteX24" y="connsiteY24"/>
+                      </a:cxn>
+                      <a:cxn ang="0">
+                        <a:pos x="connsiteX25" y="connsiteY25"/>
+                      </a:cxn>
+                      <a:cxn ang="0">
+                        <a:pos x="connsiteX26" y="connsiteY26"/>
+                      </a:cxn>
+                      <a:cxn ang="0">
+                        <a:pos x="connsiteX27" y="connsiteY27"/>
+                      </a:cxn>
+                      <a:cxn ang="0">
+                        <a:pos x="connsiteX28" y="connsiteY28"/>
+                      </a:cxn>
+                      <a:cxn ang="0">
+                        <a:pos x="connsiteX29" y="connsiteY29"/>
+                      </a:cxn>
+                      <a:cxn ang="0">
+                        <a:pos x="connsiteX30" y="connsiteY30"/>
+                      </a:cxn>
+                      <a:cxn ang="0">
+                        <a:pos x="connsiteX31" y="connsiteY31"/>
+                      </a:cxn>
+                      <a:cxn ang="0">
+                        <a:pos x="connsiteX32" y="connsiteY32"/>
+                      </a:cxn>
+                      <a:cxn ang="0">
+                        <a:pos x="connsiteX33" y="connsiteY33"/>
+                      </a:cxn>
+                      <a:cxn ang="0">
+                        <a:pos x="connsiteX34" y="connsiteY34"/>
+                      </a:cxn>
+                    </a:cxnLst>
+                    <a:rect l="l" t="t" r="r" b="b"/>
+                    <a:pathLst>
+                      <a:path w="901148" h="2107095">
+                        <a:moveTo>
+                          <a:pt x="39757" y="53008"/>
+                        </a:moveTo>
+                        <a:cubicBezTo>
+                          <a:pt x="35340" y="81721"/>
+                          <a:pt x="0" y="176237"/>
+                          <a:pt x="0" y="238539"/>
+                        </a:cubicBezTo>
+                        <a:cubicBezTo>
+                          <a:pt x="0" y="282933"/>
+                          <a:pt x="3269" y="327804"/>
+                          <a:pt x="13252" y="371061"/>
+                        </a:cubicBezTo>
+                        <a:cubicBezTo>
+                          <a:pt x="16833" y="386580"/>
+                          <a:pt x="26251" y="402376"/>
+                          <a:pt x="39757" y="410817"/>
+                        </a:cubicBezTo>
+                        <a:cubicBezTo>
+                          <a:pt x="63448" y="425624"/>
+                          <a:pt x="92766" y="428486"/>
+                          <a:pt x="119270" y="437321"/>
+                        </a:cubicBezTo>
+                        <a:cubicBezTo>
+                          <a:pt x="222033" y="471576"/>
+                          <a:pt x="145052" y="449642"/>
+                          <a:pt x="357809" y="463826"/>
+                        </a:cubicBezTo>
+                        <a:cubicBezTo>
+                          <a:pt x="366644" y="477078"/>
+                          <a:pt x="377845" y="489028"/>
+                          <a:pt x="384313" y="503582"/>
+                        </a:cubicBezTo>
+                        <a:cubicBezTo>
+                          <a:pt x="395660" y="529112"/>
+                          <a:pt x="410817" y="583095"/>
+                          <a:pt x="410817" y="583095"/>
+                        </a:cubicBezTo>
+                        <a:cubicBezTo>
+                          <a:pt x="415235" y="644939"/>
+                          <a:pt x="417901" y="706932"/>
+                          <a:pt x="424070" y="768626"/>
+                        </a:cubicBezTo>
+                        <a:cubicBezTo>
+                          <a:pt x="426744" y="795363"/>
+                          <a:pt x="437322" y="821269"/>
+                          <a:pt x="437322" y="848139"/>
+                        </a:cubicBezTo>
+                        <a:cubicBezTo>
+                          <a:pt x="437322" y="962456"/>
+                          <a:pt x="419044" y="1233351"/>
+                          <a:pt x="410817" y="1364974"/>
+                        </a:cubicBezTo>
+                        <a:cubicBezTo>
+                          <a:pt x="415235" y="1484243"/>
+                          <a:pt x="416850" y="1603649"/>
+                          <a:pt x="424070" y="1722782"/>
+                        </a:cubicBezTo>
+                        <a:cubicBezTo>
+                          <a:pt x="425696" y="1749603"/>
+                          <a:pt x="432052" y="1775947"/>
+                          <a:pt x="437322" y="1802295"/>
+                        </a:cubicBezTo>
+                        <a:cubicBezTo>
+                          <a:pt x="447336" y="1852367"/>
+                          <a:pt x="460175" y="1884106"/>
+                          <a:pt x="477078" y="1934817"/>
+                        </a:cubicBezTo>
+                        <a:lnTo>
+                          <a:pt x="490330" y="1974574"/>
+                        </a:lnTo>
+                        <a:cubicBezTo>
+                          <a:pt x="501107" y="2006906"/>
+                          <a:pt x="504400" y="2028400"/>
+                          <a:pt x="530087" y="2054087"/>
+                        </a:cubicBezTo>
+                        <a:cubicBezTo>
+                          <a:pt x="541349" y="2065349"/>
+                          <a:pt x="555290" y="2074122"/>
+                          <a:pt x="569844" y="2080591"/>
+                        </a:cubicBezTo>
+                        <a:cubicBezTo>
+                          <a:pt x="595374" y="2091938"/>
+                          <a:pt x="649357" y="2107095"/>
+                          <a:pt x="649357" y="2107095"/>
+                        </a:cubicBezTo>
+                        <a:cubicBezTo>
+                          <a:pt x="680279" y="2102678"/>
+                          <a:pt x="714184" y="2107812"/>
+                          <a:pt x="742122" y="2093843"/>
+                        </a:cubicBezTo>
+                        <a:cubicBezTo>
+                          <a:pt x="770060" y="2079874"/>
+                          <a:pt x="808383" y="2027582"/>
+                          <a:pt x="808383" y="2027582"/>
+                        </a:cubicBezTo>
+                        <a:cubicBezTo>
+                          <a:pt x="845923" y="1914961"/>
+                          <a:pt x="793567" y="2052276"/>
+                          <a:pt x="848139" y="1961321"/>
+                        </a:cubicBezTo>
+                        <a:cubicBezTo>
+                          <a:pt x="899744" y="1875311"/>
+                          <a:pt x="820742" y="1962212"/>
+                          <a:pt x="887896" y="1895061"/>
+                        </a:cubicBezTo>
+                        <a:cubicBezTo>
+                          <a:pt x="892313" y="1797878"/>
+                          <a:pt x="901148" y="1700796"/>
+                          <a:pt x="901148" y="1603513"/>
+                        </a:cubicBezTo>
+                        <a:cubicBezTo>
+                          <a:pt x="901148" y="1378114"/>
+                          <a:pt x="892858" y="1321826"/>
+                          <a:pt x="874644" y="1139687"/>
+                        </a:cubicBezTo>
+                        <a:cubicBezTo>
+                          <a:pt x="870226" y="848139"/>
+                          <a:pt x="869719" y="556506"/>
+                          <a:pt x="861391" y="265043"/>
+                        </a:cubicBezTo>
+                        <a:cubicBezTo>
+                          <a:pt x="860871" y="246837"/>
+                          <a:pt x="853143" y="229547"/>
+                          <a:pt x="848139" y="212034"/>
+                        </a:cubicBezTo>
+                        <a:cubicBezTo>
+                          <a:pt x="839517" y="181856"/>
+                          <a:pt x="831614" y="155752"/>
+                          <a:pt x="808383" y="132521"/>
+                        </a:cubicBezTo>
+                        <a:cubicBezTo>
+                          <a:pt x="797121" y="121259"/>
+                          <a:pt x="783180" y="112486"/>
+                          <a:pt x="768626" y="106017"/>
+                        </a:cubicBezTo>
+                        <a:cubicBezTo>
+                          <a:pt x="743096" y="94670"/>
+                          <a:pt x="689113" y="79513"/>
+                          <a:pt x="689113" y="79513"/>
+                        </a:cubicBezTo>
+                        <a:cubicBezTo>
+                          <a:pt x="637346" y="27744"/>
+                          <a:pt x="691664" y="74162"/>
+                          <a:pt x="622852" y="39756"/>
+                        </a:cubicBezTo>
+                        <a:cubicBezTo>
+                          <a:pt x="531854" y="-5742"/>
+                          <a:pt x="644676" y="25568"/>
+                          <a:pt x="516835" y="0"/>
+                        </a:cubicBezTo>
+                        <a:lnTo>
+                          <a:pt x="371061" y="13252"/>
+                        </a:lnTo>
+                        <a:cubicBezTo>
+                          <a:pt x="10737" y="39942"/>
+                          <a:pt x="252709" y="1631"/>
+                          <a:pt x="119270" y="39756"/>
+                        </a:cubicBezTo>
+                        <a:cubicBezTo>
+                          <a:pt x="99449" y="45419"/>
+                          <a:pt x="47691" y="55667"/>
+                          <a:pt x="26504" y="66261"/>
+                        </a:cubicBezTo>
+                        <a:cubicBezTo>
+                          <a:pt x="20916" y="69055"/>
+                          <a:pt x="44174" y="24295"/>
+                          <a:pt x="39757" y="53008"/>
+                        </a:cubicBezTo>
+                        <a:close/>
+                      </a:path>
+                    </a:pathLst>
+                  </a:custGeom>
+                  <ask:type>
+                    <ask:lineSketchFreehand/>
+                  </ask:type>
+                </ask:lineSketchStyleProps>
+              </a:ext>
+            </a:extLst>
+          </a:ln>
+        </p:spPr>
+        <p:style>
+          <a:lnRef idx="1">
+            <a:schemeClr val="accent1"/>
+          </a:lnRef>
+          <a:fillRef idx="3">
+            <a:schemeClr val="accent1"/>
+          </a:fillRef>
+          <a:effectRef idx="2">
+            <a:schemeClr val="accent1"/>
+          </a:effectRef>
+          <a:fontRef idx="minor">
+            <a:schemeClr val="lt1"/>
+          </a:fontRef>
+        </p:style>
+        <p:txBody>
+          <a:bodyPr rtlCol="0" anchor="ctr"/>
+          <a:lstStyle/>
+          <a:p>
+            <a:pPr algn="ctr"/>
+            <a:endParaRPr lang="en-US"/>
+          </a:p>
+        </p:txBody>
+      </p:sp>
+      <p:cxnSp>
+        <p:nvCxnSpPr>
+          <p:cNvPr id="57" name="Straight Arrow Connector 56">
+            <a:extLst>
+              <a:ext uri="{FF2B5EF4-FFF2-40B4-BE49-F238E27FC236}">
+                <a16:creationId xmlns:a16="http://schemas.microsoft.com/office/drawing/2014/main" id="{2BFD8841-EA6E-292D-7CD8-933E39C43304}"/>
+              </a:ext>
+            </a:extLst>
+          </p:cNvPr>
+          <p:cNvCxnSpPr>
+            <a:cxnSpLocks/>
+          </p:cNvCxnSpPr>
+          <p:nvPr/>
+        </p:nvCxnSpPr>
+        <p:spPr>
+          <a:xfrm flipV="1">
+            <a:off x="5772148" y="5725414"/>
+            <a:ext cx="441327" cy="299454"/>
+          </a:xfrm>
+          <a:prstGeom prst="straightConnector1">
+            <a:avLst/>
+          </a:prstGeom>
+          <a:ln>
+            <a:solidFill>
+              <a:srgbClr val="FF0000"/>
+            </a:solidFill>
+            <a:tailEnd type="triangle" w="lg" len="lg"/>
+          </a:ln>
+        </p:spPr>
+        <p:style>
+          <a:lnRef idx="2">
+            <a:schemeClr val="accent1"/>
+          </a:lnRef>
+          <a:fillRef idx="0">
+            <a:schemeClr val="accent1"/>
+          </a:fillRef>
+          <a:effectRef idx="1">
+            <a:schemeClr val="accent1"/>
+          </a:effectRef>
+          <a:fontRef idx="minor">
+            <a:schemeClr val="tx1"/>
+          </a:fontRef>
+        </p:style>
+      </p:cxnSp>
+      <p:sp>
+        <p:nvSpPr>
+          <p:cNvPr id="58" name="TextBox 57">
+            <a:extLst>
+              <a:ext uri="{FF2B5EF4-FFF2-40B4-BE49-F238E27FC236}">
+                <a16:creationId xmlns:a16="http://schemas.microsoft.com/office/drawing/2014/main" id="{3F173BC4-0640-C02A-8F01-3FEE59B6EE5C}"/>
+              </a:ext>
+            </a:extLst>
+          </p:cNvPr>
+          <p:cNvSpPr txBox="1"/>
+          <p:nvPr/>
+        </p:nvSpPr>
+        <p:spPr>
+          <a:xfrm>
+            <a:off x="658613" y="6058714"/>
+            <a:ext cx="8122736" cy="646331"/>
+          </a:xfrm>
+          <a:prstGeom prst="rect">
+            <a:avLst/>
+          </a:prstGeom>
+          <a:noFill/>
+        </p:spPr>
+        <p:txBody>
+          <a:bodyPr wrap="none" rtlCol="0">
+            <a:spAutoFit/>
+          </a:bodyPr>
+          <a:lstStyle/>
+          <a:p>
+            <a:r>
+              <a:rPr lang="en-US" dirty="0">
+                <a:solidFill>
+                  <a:schemeClr val="tx2"/>
+                </a:solidFill>
+                <a:latin typeface="Bradley Hand" pitchFamily="2" charset="77"/>
+                <a:ea typeface="LingWai SC Medium" panose="03050602040302020204" pitchFamily="66" charset="-122"/>
+                <a:cs typeface="LingWai SC Medium" panose="03050602040302020204" pitchFamily="66" charset="-122"/>
+              </a:rPr>
+              <a:t>At each bit position (e.g. pos1), take as inputs </a:t>
+            </a:r>
+            <a:r>
+              <a:rPr lang="en-US" dirty="0" err="1">
+                <a:solidFill>
+                  <a:schemeClr val="tx2"/>
+                </a:solidFill>
+                <a:latin typeface="Bradley Hand" pitchFamily="2" charset="77"/>
+                <a:ea typeface="LingWai SC Medium" panose="03050602040302020204" pitchFamily="66" charset="-122"/>
+                <a:cs typeface="LingWai SC Medium" panose="03050602040302020204" pitchFamily="66" charset="-122"/>
+              </a:rPr>
+              <a:t>carryIn</a:t>
+            </a:r>
+            <a:r>
+              <a:rPr lang="en-US" dirty="0">
+                <a:solidFill>
+                  <a:schemeClr val="tx2"/>
+                </a:solidFill>
+                <a:latin typeface="Bradley Hand" pitchFamily="2" charset="77"/>
+                <a:ea typeface="LingWai SC Medium" panose="03050602040302020204" pitchFamily="66" charset="-122"/>
+                <a:cs typeface="LingWai SC Medium" panose="03050602040302020204" pitchFamily="66" charset="-122"/>
+              </a:rPr>
+              <a:t>(c1), a1, b1, </a:t>
+            </a:r>
+          </a:p>
+          <a:p>
+            <a:r>
+              <a:rPr lang="en-US" dirty="0">
+                <a:solidFill>
+                  <a:schemeClr val="tx2"/>
+                </a:solidFill>
+                <a:latin typeface="Bradley Hand" pitchFamily="2" charset="77"/>
+                <a:ea typeface="LingWai SC Medium" panose="03050602040302020204" pitchFamily="66" charset="-122"/>
+                <a:cs typeface="LingWai SC Medium" panose="03050602040302020204" pitchFamily="66" charset="-122"/>
+              </a:rPr>
+              <a:t>and compute sum (s1), carryout(c2). Feed c2 to the next bit position as </a:t>
+            </a:r>
+            <a:r>
+              <a:rPr lang="en-US" dirty="0" err="1">
+                <a:solidFill>
+                  <a:schemeClr val="tx2"/>
+                </a:solidFill>
+                <a:latin typeface="Bradley Hand" pitchFamily="2" charset="77"/>
+                <a:ea typeface="LingWai SC Medium" panose="03050602040302020204" pitchFamily="66" charset="-122"/>
+                <a:cs typeface="LingWai SC Medium" panose="03050602040302020204" pitchFamily="66" charset="-122"/>
+              </a:rPr>
+              <a:t>carryIn</a:t>
+            </a:r>
+            <a:r>
+              <a:rPr lang="en-US" dirty="0">
+                <a:latin typeface="Bradley Hand" pitchFamily="2" charset="77"/>
+                <a:ea typeface="LingWai SC Medium" panose="03050602040302020204" pitchFamily="66" charset="-122"/>
+                <a:cs typeface="LingWai SC Medium" panose="03050602040302020204" pitchFamily="66" charset="-122"/>
+              </a:rPr>
+              <a:t>.</a:t>
+            </a:r>
+            <a:endParaRPr lang="en-US" dirty="0">
+              <a:latin typeface="Bradley Hand" pitchFamily="2" charset="77"/>
+              <a:ea typeface="LingWai SC Medium" panose="03050602040302020204" pitchFamily="66" charset="-122"/>
+              <a:cs typeface="LingWai SC Medium" panose="03050602040302020204" pitchFamily="66" charset="-122"/>
+            </a:endParaRPr>
+          </a:p>
+        </p:txBody>
+      </p:sp>
+      <p:sp>
+        <p:nvSpPr>
+          <p:cNvPr id="65" name="TextBox 64">
+            <a:extLst>
+              <a:ext uri="{FF2B5EF4-FFF2-40B4-BE49-F238E27FC236}">
+                <a16:creationId xmlns:a16="http://schemas.microsoft.com/office/drawing/2014/main" id="{C9151A97-D1E2-AA1F-6B3B-44466ECC7734}"/>
+              </a:ext>
+            </a:extLst>
+          </p:cNvPr>
+          <p:cNvSpPr txBox="1"/>
+          <p:nvPr/>
+        </p:nvSpPr>
+        <p:spPr>
+          <a:xfrm>
+            <a:off x="5447118" y="4461227"/>
+            <a:ext cx="1241045" cy="369332"/>
+          </a:xfrm>
+          <a:prstGeom prst="rect">
+            <a:avLst/>
+          </a:prstGeom>
+          <a:noFill/>
+        </p:spPr>
+        <p:txBody>
+          <a:bodyPr wrap="none" rtlCol="0">
+            <a:spAutoFit/>
+          </a:bodyPr>
+          <a:lstStyle/>
+          <a:p>
+            <a:r>
+              <a:rPr lang="en-US" dirty="0"/>
+              <a:t>a</a:t>
+            </a:r>
+            <a:r>
+              <a:rPr lang="en-US" baseline="-25000" dirty="0"/>
+              <a:t>3</a:t>
+            </a:r>
+            <a:r>
+              <a:rPr lang="en-US" dirty="0"/>
+              <a:t>  a</a:t>
+            </a:r>
+            <a:r>
+              <a:rPr lang="en-US" baseline="-25000" dirty="0"/>
+              <a:t>2</a:t>
+            </a:r>
+            <a:r>
+              <a:rPr lang="en-US" dirty="0"/>
+              <a:t>  a</a:t>
+            </a:r>
+            <a:r>
+              <a:rPr lang="en-US" baseline="-25000" dirty="0"/>
+              <a:t>1 </a:t>
+            </a:r>
+            <a:r>
+              <a:rPr lang="en-US" dirty="0"/>
+              <a:t> a</a:t>
+            </a:r>
+            <a:r>
+              <a:rPr lang="en-US" baseline="-25000" dirty="0"/>
+              <a:t>0</a:t>
+            </a:r>
+          </a:p>
+        </p:txBody>
+      </p:sp>
+      <p:sp>
+        <p:nvSpPr>
+          <p:cNvPr id="66" name="TextBox 65">
+            <a:extLst>
+              <a:ext uri="{FF2B5EF4-FFF2-40B4-BE49-F238E27FC236}">
+                <a16:creationId xmlns:a16="http://schemas.microsoft.com/office/drawing/2014/main" id="{1FA42AC8-5ACC-7E5C-5095-13E1F3A3EC05}"/>
+              </a:ext>
+            </a:extLst>
+          </p:cNvPr>
+          <p:cNvSpPr txBox="1"/>
+          <p:nvPr/>
+        </p:nvSpPr>
+        <p:spPr>
+          <a:xfrm>
+            <a:off x="5460370" y="4796956"/>
+            <a:ext cx="1303562" cy="369332"/>
+          </a:xfrm>
+          <a:prstGeom prst="rect">
+            <a:avLst/>
+          </a:prstGeom>
+          <a:noFill/>
+        </p:spPr>
+        <p:txBody>
+          <a:bodyPr wrap="none" rtlCol="0">
+            <a:spAutoFit/>
+          </a:bodyPr>
+          <a:lstStyle/>
+          <a:p>
+            <a:r>
+              <a:rPr lang="en-US" dirty="0"/>
+              <a:t>b</a:t>
+            </a:r>
+            <a:r>
+              <a:rPr lang="en-US" baseline="-25000" dirty="0"/>
+              <a:t>3</a:t>
+            </a:r>
+            <a:r>
+              <a:rPr lang="en-US" dirty="0"/>
+              <a:t>  b</a:t>
+            </a:r>
+            <a:r>
+              <a:rPr lang="en-US" baseline="-25000" dirty="0"/>
+              <a:t>2</a:t>
+            </a:r>
+            <a:r>
+              <a:rPr lang="en-US" dirty="0"/>
+              <a:t>  b</a:t>
+            </a:r>
+            <a:r>
+              <a:rPr lang="en-US" baseline="-25000" dirty="0"/>
+              <a:t>1</a:t>
+            </a:r>
+            <a:r>
+              <a:rPr lang="en-US" dirty="0"/>
+              <a:t>  b</a:t>
+            </a:r>
+            <a:r>
+              <a:rPr lang="en-US" baseline="-25000" dirty="0"/>
+              <a:t>0</a:t>
+            </a:r>
+          </a:p>
+        </p:txBody>
+      </p:sp>
+      <p:cxnSp>
+        <p:nvCxnSpPr>
+          <p:cNvPr id="67" name="Straight Connector 66">
+            <a:extLst>
+              <a:ext uri="{FF2B5EF4-FFF2-40B4-BE49-F238E27FC236}">
+                <a16:creationId xmlns:a16="http://schemas.microsoft.com/office/drawing/2014/main" id="{D9A3CC1C-C376-A123-FF53-29D7E2B97BF6}"/>
+              </a:ext>
+            </a:extLst>
+          </p:cNvPr>
+          <p:cNvCxnSpPr>
+            <a:cxnSpLocks/>
+          </p:cNvCxnSpPr>
+          <p:nvPr/>
+        </p:nvCxnSpPr>
+        <p:spPr>
+          <a:xfrm>
+            <a:off x="5235145" y="5271356"/>
+            <a:ext cx="1479094" cy="0"/>
+          </a:xfrm>
+          <a:prstGeom prst="line">
+            <a:avLst/>
+          </a:prstGeom>
+        </p:spPr>
+        <p:style>
+          <a:lnRef idx="2">
+            <a:schemeClr val="accent1"/>
+          </a:lnRef>
+          <a:fillRef idx="0">
+            <a:schemeClr val="accent1"/>
+          </a:fillRef>
+          <a:effectRef idx="1">
+            <a:schemeClr val="accent1"/>
+          </a:effectRef>
+          <a:fontRef idx="minor">
+            <a:schemeClr val="tx1"/>
+          </a:fontRef>
+        </p:style>
+      </p:cxnSp>
+      <p:sp>
+        <p:nvSpPr>
+          <p:cNvPr id="69" name="TextBox 68">
+            <a:extLst>
+              <a:ext uri="{FF2B5EF4-FFF2-40B4-BE49-F238E27FC236}">
+                <a16:creationId xmlns:a16="http://schemas.microsoft.com/office/drawing/2014/main" id="{CD2C6E6B-CAB2-661B-2140-4CF074F72A72}"/>
+              </a:ext>
+            </a:extLst>
+          </p:cNvPr>
+          <p:cNvSpPr txBox="1"/>
+          <p:nvPr/>
+        </p:nvSpPr>
+        <p:spPr>
+          <a:xfrm>
+            <a:off x="5486874" y="5266582"/>
+            <a:ext cx="1319592" cy="369332"/>
+          </a:xfrm>
+          <a:prstGeom prst="rect">
+            <a:avLst/>
+          </a:prstGeom>
+          <a:noFill/>
+        </p:spPr>
+        <p:txBody>
+          <a:bodyPr wrap="none" rtlCol="0">
+            <a:spAutoFit/>
+          </a:bodyPr>
+          <a:lstStyle/>
+          <a:p>
+            <a:r>
+              <a:rPr lang="en-US" dirty="0"/>
+              <a:t>s</a:t>
+            </a:r>
+            <a:r>
+              <a:rPr lang="en-US" baseline="-25000" dirty="0"/>
+              <a:t>3</a:t>
+            </a:r>
+            <a:r>
+              <a:rPr lang="en-US" dirty="0"/>
+              <a:t>   s</a:t>
+            </a:r>
+            <a:r>
+              <a:rPr lang="en-US" baseline="-25000" dirty="0"/>
+              <a:t>2</a:t>
+            </a:r>
+            <a:r>
+              <a:rPr lang="en-US" dirty="0"/>
+              <a:t>   s</a:t>
+            </a:r>
+            <a:r>
+              <a:rPr lang="en-US" baseline="-25000" dirty="0"/>
+              <a:t>1</a:t>
+            </a:r>
+            <a:r>
+              <a:rPr lang="en-US" dirty="0"/>
+              <a:t>  s</a:t>
+            </a:r>
+            <a:r>
+              <a:rPr lang="en-US" baseline="-25000" dirty="0"/>
+              <a:t>0</a:t>
+            </a:r>
+          </a:p>
+        </p:txBody>
+      </p:sp>
+      <p:sp>
+        <p:nvSpPr>
+          <p:cNvPr id="70" name="TextBox 69">
+            <a:extLst>
+              <a:ext uri="{FF2B5EF4-FFF2-40B4-BE49-F238E27FC236}">
+                <a16:creationId xmlns:a16="http://schemas.microsoft.com/office/drawing/2014/main" id="{58AD0653-E3FA-ED85-CB48-8A2B92A4F584}"/>
+              </a:ext>
+            </a:extLst>
+          </p:cNvPr>
+          <p:cNvSpPr txBox="1"/>
+          <p:nvPr/>
+        </p:nvSpPr>
+        <p:spPr>
+          <a:xfrm>
+            <a:off x="1892685" y="4600859"/>
+            <a:ext cx="364202" cy="523220"/>
+          </a:xfrm>
+          <a:prstGeom prst="rect">
+            <a:avLst/>
+          </a:prstGeom>
+          <a:noFill/>
+        </p:spPr>
+        <p:txBody>
+          <a:bodyPr wrap="none" rtlCol="0">
+            <a:spAutoFit/>
+          </a:bodyPr>
+          <a:lstStyle/>
+          <a:p>
+            <a:r>
+              <a:rPr lang="en-US" sz="2800" dirty="0"/>
+              <a:t>+</a:t>
+            </a:r>
+            <a:endParaRPr lang="en-US" dirty="0"/>
+          </a:p>
+        </p:txBody>
+      </p:sp>
+      <p:sp>
+        <p:nvSpPr>
+          <p:cNvPr id="71" name="TextBox 70">
+            <a:extLst>
+              <a:ext uri="{FF2B5EF4-FFF2-40B4-BE49-F238E27FC236}">
+                <a16:creationId xmlns:a16="http://schemas.microsoft.com/office/drawing/2014/main" id="{7C5C784C-781D-C763-568D-0E5F6FFD1723}"/>
+              </a:ext>
+            </a:extLst>
+          </p:cNvPr>
+          <p:cNvSpPr txBox="1"/>
+          <p:nvPr/>
+        </p:nvSpPr>
+        <p:spPr>
+          <a:xfrm>
+            <a:off x="5182721" y="4742359"/>
+            <a:ext cx="364202" cy="523220"/>
+          </a:xfrm>
+          <a:prstGeom prst="rect">
+            <a:avLst/>
+          </a:prstGeom>
+          <a:noFill/>
+        </p:spPr>
+        <p:txBody>
+          <a:bodyPr wrap="none" rtlCol="0">
+            <a:spAutoFit/>
+          </a:bodyPr>
+          <a:lstStyle/>
+          <a:p>
+            <a:r>
+              <a:rPr lang="en-US" sz="2800" dirty="0"/>
+              <a:t>+</a:t>
+            </a:r>
+            <a:endParaRPr lang="en-US" dirty="0"/>
+          </a:p>
+        </p:txBody>
+      </p:sp>
+      <p:sp>
+        <p:nvSpPr>
+          <p:cNvPr id="72" name="TextBox 71">
+            <a:extLst>
+              <a:ext uri="{FF2B5EF4-FFF2-40B4-BE49-F238E27FC236}">
+                <a16:creationId xmlns:a16="http://schemas.microsoft.com/office/drawing/2014/main" id="{198834B4-F24E-958C-FDD6-52F4F272ED17}"/>
+              </a:ext>
+            </a:extLst>
+          </p:cNvPr>
+          <p:cNvSpPr txBox="1"/>
+          <p:nvPr/>
+        </p:nvSpPr>
+        <p:spPr>
+          <a:xfrm>
+            <a:off x="5143600" y="4135596"/>
+            <a:ext cx="1507144" cy="369332"/>
+          </a:xfrm>
+          <a:prstGeom prst="rect">
+            <a:avLst/>
+          </a:prstGeom>
+          <a:noFill/>
+        </p:spPr>
+        <p:txBody>
+          <a:bodyPr wrap="none" rtlCol="0">
+            <a:spAutoFit/>
+          </a:bodyPr>
+          <a:lstStyle/>
+          <a:p>
+            <a:r>
+              <a:rPr lang="en-US" dirty="0"/>
+              <a:t>c</a:t>
+            </a:r>
+            <a:r>
+              <a:rPr lang="en-US" baseline="-25000" dirty="0"/>
+              <a:t>4  </a:t>
+            </a:r>
+            <a:r>
+              <a:rPr lang="en-US" dirty="0"/>
+              <a:t> c</a:t>
+            </a:r>
+            <a:r>
+              <a:rPr lang="en-US" baseline="-25000" dirty="0"/>
+              <a:t>3</a:t>
+            </a:r>
+            <a:r>
+              <a:rPr lang="en-US" dirty="0"/>
+              <a:t>  c</a:t>
+            </a:r>
+            <a:r>
+              <a:rPr lang="en-US" baseline="-25000" dirty="0"/>
+              <a:t>2</a:t>
+            </a:r>
+            <a:r>
+              <a:rPr lang="en-US" dirty="0"/>
+              <a:t>  c</a:t>
+            </a:r>
+            <a:r>
+              <a:rPr lang="en-US" baseline="-25000" dirty="0"/>
+              <a:t>1</a:t>
+            </a:r>
+            <a:r>
+              <a:rPr lang="en-US" dirty="0"/>
+              <a:t>  c</a:t>
+            </a:r>
+            <a:r>
+              <a:rPr lang="en-US" baseline="-25000" dirty="0"/>
+              <a:t>0</a:t>
+            </a:r>
+          </a:p>
+        </p:txBody>
+      </p:sp>
+    </p:spTree>
+    <p:extLst>
+      <p:ext uri="{BB962C8B-B14F-4D97-AF65-F5344CB8AC3E}">
+        <p14:creationId xmlns:p14="http://schemas.microsoft.com/office/powerpoint/2010/main" val="305790047"/>
+      </p:ext>
+    </p:extLst>
+  </p:cSld>
+  <p:clrMapOvr>
+    <a:masterClrMapping/>
+  </p:clrMapOvr>
+</p:sld>
+</file>
+
+<file path=ppt/slides/slide15.xml><?xml version="1.0" encoding="utf-8"?>
 <p:sld xmlns:a="http://schemas.openxmlformats.org/drawingml/2006/main" xmlns:r="http://schemas.openxmlformats.org/officeDocument/2006/relationships" xmlns:p="http://schemas.openxmlformats.org/presentationml/2006/main">
   <p:cSld>
     <p:spTree>
@@ -10029,7 +12258,7 @@
 </p:sld>
 </file>
 
-<file path=ppt/slides/slide15.xml><?xml version="1.0" encoding="utf-8"?>
+<file path=ppt/slides/slide16.xml><?xml version="1.0" encoding="utf-8"?>
 <p:sld xmlns:a="http://schemas.openxmlformats.org/drawingml/2006/main" xmlns:r="http://schemas.openxmlformats.org/officeDocument/2006/relationships" xmlns:p="http://schemas.openxmlformats.org/presentationml/2006/main">
   <p:cSld>
     <p:spTree>
@@ -10585,7 +12814,7 @@
 </p:sld>
 </file>
 
-<file path=ppt/slides/slide16.xml><?xml version="1.0" encoding="utf-8"?>
+<file path=ppt/slides/slide17.xml><?xml version="1.0" encoding="utf-8"?>
 <p:sld xmlns:a="http://schemas.openxmlformats.org/drawingml/2006/main" xmlns:r="http://schemas.openxmlformats.org/officeDocument/2006/relationships" xmlns:p="http://schemas.openxmlformats.org/presentationml/2006/main">
   <p:cSld>
     <p:spTree>
@@ -10720,7 +12949,7 @@
 </p:sld>
 </file>
 
-<file path=ppt/slides/slide17.xml><?xml version="1.0" encoding="utf-8"?>
+<file path=ppt/slides/slide18.xml><?xml version="1.0" encoding="utf-8"?>
 <p:sld xmlns:a="http://schemas.openxmlformats.org/drawingml/2006/main" xmlns:r="http://schemas.openxmlformats.org/officeDocument/2006/relationships" xmlns:p="http://schemas.openxmlformats.org/presentationml/2006/main">
   <p:cSld>
     <p:spTree>
@@ -10837,7 +13066,7 @@
 </p:sld>
 </file>
 
-<file path=ppt/slides/slide18.xml><?xml version="1.0" encoding="utf-8"?>
+<file path=ppt/slides/slide19.xml><?xml version="1.0" encoding="utf-8"?>
 <p:sld xmlns:a="http://schemas.openxmlformats.org/drawingml/2006/main" xmlns:r="http://schemas.openxmlformats.org/officeDocument/2006/relationships" xmlns:p="http://schemas.openxmlformats.org/presentationml/2006/main">
   <p:cSld>
     <p:spTree>
@@ -11168,7 +13397,1260 @@
 </p:sld>
 </file>
 
-<file path=ppt/slides/slide19.xml><?xml version="1.0" encoding="utf-8"?>
+<file path=ppt/slides/slide2.xml><?xml version="1.0" encoding="utf-8"?>
+<p:sld xmlns:a="http://schemas.openxmlformats.org/drawingml/2006/main" xmlns:r="http://schemas.openxmlformats.org/officeDocument/2006/relationships" xmlns:p="http://schemas.openxmlformats.org/presentationml/2006/main">
+  <p:cSld>
+    <p:spTree>
+      <p:nvGrpSpPr>
+        <p:cNvPr id="1" name=""/>
+        <p:cNvGrpSpPr/>
+        <p:nvPr/>
+      </p:nvGrpSpPr>
+      <p:grpSpPr>
+        <a:xfrm>
+          <a:off x="0" y="0"/>
+          <a:ext cx="0" cy="0"/>
+          <a:chOff x="0" y="0"/>
+          <a:chExt cx="0" cy="0"/>
+        </a:xfrm>
+      </p:grpSpPr>
+      <p:sp>
+        <p:nvSpPr>
+          <p:cNvPr id="2" name="Title 1"/>
+          <p:cNvSpPr>
+            <a:spLocks noGrp="1"/>
+          </p:cNvSpPr>
+          <p:nvPr>
+            <p:ph type="title"/>
+          </p:nvPr>
+        </p:nvSpPr>
+        <p:spPr>
+          <a:xfrm>
+            <a:off x="457200" y="186483"/>
+            <a:ext cx="8229600" cy="1143000"/>
+          </a:xfrm>
+        </p:spPr>
+        <p:txBody>
+          <a:bodyPr/>
+          <a:lstStyle/>
+          <a:p>
+            <a:r>
+              <a:rPr lang="en-US"/>
+              <a:t>What we’ve learnt so far</a:t>
+            </a:r>
+          </a:p>
+        </p:txBody>
+      </p:sp>
+      <p:sp>
+        <p:nvSpPr>
+          <p:cNvPr id="3" name="Content Placeholder 2"/>
+          <p:cNvSpPr>
+            <a:spLocks noGrp="1"/>
+          </p:cNvSpPr>
+          <p:nvPr>
+            <p:ph idx="1"/>
+          </p:nvPr>
+        </p:nvSpPr>
+        <p:spPr>
+          <a:xfrm>
+            <a:off x="457200" y="1329483"/>
+            <a:ext cx="8229600" cy="4525963"/>
+          </a:xfrm>
+        </p:spPr>
+        <p:txBody>
+          <a:bodyPr>
+            <a:normAutofit/>
+          </a:bodyPr>
+          <a:lstStyle/>
+          <a:p>
+            <a:r>
+              <a:rPr lang="en-US" sz="2800"/>
+              <a:t>Basic logic design</a:t>
+            </a:r>
+          </a:p>
+          <a:p>
+            <a:pPr lvl="1"/>
+            <a:r>
+              <a:rPr lang="en-US" sz="2400"/>
+              <a:t>Logic circuits == Boolean expressions</a:t>
+            </a:r>
+          </a:p>
+          <a:p>
+            <a:r>
+              <a:rPr lang="en-US" sz="2800"/>
+              <a:t>How to build a combinatorial logic circuit</a:t>
+            </a:r>
+          </a:p>
+          <a:p>
+            <a:pPr lvl="1"/>
+            <a:r>
+              <a:rPr lang="en-US" sz="2400"/>
+              <a:t>Specify the truth table</a:t>
+            </a:r>
+          </a:p>
+          <a:p>
+            <a:pPr lvl="1"/>
+            <a:r>
+              <a:rPr lang="en-US" sz="2400"/>
+              <a:t>Output is the sum of products (implemented in PLA, programmable logic array)</a:t>
+            </a:r>
+          </a:p>
+          <a:p>
+            <a:r>
+              <a:rPr lang="en-US" sz="2800"/>
+              <a:t>Common CL</a:t>
+            </a:r>
+          </a:p>
+          <a:p>
+            <a:pPr lvl="1"/>
+            <a:r>
+              <a:rPr lang="en-US" sz="2400"/>
+              <a:t>Decoder</a:t>
+            </a:r>
+          </a:p>
+          <a:p>
+            <a:pPr lvl="1"/>
+            <a:r>
+              <a:rPr lang="en-US" sz="2400"/>
+              <a:t>Multiplexer</a:t>
+            </a:r>
+          </a:p>
+        </p:txBody>
+      </p:sp>
+      <p:grpSp>
+        <p:nvGrpSpPr>
+          <p:cNvPr id="4" name="Group 3">
+            <a:extLst>
+              <a:ext uri="{FF2B5EF4-FFF2-40B4-BE49-F238E27FC236}">
+                <a16:creationId xmlns:a16="http://schemas.microsoft.com/office/drawing/2014/main" id="{E5A7A2EE-1611-4E01-AD8F-C27A7A8C4B38}"/>
+              </a:ext>
+            </a:extLst>
+          </p:cNvPr>
+          <p:cNvGrpSpPr/>
+          <p:nvPr/>
+        </p:nvGrpSpPr>
+        <p:grpSpPr>
+          <a:xfrm>
+            <a:off x="3528189" y="4256554"/>
+            <a:ext cx="2051044" cy="2274211"/>
+            <a:chOff x="1713313" y="2437037"/>
+            <a:chExt cx="2603483" cy="2922526"/>
+          </a:xfrm>
+        </p:grpSpPr>
+        <p:sp>
+          <p:nvSpPr>
+            <p:cNvPr id="5" name="Trapezoid 4">
+              <a:extLst>
+                <a:ext uri="{FF2B5EF4-FFF2-40B4-BE49-F238E27FC236}">
+                  <a16:creationId xmlns:a16="http://schemas.microsoft.com/office/drawing/2014/main" id="{40CA870D-59C6-4FD6-AD14-4458F29A45F2}"/>
+                </a:ext>
+              </a:extLst>
+            </p:cNvPr>
+            <p:cNvSpPr/>
+            <p:nvPr/>
+          </p:nvSpPr>
+          <p:spPr>
+            <a:xfrm rot="16200000">
+              <a:off x="1294043" y="2856307"/>
+              <a:ext cx="2054692" cy="1216152"/>
+            </a:xfrm>
+            <a:prstGeom prst="trapezoid">
+              <a:avLst>
+                <a:gd name="adj" fmla="val 52847"/>
+              </a:avLst>
+            </a:prstGeom>
+            <a:solidFill>
+              <a:schemeClr val="bg1"/>
+            </a:solidFill>
+            <a:ln w="38100" cmpd="sng">
+              <a:solidFill>
+                <a:srgbClr val="000000"/>
+              </a:solidFill>
+            </a:ln>
+          </p:spPr>
+          <p:style>
+            <a:lnRef idx="1">
+              <a:schemeClr val="accent1"/>
+            </a:lnRef>
+            <a:fillRef idx="3">
+              <a:schemeClr val="accent1"/>
+            </a:fillRef>
+            <a:effectRef idx="2">
+              <a:schemeClr val="accent1"/>
+            </a:effectRef>
+            <a:fontRef idx="minor">
+              <a:schemeClr val="lt1"/>
+            </a:fontRef>
+          </p:style>
+          <p:txBody>
+            <a:bodyPr rtlCol="0" anchor="ctr"/>
+            <a:lstStyle/>
+            <a:p>
+              <a:pPr algn="ctr"/>
+              <a:endParaRPr lang="en-US">
+                <a:solidFill>
+                  <a:srgbClr val="000000"/>
+                </a:solidFill>
+              </a:endParaRPr>
+            </a:p>
+          </p:txBody>
+        </p:sp>
+        <p:sp>
+          <p:nvSpPr>
+            <p:cNvPr id="6" name="TextBox 5">
+              <a:extLst>
+                <a:ext uri="{FF2B5EF4-FFF2-40B4-BE49-F238E27FC236}">
+                  <a16:creationId xmlns:a16="http://schemas.microsoft.com/office/drawing/2014/main" id="{4BEDA30B-7C4D-42EF-A928-00C20E055ADD}"/>
+                </a:ext>
+              </a:extLst>
+            </p:cNvPr>
+            <p:cNvSpPr txBox="1"/>
+            <p:nvPr/>
+          </p:nvSpPr>
+          <p:spPr>
+            <a:xfrm>
+              <a:off x="1722479" y="3253788"/>
+              <a:ext cx="1214754" cy="474618"/>
+            </a:xfrm>
+            <a:prstGeom prst="rect">
+              <a:avLst/>
+            </a:prstGeom>
+            <a:noFill/>
+          </p:spPr>
+          <p:txBody>
+            <a:bodyPr wrap="none" rtlCol="0">
+              <a:spAutoFit/>
+            </a:bodyPr>
+            <a:lstStyle/>
+            <a:p>
+              <a:r>
+                <a:rPr lang="en-US"/>
+                <a:t>decoder</a:t>
+              </a:r>
+            </a:p>
+          </p:txBody>
+        </p:sp>
+        <p:cxnSp>
+          <p:nvCxnSpPr>
+            <p:cNvPr id="7" name="Straight Connector 6">
+              <a:extLst>
+                <a:ext uri="{FF2B5EF4-FFF2-40B4-BE49-F238E27FC236}">
+                  <a16:creationId xmlns:a16="http://schemas.microsoft.com/office/drawing/2014/main" id="{2585DA90-DFDA-4B08-8B2C-2AEDC1E499EE}"/>
+                </a:ext>
+              </a:extLst>
+            </p:cNvPr>
+            <p:cNvCxnSpPr>
+              <a:cxnSpLocks/>
+              <a:endCxn id="5" idx="1"/>
+            </p:cNvCxnSpPr>
+            <p:nvPr/>
+          </p:nvCxnSpPr>
+          <p:spPr>
+            <a:xfrm flipH="1" flipV="1">
+              <a:off x="2321390" y="4170380"/>
+              <a:ext cx="8467" cy="1189183"/>
+            </a:xfrm>
+            <a:prstGeom prst="line">
+              <a:avLst/>
+            </a:prstGeom>
+          </p:spPr>
+          <p:style>
+            <a:lnRef idx="2">
+              <a:schemeClr val="accent1"/>
+            </a:lnRef>
+            <a:fillRef idx="0">
+              <a:schemeClr val="accent1"/>
+            </a:fillRef>
+            <a:effectRef idx="1">
+              <a:schemeClr val="accent1"/>
+            </a:effectRef>
+            <a:fontRef idx="minor">
+              <a:schemeClr val="tx1"/>
+            </a:fontRef>
+          </p:style>
+        </p:cxnSp>
+        <p:cxnSp>
+          <p:nvCxnSpPr>
+            <p:cNvPr id="8" name="Straight Connector 7">
+              <a:extLst>
+                <a:ext uri="{FF2B5EF4-FFF2-40B4-BE49-F238E27FC236}">
+                  <a16:creationId xmlns:a16="http://schemas.microsoft.com/office/drawing/2014/main" id="{3D52FFB7-3AC5-4B09-9593-8C9A98CD392D}"/>
+                </a:ext>
+              </a:extLst>
+            </p:cNvPr>
+            <p:cNvCxnSpPr/>
+            <p:nvPr/>
+          </p:nvCxnSpPr>
+          <p:spPr>
+            <a:xfrm>
+              <a:off x="2139357" y="4661063"/>
+              <a:ext cx="402167" cy="148167"/>
+            </a:xfrm>
+            <a:prstGeom prst="line">
+              <a:avLst/>
+            </a:prstGeom>
+          </p:spPr>
+          <p:style>
+            <a:lnRef idx="2">
+              <a:schemeClr val="accent1"/>
+            </a:lnRef>
+            <a:fillRef idx="0">
+              <a:schemeClr val="accent1"/>
+            </a:fillRef>
+            <a:effectRef idx="1">
+              <a:schemeClr val="accent1"/>
+            </a:effectRef>
+            <a:fontRef idx="minor">
+              <a:schemeClr val="tx1"/>
+            </a:fontRef>
+          </p:style>
+        </p:cxnSp>
+        <p:sp>
+          <p:nvSpPr>
+            <p:cNvPr id="9" name="TextBox 8">
+              <a:extLst>
+                <a:ext uri="{FF2B5EF4-FFF2-40B4-BE49-F238E27FC236}">
+                  <a16:creationId xmlns:a16="http://schemas.microsoft.com/office/drawing/2014/main" id="{6CBA5250-F4F3-4CBB-BA3D-5F805C2FB772}"/>
+                </a:ext>
+              </a:extLst>
+            </p:cNvPr>
+            <p:cNvSpPr txBox="1"/>
+            <p:nvPr/>
+          </p:nvSpPr>
+          <p:spPr>
+            <a:xfrm>
+              <a:off x="1779754" y="4491729"/>
+              <a:ext cx="288862" cy="338554"/>
+            </a:xfrm>
+            <a:prstGeom prst="rect">
+              <a:avLst/>
+            </a:prstGeom>
+            <a:noFill/>
+          </p:spPr>
+          <p:txBody>
+            <a:bodyPr wrap="none" rtlCol="0">
+              <a:spAutoFit/>
+            </a:bodyPr>
+            <a:lstStyle/>
+            <a:p>
+              <a:r>
+                <a:rPr lang="en-US" sz="1600"/>
+                <a:t>2</a:t>
+              </a:r>
+              <a:endParaRPr lang="en-US"/>
+            </a:p>
+          </p:txBody>
+        </p:sp>
+        <p:cxnSp>
+          <p:nvCxnSpPr>
+            <p:cNvPr id="10" name="Straight Connector 9">
+              <a:extLst>
+                <a:ext uri="{FF2B5EF4-FFF2-40B4-BE49-F238E27FC236}">
+                  <a16:creationId xmlns:a16="http://schemas.microsoft.com/office/drawing/2014/main" id="{9EC7902A-15DA-4F1E-BE25-49C37D8FD90D}"/>
+                </a:ext>
+              </a:extLst>
+            </p:cNvPr>
+            <p:cNvCxnSpPr/>
+            <p:nvPr/>
+          </p:nvCxnSpPr>
+          <p:spPr>
+            <a:xfrm flipH="1">
+              <a:off x="2929467" y="2711804"/>
+              <a:ext cx="712723" cy="1"/>
+            </a:xfrm>
+            <a:prstGeom prst="line">
+              <a:avLst/>
+            </a:prstGeom>
+          </p:spPr>
+          <p:style>
+            <a:lnRef idx="2">
+              <a:schemeClr val="accent1"/>
+            </a:lnRef>
+            <a:fillRef idx="0">
+              <a:schemeClr val="accent1"/>
+            </a:fillRef>
+            <a:effectRef idx="1">
+              <a:schemeClr val="accent1"/>
+            </a:effectRef>
+            <a:fontRef idx="minor">
+              <a:schemeClr val="tx1"/>
+            </a:fontRef>
+          </p:style>
+        </p:cxnSp>
+        <p:cxnSp>
+          <p:nvCxnSpPr>
+            <p:cNvPr id="11" name="Straight Connector 10">
+              <a:extLst>
+                <a:ext uri="{FF2B5EF4-FFF2-40B4-BE49-F238E27FC236}">
+                  <a16:creationId xmlns:a16="http://schemas.microsoft.com/office/drawing/2014/main" id="{98B01014-1ACE-460C-B613-74515B038F92}"/>
+                </a:ext>
+              </a:extLst>
+            </p:cNvPr>
+            <p:cNvCxnSpPr/>
+            <p:nvPr/>
+          </p:nvCxnSpPr>
+          <p:spPr>
+            <a:xfrm flipH="1">
+              <a:off x="2929467" y="3181702"/>
+              <a:ext cx="712723" cy="1"/>
+            </a:xfrm>
+            <a:prstGeom prst="line">
+              <a:avLst/>
+            </a:prstGeom>
+          </p:spPr>
+          <p:style>
+            <a:lnRef idx="2">
+              <a:schemeClr val="accent1"/>
+            </a:lnRef>
+            <a:fillRef idx="0">
+              <a:schemeClr val="accent1"/>
+            </a:fillRef>
+            <a:effectRef idx="1">
+              <a:schemeClr val="accent1"/>
+            </a:effectRef>
+            <a:fontRef idx="minor">
+              <a:schemeClr val="tx1"/>
+            </a:fontRef>
+          </p:style>
+        </p:cxnSp>
+        <p:cxnSp>
+          <p:nvCxnSpPr>
+            <p:cNvPr id="12" name="Straight Connector 11">
+              <a:extLst>
+                <a:ext uri="{FF2B5EF4-FFF2-40B4-BE49-F238E27FC236}">
+                  <a16:creationId xmlns:a16="http://schemas.microsoft.com/office/drawing/2014/main" id="{BA296724-B0AE-475A-BD95-6EE6DBC2F74B}"/>
+                </a:ext>
+              </a:extLst>
+            </p:cNvPr>
+            <p:cNvCxnSpPr/>
+            <p:nvPr/>
+          </p:nvCxnSpPr>
+          <p:spPr>
+            <a:xfrm flipH="1">
+              <a:off x="2929466" y="3666479"/>
+              <a:ext cx="712723" cy="1"/>
+            </a:xfrm>
+            <a:prstGeom prst="line">
+              <a:avLst/>
+            </a:prstGeom>
+          </p:spPr>
+          <p:style>
+            <a:lnRef idx="2">
+              <a:schemeClr val="accent1"/>
+            </a:lnRef>
+            <a:fillRef idx="0">
+              <a:schemeClr val="accent1"/>
+            </a:fillRef>
+            <a:effectRef idx="1">
+              <a:schemeClr val="accent1"/>
+            </a:effectRef>
+            <a:fontRef idx="minor">
+              <a:schemeClr val="tx1"/>
+            </a:fontRef>
+          </p:style>
+        </p:cxnSp>
+        <p:cxnSp>
+          <p:nvCxnSpPr>
+            <p:cNvPr id="13" name="Straight Connector 12">
+              <a:extLst>
+                <a:ext uri="{FF2B5EF4-FFF2-40B4-BE49-F238E27FC236}">
+                  <a16:creationId xmlns:a16="http://schemas.microsoft.com/office/drawing/2014/main" id="{87FF1914-ACFE-4751-817D-661313A7CC78}"/>
+                </a:ext>
+              </a:extLst>
+            </p:cNvPr>
+            <p:cNvCxnSpPr/>
+            <p:nvPr/>
+          </p:nvCxnSpPr>
+          <p:spPr>
+            <a:xfrm flipH="1">
+              <a:off x="2929467" y="4130354"/>
+              <a:ext cx="712723" cy="1"/>
+            </a:xfrm>
+            <a:prstGeom prst="line">
+              <a:avLst/>
+            </a:prstGeom>
+          </p:spPr>
+          <p:style>
+            <a:lnRef idx="2">
+              <a:schemeClr val="accent1"/>
+            </a:lnRef>
+            <a:fillRef idx="0">
+              <a:schemeClr val="accent1"/>
+            </a:fillRef>
+            <a:effectRef idx="1">
+              <a:schemeClr val="accent1"/>
+            </a:effectRef>
+            <a:fontRef idx="minor">
+              <a:schemeClr val="tx1"/>
+            </a:fontRef>
+          </p:style>
+        </p:cxnSp>
+        <p:sp>
+          <p:nvSpPr>
+            <p:cNvPr id="14" name="TextBox 13">
+              <a:extLst>
+                <a:ext uri="{FF2B5EF4-FFF2-40B4-BE49-F238E27FC236}">
+                  <a16:creationId xmlns:a16="http://schemas.microsoft.com/office/drawing/2014/main" id="{517F66A8-A2FE-45DC-B716-68755FF7F567}"/>
+                </a:ext>
+              </a:extLst>
+            </p:cNvPr>
+            <p:cNvSpPr txBox="1"/>
+            <p:nvPr/>
+          </p:nvSpPr>
+          <p:spPr>
+            <a:xfrm>
+              <a:off x="3642189" y="2484805"/>
+              <a:ext cx="670376" cy="400110"/>
+            </a:xfrm>
+            <a:prstGeom prst="rect">
+              <a:avLst/>
+            </a:prstGeom>
+            <a:noFill/>
+          </p:spPr>
+          <p:txBody>
+            <a:bodyPr wrap="none" rtlCol="0">
+              <a:spAutoFit/>
+            </a:bodyPr>
+            <a:lstStyle/>
+            <a:p>
+              <a:r>
+                <a:rPr lang="en-US" sz="2000"/>
+                <a:t>out3</a:t>
+              </a:r>
+            </a:p>
+          </p:txBody>
+        </p:sp>
+        <p:sp>
+          <p:nvSpPr>
+            <p:cNvPr id="15" name="TextBox 14">
+              <a:extLst>
+                <a:ext uri="{FF2B5EF4-FFF2-40B4-BE49-F238E27FC236}">
+                  <a16:creationId xmlns:a16="http://schemas.microsoft.com/office/drawing/2014/main" id="{DBC256C4-ADEE-4563-B2C5-19B0E07CEF5C}"/>
+                </a:ext>
+              </a:extLst>
+            </p:cNvPr>
+            <p:cNvSpPr txBox="1"/>
+            <p:nvPr/>
+          </p:nvSpPr>
+          <p:spPr>
+            <a:xfrm>
+              <a:off x="3646420" y="2912376"/>
+              <a:ext cx="670376" cy="400110"/>
+            </a:xfrm>
+            <a:prstGeom prst="rect">
+              <a:avLst/>
+            </a:prstGeom>
+            <a:noFill/>
+          </p:spPr>
+          <p:txBody>
+            <a:bodyPr wrap="none" rtlCol="0">
+              <a:spAutoFit/>
+            </a:bodyPr>
+            <a:lstStyle/>
+            <a:p>
+              <a:r>
+                <a:rPr lang="en-US" sz="2000"/>
+                <a:t>out2</a:t>
+              </a:r>
+            </a:p>
+          </p:txBody>
+        </p:sp>
+        <p:sp>
+          <p:nvSpPr>
+            <p:cNvPr id="16" name="TextBox 15">
+              <a:extLst>
+                <a:ext uri="{FF2B5EF4-FFF2-40B4-BE49-F238E27FC236}">
+                  <a16:creationId xmlns:a16="http://schemas.microsoft.com/office/drawing/2014/main" id="{8A9D246E-6930-4357-862A-B2DCF11C4381}"/>
+                </a:ext>
+              </a:extLst>
+            </p:cNvPr>
+            <p:cNvSpPr txBox="1"/>
+            <p:nvPr/>
+          </p:nvSpPr>
+          <p:spPr>
+            <a:xfrm>
+              <a:off x="3646420" y="3399217"/>
+              <a:ext cx="670376" cy="400110"/>
+            </a:xfrm>
+            <a:prstGeom prst="rect">
+              <a:avLst/>
+            </a:prstGeom>
+            <a:noFill/>
+          </p:spPr>
+          <p:txBody>
+            <a:bodyPr wrap="none" rtlCol="0">
+              <a:spAutoFit/>
+            </a:bodyPr>
+            <a:lstStyle/>
+            <a:p>
+              <a:r>
+                <a:rPr lang="en-US" sz="2000"/>
+                <a:t>out1</a:t>
+              </a:r>
+            </a:p>
+          </p:txBody>
+        </p:sp>
+        <p:sp>
+          <p:nvSpPr>
+            <p:cNvPr id="17" name="TextBox 16">
+              <a:extLst>
+                <a:ext uri="{FF2B5EF4-FFF2-40B4-BE49-F238E27FC236}">
+                  <a16:creationId xmlns:a16="http://schemas.microsoft.com/office/drawing/2014/main" id="{C94FB5EB-EB7E-40D4-9C80-34C43509DE21}"/>
+                </a:ext>
+              </a:extLst>
+            </p:cNvPr>
+            <p:cNvSpPr txBox="1"/>
+            <p:nvPr/>
+          </p:nvSpPr>
+          <p:spPr>
+            <a:xfrm>
+              <a:off x="3646420" y="3843724"/>
+              <a:ext cx="670376" cy="400110"/>
+            </a:xfrm>
+            <a:prstGeom prst="rect">
+              <a:avLst/>
+            </a:prstGeom>
+            <a:noFill/>
+          </p:spPr>
+          <p:txBody>
+            <a:bodyPr wrap="none" rtlCol="0">
+              <a:spAutoFit/>
+            </a:bodyPr>
+            <a:lstStyle/>
+            <a:p>
+              <a:r>
+                <a:rPr lang="en-US" sz="2000"/>
+                <a:t>out0</a:t>
+              </a:r>
+            </a:p>
+          </p:txBody>
+        </p:sp>
+      </p:grpSp>
+      <p:grpSp>
+        <p:nvGrpSpPr>
+          <p:cNvPr id="19" name="Group 18">
+            <a:extLst>
+              <a:ext uri="{FF2B5EF4-FFF2-40B4-BE49-F238E27FC236}">
+                <a16:creationId xmlns:a16="http://schemas.microsoft.com/office/drawing/2014/main" id="{6EA019E5-D6DC-4F91-B026-BB0C0703E880}"/>
+              </a:ext>
+            </a:extLst>
+          </p:cNvPr>
+          <p:cNvGrpSpPr/>
+          <p:nvPr/>
+        </p:nvGrpSpPr>
+        <p:grpSpPr>
+          <a:xfrm>
+            <a:off x="5892805" y="4128642"/>
+            <a:ext cx="3251195" cy="2794216"/>
+            <a:chOff x="1927696" y="3511910"/>
+            <a:chExt cx="3251195" cy="2794216"/>
+          </a:xfrm>
+        </p:grpSpPr>
+        <p:sp>
+          <p:nvSpPr>
+            <p:cNvPr id="20" name="Trapezoid 19">
+              <a:extLst>
+                <a:ext uri="{FF2B5EF4-FFF2-40B4-BE49-F238E27FC236}">
+                  <a16:creationId xmlns:a16="http://schemas.microsoft.com/office/drawing/2014/main" id="{3A3FD360-9592-4CE6-980F-00E691A54D61}"/>
+                </a:ext>
+              </a:extLst>
+            </p:cNvPr>
+            <p:cNvSpPr/>
+            <p:nvPr/>
+          </p:nvSpPr>
+          <p:spPr>
+            <a:xfrm rot="5400000">
+              <a:off x="2830745" y="3931180"/>
+              <a:ext cx="2054692" cy="1216152"/>
+            </a:xfrm>
+            <a:prstGeom prst="trapezoid">
+              <a:avLst>
+                <a:gd name="adj" fmla="val 52847"/>
+              </a:avLst>
+            </a:prstGeom>
+            <a:solidFill>
+              <a:schemeClr val="bg1"/>
+            </a:solidFill>
+            <a:ln w="38100" cmpd="sng">
+              <a:solidFill>
+                <a:srgbClr val="000000"/>
+              </a:solidFill>
+            </a:ln>
+          </p:spPr>
+          <p:style>
+            <a:lnRef idx="1">
+              <a:schemeClr val="accent1"/>
+            </a:lnRef>
+            <a:fillRef idx="3">
+              <a:schemeClr val="accent1"/>
+            </a:fillRef>
+            <a:effectRef idx="2">
+              <a:schemeClr val="accent1"/>
+            </a:effectRef>
+            <a:fontRef idx="minor">
+              <a:schemeClr val="lt1"/>
+            </a:fontRef>
+          </p:style>
+          <p:txBody>
+            <a:bodyPr rtlCol="0" anchor="ctr"/>
+            <a:lstStyle/>
+            <a:p>
+              <a:pPr algn="ctr"/>
+              <a:endParaRPr lang="en-US">
+                <a:solidFill>
+                  <a:srgbClr val="000000"/>
+                </a:solidFill>
+              </a:endParaRPr>
+            </a:p>
+          </p:txBody>
+        </p:sp>
+        <p:sp>
+          <p:nvSpPr>
+            <p:cNvPr id="21" name="TextBox 20">
+              <a:extLst>
+                <a:ext uri="{FF2B5EF4-FFF2-40B4-BE49-F238E27FC236}">
+                  <a16:creationId xmlns:a16="http://schemas.microsoft.com/office/drawing/2014/main" id="{28B93D7B-7C28-4646-B352-E51142D02D7F}"/>
+                </a:ext>
+              </a:extLst>
+            </p:cNvPr>
+            <p:cNvSpPr txBox="1"/>
+            <p:nvPr/>
+          </p:nvSpPr>
+          <p:spPr>
+            <a:xfrm>
+              <a:off x="3450168" y="4246890"/>
+              <a:ext cx="742511" cy="461665"/>
+            </a:xfrm>
+            <a:prstGeom prst="rect">
+              <a:avLst/>
+            </a:prstGeom>
+            <a:noFill/>
+          </p:spPr>
+          <p:txBody>
+            <a:bodyPr wrap="none" rtlCol="0">
+              <a:spAutoFit/>
+            </a:bodyPr>
+            <a:lstStyle/>
+            <a:p>
+              <a:r>
+                <a:rPr lang="en-US" sz="2400"/>
+                <a:t>Mux</a:t>
+              </a:r>
+            </a:p>
+          </p:txBody>
+        </p:sp>
+        <p:cxnSp>
+          <p:nvCxnSpPr>
+            <p:cNvPr id="22" name="Straight Connector 21">
+              <a:extLst>
+                <a:ext uri="{FF2B5EF4-FFF2-40B4-BE49-F238E27FC236}">
+                  <a16:creationId xmlns:a16="http://schemas.microsoft.com/office/drawing/2014/main" id="{02606D09-F732-4500-A1ED-49674F9982AF}"/>
+                </a:ext>
+              </a:extLst>
+            </p:cNvPr>
+            <p:cNvCxnSpPr/>
+            <p:nvPr/>
+          </p:nvCxnSpPr>
+          <p:spPr>
+            <a:xfrm flipV="1">
+              <a:off x="3815759" y="5220327"/>
+              <a:ext cx="1" cy="860014"/>
+            </a:xfrm>
+            <a:prstGeom prst="line">
+              <a:avLst/>
+            </a:prstGeom>
+          </p:spPr>
+          <p:style>
+            <a:lnRef idx="2">
+              <a:schemeClr val="accent1"/>
+            </a:lnRef>
+            <a:fillRef idx="0">
+              <a:schemeClr val="accent1"/>
+            </a:fillRef>
+            <a:effectRef idx="1">
+              <a:schemeClr val="accent1"/>
+            </a:effectRef>
+            <a:fontRef idx="minor">
+              <a:schemeClr val="tx1"/>
+            </a:fontRef>
+          </p:style>
+        </p:cxnSp>
+        <p:cxnSp>
+          <p:nvCxnSpPr>
+            <p:cNvPr id="23" name="Straight Connector 22">
+              <a:extLst>
+                <a:ext uri="{FF2B5EF4-FFF2-40B4-BE49-F238E27FC236}">
+                  <a16:creationId xmlns:a16="http://schemas.microsoft.com/office/drawing/2014/main" id="{78AE5010-5F11-4539-A3B8-1000E4A8373A}"/>
+                </a:ext>
+              </a:extLst>
+            </p:cNvPr>
+            <p:cNvCxnSpPr/>
+            <p:nvPr/>
+          </p:nvCxnSpPr>
+          <p:spPr>
+            <a:xfrm>
+              <a:off x="3633726" y="5711010"/>
+              <a:ext cx="402167" cy="148167"/>
+            </a:xfrm>
+            <a:prstGeom prst="line">
+              <a:avLst/>
+            </a:prstGeom>
+          </p:spPr>
+          <p:style>
+            <a:lnRef idx="2">
+              <a:schemeClr val="accent1"/>
+            </a:lnRef>
+            <a:fillRef idx="0">
+              <a:schemeClr val="accent1"/>
+            </a:fillRef>
+            <a:effectRef idx="1">
+              <a:schemeClr val="accent1"/>
+            </a:effectRef>
+            <a:fontRef idx="minor">
+              <a:schemeClr val="tx1"/>
+            </a:fontRef>
+          </p:style>
+        </p:cxnSp>
+        <p:sp>
+          <p:nvSpPr>
+            <p:cNvPr id="24" name="TextBox 23">
+              <a:extLst>
+                <a:ext uri="{FF2B5EF4-FFF2-40B4-BE49-F238E27FC236}">
+                  <a16:creationId xmlns:a16="http://schemas.microsoft.com/office/drawing/2014/main" id="{D3E8A6DB-4C02-4A57-B2FD-1FBF9EFE409A}"/>
+                </a:ext>
+              </a:extLst>
+            </p:cNvPr>
+            <p:cNvSpPr txBox="1"/>
+            <p:nvPr/>
+          </p:nvSpPr>
+          <p:spPr>
+            <a:xfrm>
+              <a:off x="3365499" y="5584007"/>
+              <a:ext cx="301660" cy="369332"/>
+            </a:xfrm>
+            <a:prstGeom prst="rect">
+              <a:avLst/>
+            </a:prstGeom>
+            <a:noFill/>
+          </p:spPr>
+          <p:txBody>
+            <a:bodyPr wrap="none" rtlCol="0">
+              <a:spAutoFit/>
+            </a:bodyPr>
+            <a:lstStyle/>
+            <a:p>
+              <a:r>
+                <a:rPr lang="en-US"/>
+                <a:t>2</a:t>
+              </a:r>
+            </a:p>
+          </p:txBody>
+        </p:sp>
+        <p:sp>
+          <p:nvSpPr>
+            <p:cNvPr id="25" name="TextBox 24">
+              <a:extLst>
+                <a:ext uri="{FF2B5EF4-FFF2-40B4-BE49-F238E27FC236}">
+                  <a16:creationId xmlns:a16="http://schemas.microsoft.com/office/drawing/2014/main" id="{96A51E64-744D-4FB6-B186-51E438E7F71E}"/>
+                </a:ext>
+              </a:extLst>
+            </p:cNvPr>
+            <p:cNvSpPr txBox="1"/>
+            <p:nvPr/>
+          </p:nvSpPr>
+          <p:spPr>
+            <a:xfrm>
+              <a:off x="3772521" y="5844461"/>
+              <a:ext cx="325730" cy="461665"/>
+            </a:xfrm>
+            <a:prstGeom prst="rect">
+              <a:avLst/>
+            </a:prstGeom>
+            <a:noFill/>
+          </p:spPr>
+          <p:txBody>
+            <a:bodyPr wrap="none" rtlCol="0">
+              <a:spAutoFit/>
+            </a:bodyPr>
+            <a:lstStyle/>
+            <a:p>
+              <a:r>
+                <a:rPr lang="en-US" sz="2400"/>
+                <a:t>S</a:t>
+              </a:r>
+            </a:p>
+          </p:txBody>
+        </p:sp>
+        <p:cxnSp>
+          <p:nvCxnSpPr>
+            <p:cNvPr id="26" name="Straight Connector 25">
+              <a:extLst>
+                <a:ext uri="{FF2B5EF4-FFF2-40B4-BE49-F238E27FC236}">
+                  <a16:creationId xmlns:a16="http://schemas.microsoft.com/office/drawing/2014/main" id="{679E93B7-CD2B-448E-A8AC-ACB60E379965}"/>
+                </a:ext>
+              </a:extLst>
+            </p:cNvPr>
+            <p:cNvCxnSpPr/>
+            <p:nvPr/>
+          </p:nvCxnSpPr>
+          <p:spPr>
+            <a:xfrm flipH="1">
+              <a:off x="2537293" y="3769883"/>
+              <a:ext cx="712723" cy="1"/>
+            </a:xfrm>
+            <a:prstGeom prst="line">
+              <a:avLst/>
+            </a:prstGeom>
+          </p:spPr>
+          <p:style>
+            <a:lnRef idx="2">
+              <a:schemeClr val="accent1"/>
+            </a:lnRef>
+            <a:fillRef idx="0">
+              <a:schemeClr val="accent1"/>
+            </a:fillRef>
+            <a:effectRef idx="1">
+              <a:schemeClr val="accent1"/>
+            </a:effectRef>
+            <a:fontRef idx="minor">
+              <a:schemeClr val="tx1"/>
+            </a:fontRef>
+          </p:style>
+        </p:cxnSp>
+        <p:cxnSp>
+          <p:nvCxnSpPr>
+            <p:cNvPr id="27" name="Straight Connector 26">
+              <a:extLst>
+                <a:ext uri="{FF2B5EF4-FFF2-40B4-BE49-F238E27FC236}">
+                  <a16:creationId xmlns:a16="http://schemas.microsoft.com/office/drawing/2014/main" id="{77B466A0-D579-4265-B44D-C4C8DF768CFE}"/>
+                </a:ext>
+              </a:extLst>
+            </p:cNvPr>
+            <p:cNvCxnSpPr/>
+            <p:nvPr/>
+          </p:nvCxnSpPr>
+          <p:spPr>
+            <a:xfrm flipH="1">
+              <a:off x="2537293" y="4239781"/>
+              <a:ext cx="712723" cy="1"/>
+            </a:xfrm>
+            <a:prstGeom prst="line">
+              <a:avLst/>
+            </a:prstGeom>
+          </p:spPr>
+          <p:style>
+            <a:lnRef idx="2">
+              <a:schemeClr val="accent1"/>
+            </a:lnRef>
+            <a:fillRef idx="0">
+              <a:schemeClr val="accent1"/>
+            </a:fillRef>
+            <a:effectRef idx="1">
+              <a:schemeClr val="accent1"/>
+            </a:effectRef>
+            <a:fontRef idx="minor">
+              <a:schemeClr val="tx1"/>
+            </a:fontRef>
+          </p:style>
+        </p:cxnSp>
+        <p:cxnSp>
+          <p:nvCxnSpPr>
+            <p:cNvPr id="28" name="Straight Connector 27">
+              <a:extLst>
+                <a:ext uri="{FF2B5EF4-FFF2-40B4-BE49-F238E27FC236}">
+                  <a16:creationId xmlns:a16="http://schemas.microsoft.com/office/drawing/2014/main" id="{F6A28D58-8BE3-4219-99F7-7DA38EEEA4CA}"/>
+                </a:ext>
+              </a:extLst>
+            </p:cNvPr>
+            <p:cNvCxnSpPr/>
+            <p:nvPr/>
+          </p:nvCxnSpPr>
+          <p:spPr>
+            <a:xfrm flipH="1">
+              <a:off x="2537292" y="4724558"/>
+              <a:ext cx="712723" cy="1"/>
+            </a:xfrm>
+            <a:prstGeom prst="line">
+              <a:avLst/>
+            </a:prstGeom>
+          </p:spPr>
+          <p:style>
+            <a:lnRef idx="2">
+              <a:schemeClr val="accent1"/>
+            </a:lnRef>
+            <a:fillRef idx="0">
+              <a:schemeClr val="accent1"/>
+            </a:fillRef>
+            <a:effectRef idx="1">
+              <a:schemeClr val="accent1"/>
+            </a:effectRef>
+            <a:fontRef idx="minor">
+              <a:schemeClr val="tx1"/>
+            </a:fontRef>
+          </p:style>
+        </p:cxnSp>
+        <p:cxnSp>
+          <p:nvCxnSpPr>
+            <p:cNvPr id="29" name="Straight Connector 28">
+              <a:extLst>
+                <a:ext uri="{FF2B5EF4-FFF2-40B4-BE49-F238E27FC236}">
+                  <a16:creationId xmlns:a16="http://schemas.microsoft.com/office/drawing/2014/main" id="{63119C7D-D0F1-4BB3-963D-117B44761492}"/>
+                </a:ext>
+              </a:extLst>
+            </p:cNvPr>
+            <p:cNvCxnSpPr/>
+            <p:nvPr/>
+          </p:nvCxnSpPr>
+          <p:spPr>
+            <a:xfrm flipH="1">
+              <a:off x="2537293" y="5188433"/>
+              <a:ext cx="712723" cy="1"/>
+            </a:xfrm>
+            <a:prstGeom prst="line">
+              <a:avLst/>
+            </a:prstGeom>
+          </p:spPr>
+          <p:style>
+            <a:lnRef idx="2">
+              <a:schemeClr val="accent1"/>
+            </a:lnRef>
+            <a:fillRef idx="0">
+              <a:schemeClr val="accent1"/>
+            </a:fillRef>
+            <a:effectRef idx="1">
+              <a:schemeClr val="accent1"/>
+            </a:effectRef>
+            <a:fontRef idx="minor">
+              <a:schemeClr val="tx1"/>
+            </a:fontRef>
+          </p:style>
+        </p:cxnSp>
+        <p:sp>
+          <p:nvSpPr>
+            <p:cNvPr id="30" name="TextBox 29">
+              <a:extLst>
+                <a:ext uri="{FF2B5EF4-FFF2-40B4-BE49-F238E27FC236}">
+                  <a16:creationId xmlns:a16="http://schemas.microsoft.com/office/drawing/2014/main" id="{7821C303-4676-4273-95F0-1AE6CC152E7B}"/>
+                </a:ext>
+              </a:extLst>
+            </p:cNvPr>
+            <p:cNvSpPr txBox="1"/>
+            <p:nvPr/>
+          </p:nvSpPr>
+          <p:spPr>
+            <a:xfrm>
+              <a:off x="1927696" y="3529067"/>
+              <a:ext cx="508473" cy="400110"/>
+            </a:xfrm>
+            <a:prstGeom prst="rect">
+              <a:avLst/>
+            </a:prstGeom>
+            <a:noFill/>
+          </p:spPr>
+          <p:txBody>
+            <a:bodyPr wrap="none" rtlCol="0">
+              <a:spAutoFit/>
+            </a:bodyPr>
+            <a:lstStyle/>
+            <a:p>
+              <a:r>
+                <a:rPr lang="en-US" sz="2000"/>
+                <a:t>in3</a:t>
+              </a:r>
+            </a:p>
+          </p:txBody>
+        </p:sp>
+        <p:sp>
+          <p:nvSpPr>
+            <p:cNvPr id="31" name="TextBox 30">
+              <a:extLst>
+                <a:ext uri="{FF2B5EF4-FFF2-40B4-BE49-F238E27FC236}">
+                  <a16:creationId xmlns:a16="http://schemas.microsoft.com/office/drawing/2014/main" id="{652BB457-A9A6-42A9-8AB9-BD101FDC693B}"/>
+                </a:ext>
+              </a:extLst>
+            </p:cNvPr>
+            <p:cNvSpPr txBox="1"/>
+            <p:nvPr/>
+          </p:nvSpPr>
+          <p:spPr>
+            <a:xfrm>
+              <a:off x="1931927" y="3956638"/>
+              <a:ext cx="508473" cy="400110"/>
+            </a:xfrm>
+            <a:prstGeom prst="rect">
+              <a:avLst/>
+            </a:prstGeom>
+            <a:noFill/>
+          </p:spPr>
+          <p:txBody>
+            <a:bodyPr wrap="none" rtlCol="0">
+              <a:spAutoFit/>
+            </a:bodyPr>
+            <a:lstStyle/>
+            <a:p>
+              <a:r>
+                <a:rPr lang="en-US" sz="2000"/>
+                <a:t>in2</a:t>
+              </a:r>
+            </a:p>
+          </p:txBody>
+        </p:sp>
+        <p:sp>
+          <p:nvSpPr>
+            <p:cNvPr id="32" name="TextBox 31">
+              <a:extLst>
+                <a:ext uri="{FF2B5EF4-FFF2-40B4-BE49-F238E27FC236}">
+                  <a16:creationId xmlns:a16="http://schemas.microsoft.com/office/drawing/2014/main" id="{CECFAA1A-2A09-42D3-9EE8-1A9598D85E1B}"/>
+                </a:ext>
+              </a:extLst>
+            </p:cNvPr>
+            <p:cNvSpPr txBox="1"/>
+            <p:nvPr/>
+          </p:nvSpPr>
+          <p:spPr>
+            <a:xfrm>
+              <a:off x="1931927" y="4443479"/>
+              <a:ext cx="508473" cy="400110"/>
+            </a:xfrm>
+            <a:prstGeom prst="rect">
+              <a:avLst/>
+            </a:prstGeom>
+            <a:noFill/>
+          </p:spPr>
+          <p:txBody>
+            <a:bodyPr wrap="none" rtlCol="0">
+              <a:spAutoFit/>
+            </a:bodyPr>
+            <a:lstStyle/>
+            <a:p>
+              <a:r>
+                <a:rPr lang="en-US" sz="2000"/>
+                <a:t>in1</a:t>
+              </a:r>
+            </a:p>
+          </p:txBody>
+        </p:sp>
+        <p:sp>
+          <p:nvSpPr>
+            <p:cNvPr id="33" name="TextBox 32">
+              <a:extLst>
+                <a:ext uri="{FF2B5EF4-FFF2-40B4-BE49-F238E27FC236}">
+                  <a16:creationId xmlns:a16="http://schemas.microsoft.com/office/drawing/2014/main" id="{47937295-8A09-4470-8056-897F571112FF}"/>
+                </a:ext>
+              </a:extLst>
+            </p:cNvPr>
+            <p:cNvSpPr txBox="1"/>
+            <p:nvPr/>
+          </p:nvSpPr>
+          <p:spPr>
+            <a:xfrm>
+              <a:off x="1931927" y="4887986"/>
+              <a:ext cx="508473" cy="400110"/>
+            </a:xfrm>
+            <a:prstGeom prst="rect">
+              <a:avLst/>
+            </a:prstGeom>
+            <a:noFill/>
+          </p:spPr>
+          <p:txBody>
+            <a:bodyPr wrap="none" rtlCol="0">
+              <a:spAutoFit/>
+            </a:bodyPr>
+            <a:lstStyle/>
+            <a:p>
+              <a:r>
+                <a:rPr lang="en-US" sz="2000"/>
+                <a:t>in0</a:t>
+              </a:r>
+            </a:p>
+          </p:txBody>
+        </p:sp>
+        <p:cxnSp>
+          <p:nvCxnSpPr>
+            <p:cNvPr id="34" name="Straight Connector 33">
+              <a:extLst>
+                <a:ext uri="{FF2B5EF4-FFF2-40B4-BE49-F238E27FC236}">
+                  <a16:creationId xmlns:a16="http://schemas.microsoft.com/office/drawing/2014/main" id="{BBDC8CC9-4C90-4562-9A9E-69A4D93E1530}"/>
+                </a:ext>
+              </a:extLst>
+            </p:cNvPr>
+            <p:cNvCxnSpPr/>
+            <p:nvPr/>
+          </p:nvCxnSpPr>
+          <p:spPr>
+            <a:xfrm flipH="1">
+              <a:off x="4466168" y="4441956"/>
+              <a:ext cx="712723" cy="1"/>
+            </a:xfrm>
+            <a:prstGeom prst="line">
+              <a:avLst/>
+            </a:prstGeom>
+          </p:spPr>
+          <p:style>
+            <a:lnRef idx="2">
+              <a:schemeClr val="accent1"/>
+            </a:lnRef>
+            <a:fillRef idx="0">
+              <a:schemeClr val="accent1"/>
+            </a:fillRef>
+            <a:effectRef idx="1">
+              <a:schemeClr val="accent1"/>
+            </a:effectRef>
+            <a:fontRef idx="minor">
+              <a:schemeClr val="tx1"/>
+            </a:fontRef>
+          </p:style>
+        </p:cxnSp>
+        <p:sp>
+          <p:nvSpPr>
+            <p:cNvPr id="35" name="TextBox 34">
+              <a:extLst>
+                <a:ext uri="{FF2B5EF4-FFF2-40B4-BE49-F238E27FC236}">
+                  <a16:creationId xmlns:a16="http://schemas.microsoft.com/office/drawing/2014/main" id="{56771F69-F9E2-4E44-B677-63E1749C0C5E}"/>
+                </a:ext>
+              </a:extLst>
+            </p:cNvPr>
+            <p:cNvSpPr txBox="1"/>
+            <p:nvPr/>
+          </p:nvSpPr>
+          <p:spPr>
+            <a:xfrm>
+              <a:off x="4567124" y="3956638"/>
+              <a:ext cx="540533" cy="400110"/>
+            </a:xfrm>
+            <a:prstGeom prst="rect">
+              <a:avLst/>
+            </a:prstGeom>
+            <a:noFill/>
+          </p:spPr>
+          <p:txBody>
+            <a:bodyPr wrap="none" rtlCol="0">
+              <a:spAutoFit/>
+            </a:bodyPr>
+            <a:lstStyle/>
+            <a:p>
+              <a:r>
+                <a:rPr lang="en-US" sz="2000"/>
+                <a:t>out</a:t>
+              </a:r>
+            </a:p>
+          </p:txBody>
+        </p:sp>
+      </p:grpSp>
+    </p:spTree>
+    <p:extLst>
+      <p:ext uri="{BB962C8B-B14F-4D97-AF65-F5344CB8AC3E}">
+        <p14:creationId xmlns:p14="http://schemas.microsoft.com/office/powerpoint/2010/main" val="903419827"/>
+      </p:ext>
+    </p:extLst>
+  </p:cSld>
+  <p:clrMapOvr>
+    <a:masterClrMapping/>
+  </p:clrMapOvr>
+</p:sld>
+</file>
+
+<file path=ppt/slides/slide20.xml><?xml version="1.0" encoding="utf-8"?>
 <p:sld xmlns:a="http://schemas.openxmlformats.org/drawingml/2006/main" xmlns:r="http://schemas.openxmlformats.org/officeDocument/2006/relationships" xmlns:p="http://schemas.openxmlformats.org/presentationml/2006/main">
   <p:cSld>
     <p:spTree>
@@ -12372,1260 +15854,7 @@
 </p:sld>
 </file>
 
-<file path=ppt/slides/slide2.xml><?xml version="1.0" encoding="utf-8"?>
-<p:sld xmlns:a="http://schemas.openxmlformats.org/drawingml/2006/main" xmlns:r="http://schemas.openxmlformats.org/officeDocument/2006/relationships" xmlns:p="http://schemas.openxmlformats.org/presentationml/2006/main">
-  <p:cSld>
-    <p:spTree>
-      <p:nvGrpSpPr>
-        <p:cNvPr id="1" name=""/>
-        <p:cNvGrpSpPr/>
-        <p:nvPr/>
-      </p:nvGrpSpPr>
-      <p:grpSpPr>
-        <a:xfrm>
-          <a:off x="0" y="0"/>
-          <a:ext cx="0" cy="0"/>
-          <a:chOff x="0" y="0"/>
-          <a:chExt cx="0" cy="0"/>
-        </a:xfrm>
-      </p:grpSpPr>
-      <p:sp>
-        <p:nvSpPr>
-          <p:cNvPr id="2" name="Title 1"/>
-          <p:cNvSpPr>
-            <a:spLocks noGrp="1"/>
-          </p:cNvSpPr>
-          <p:nvPr>
-            <p:ph type="title"/>
-          </p:nvPr>
-        </p:nvSpPr>
-        <p:spPr>
-          <a:xfrm>
-            <a:off x="457200" y="186483"/>
-            <a:ext cx="8229600" cy="1143000"/>
-          </a:xfrm>
-        </p:spPr>
-        <p:txBody>
-          <a:bodyPr/>
-          <a:lstStyle/>
-          <a:p>
-            <a:r>
-              <a:rPr lang="en-US"/>
-              <a:t>What we’ve learnt so far</a:t>
-            </a:r>
-          </a:p>
-        </p:txBody>
-      </p:sp>
-      <p:sp>
-        <p:nvSpPr>
-          <p:cNvPr id="3" name="Content Placeholder 2"/>
-          <p:cNvSpPr>
-            <a:spLocks noGrp="1"/>
-          </p:cNvSpPr>
-          <p:nvPr>
-            <p:ph idx="1"/>
-          </p:nvPr>
-        </p:nvSpPr>
-        <p:spPr>
-          <a:xfrm>
-            <a:off x="457200" y="1329483"/>
-            <a:ext cx="8229600" cy="4525963"/>
-          </a:xfrm>
-        </p:spPr>
-        <p:txBody>
-          <a:bodyPr>
-            <a:normAutofit/>
-          </a:bodyPr>
-          <a:lstStyle/>
-          <a:p>
-            <a:r>
-              <a:rPr lang="en-US" sz="2800"/>
-              <a:t>Basic logic design</a:t>
-            </a:r>
-          </a:p>
-          <a:p>
-            <a:pPr lvl="1"/>
-            <a:r>
-              <a:rPr lang="en-US" sz="2400"/>
-              <a:t>Logic circuits == Boolean expressions</a:t>
-            </a:r>
-          </a:p>
-          <a:p>
-            <a:r>
-              <a:rPr lang="en-US" sz="2800"/>
-              <a:t>How to build a combinatorial logic circuit</a:t>
-            </a:r>
-          </a:p>
-          <a:p>
-            <a:pPr lvl="1"/>
-            <a:r>
-              <a:rPr lang="en-US" sz="2400"/>
-              <a:t>Specify the truth table</a:t>
-            </a:r>
-          </a:p>
-          <a:p>
-            <a:pPr lvl="1"/>
-            <a:r>
-              <a:rPr lang="en-US" sz="2400"/>
-              <a:t>Output is the sum of products (implemented in PLA, programmable logic array)</a:t>
-            </a:r>
-          </a:p>
-          <a:p>
-            <a:r>
-              <a:rPr lang="en-US" sz="2800"/>
-              <a:t>Common CL</a:t>
-            </a:r>
-          </a:p>
-          <a:p>
-            <a:pPr lvl="1"/>
-            <a:r>
-              <a:rPr lang="en-US" sz="2400"/>
-              <a:t>Decoder</a:t>
-            </a:r>
-          </a:p>
-          <a:p>
-            <a:pPr lvl="1"/>
-            <a:r>
-              <a:rPr lang="en-US" sz="2400"/>
-              <a:t>Multiplexer</a:t>
-            </a:r>
-          </a:p>
-        </p:txBody>
-      </p:sp>
-      <p:grpSp>
-        <p:nvGrpSpPr>
-          <p:cNvPr id="4" name="Group 3">
-            <a:extLst>
-              <a:ext uri="{FF2B5EF4-FFF2-40B4-BE49-F238E27FC236}">
-                <a16:creationId xmlns:a16="http://schemas.microsoft.com/office/drawing/2014/main" id="{E5A7A2EE-1611-4E01-AD8F-C27A7A8C4B38}"/>
-              </a:ext>
-            </a:extLst>
-          </p:cNvPr>
-          <p:cNvGrpSpPr/>
-          <p:nvPr/>
-        </p:nvGrpSpPr>
-        <p:grpSpPr>
-          <a:xfrm>
-            <a:off x="3528189" y="4256554"/>
-            <a:ext cx="2051044" cy="2274211"/>
-            <a:chOff x="1713313" y="2437037"/>
-            <a:chExt cx="2603483" cy="2922526"/>
-          </a:xfrm>
-        </p:grpSpPr>
-        <p:sp>
-          <p:nvSpPr>
-            <p:cNvPr id="5" name="Trapezoid 4">
-              <a:extLst>
-                <a:ext uri="{FF2B5EF4-FFF2-40B4-BE49-F238E27FC236}">
-                  <a16:creationId xmlns:a16="http://schemas.microsoft.com/office/drawing/2014/main" id="{40CA870D-59C6-4FD6-AD14-4458F29A45F2}"/>
-                </a:ext>
-              </a:extLst>
-            </p:cNvPr>
-            <p:cNvSpPr/>
-            <p:nvPr/>
-          </p:nvSpPr>
-          <p:spPr>
-            <a:xfrm rot="16200000">
-              <a:off x="1294043" y="2856307"/>
-              <a:ext cx="2054692" cy="1216152"/>
-            </a:xfrm>
-            <a:prstGeom prst="trapezoid">
-              <a:avLst>
-                <a:gd name="adj" fmla="val 52847"/>
-              </a:avLst>
-            </a:prstGeom>
-            <a:solidFill>
-              <a:schemeClr val="bg1"/>
-            </a:solidFill>
-            <a:ln w="38100" cmpd="sng">
-              <a:solidFill>
-                <a:srgbClr val="000000"/>
-              </a:solidFill>
-            </a:ln>
-          </p:spPr>
-          <p:style>
-            <a:lnRef idx="1">
-              <a:schemeClr val="accent1"/>
-            </a:lnRef>
-            <a:fillRef idx="3">
-              <a:schemeClr val="accent1"/>
-            </a:fillRef>
-            <a:effectRef idx="2">
-              <a:schemeClr val="accent1"/>
-            </a:effectRef>
-            <a:fontRef idx="minor">
-              <a:schemeClr val="lt1"/>
-            </a:fontRef>
-          </p:style>
-          <p:txBody>
-            <a:bodyPr rtlCol="0" anchor="ctr"/>
-            <a:lstStyle/>
-            <a:p>
-              <a:pPr algn="ctr"/>
-              <a:endParaRPr lang="en-US">
-                <a:solidFill>
-                  <a:srgbClr val="000000"/>
-                </a:solidFill>
-              </a:endParaRPr>
-            </a:p>
-          </p:txBody>
-        </p:sp>
-        <p:sp>
-          <p:nvSpPr>
-            <p:cNvPr id="6" name="TextBox 5">
-              <a:extLst>
-                <a:ext uri="{FF2B5EF4-FFF2-40B4-BE49-F238E27FC236}">
-                  <a16:creationId xmlns:a16="http://schemas.microsoft.com/office/drawing/2014/main" id="{4BEDA30B-7C4D-42EF-A928-00C20E055ADD}"/>
-                </a:ext>
-              </a:extLst>
-            </p:cNvPr>
-            <p:cNvSpPr txBox="1"/>
-            <p:nvPr/>
-          </p:nvSpPr>
-          <p:spPr>
-            <a:xfrm>
-              <a:off x="1722479" y="3253788"/>
-              <a:ext cx="1214754" cy="474618"/>
-            </a:xfrm>
-            <a:prstGeom prst="rect">
-              <a:avLst/>
-            </a:prstGeom>
-            <a:noFill/>
-          </p:spPr>
-          <p:txBody>
-            <a:bodyPr wrap="none" rtlCol="0">
-              <a:spAutoFit/>
-            </a:bodyPr>
-            <a:lstStyle/>
-            <a:p>
-              <a:r>
-                <a:rPr lang="en-US"/>
-                <a:t>decoder</a:t>
-              </a:r>
-            </a:p>
-          </p:txBody>
-        </p:sp>
-        <p:cxnSp>
-          <p:nvCxnSpPr>
-            <p:cNvPr id="7" name="Straight Connector 6">
-              <a:extLst>
-                <a:ext uri="{FF2B5EF4-FFF2-40B4-BE49-F238E27FC236}">
-                  <a16:creationId xmlns:a16="http://schemas.microsoft.com/office/drawing/2014/main" id="{2585DA90-DFDA-4B08-8B2C-2AEDC1E499EE}"/>
-                </a:ext>
-              </a:extLst>
-            </p:cNvPr>
-            <p:cNvCxnSpPr>
-              <a:cxnSpLocks/>
-              <a:endCxn id="5" idx="1"/>
-            </p:cNvCxnSpPr>
-            <p:nvPr/>
-          </p:nvCxnSpPr>
-          <p:spPr>
-            <a:xfrm flipH="1" flipV="1">
-              <a:off x="2321390" y="4170380"/>
-              <a:ext cx="8467" cy="1189183"/>
-            </a:xfrm>
-            <a:prstGeom prst="line">
-              <a:avLst/>
-            </a:prstGeom>
-          </p:spPr>
-          <p:style>
-            <a:lnRef idx="2">
-              <a:schemeClr val="accent1"/>
-            </a:lnRef>
-            <a:fillRef idx="0">
-              <a:schemeClr val="accent1"/>
-            </a:fillRef>
-            <a:effectRef idx="1">
-              <a:schemeClr val="accent1"/>
-            </a:effectRef>
-            <a:fontRef idx="minor">
-              <a:schemeClr val="tx1"/>
-            </a:fontRef>
-          </p:style>
-        </p:cxnSp>
-        <p:cxnSp>
-          <p:nvCxnSpPr>
-            <p:cNvPr id="8" name="Straight Connector 7">
-              <a:extLst>
-                <a:ext uri="{FF2B5EF4-FFF2-40B4-BE49-F238E27FC236}">
-                  <a16:creationId xmlns:a16="http://schemas.microsoft.com/office/drawing/2014/main" id="{3D52FFB7-3AC5-4B09-9593-8C9A98CD392D}"/>
-                </a:ext>
-              </a:extLst>
-            </p:cNvPr>
-            <p:cNvCxnSpPr/>
-            <p:nvPr/>
-          </p:nvCxnSpPr>
-          <p:spPr>
-            <a:xfrm>
-              <a:off x="2139357" y="4661063"/>
-              <a:ext cx="402167" cy="148167"/>
-            </a:xfrm>
-            <a:prstGeom prst="line">
-              <a:avLst/>
-            </a:prstGeom>
-          </p:spPr>
-          <p:style>
-            <a:lnRef idx="2">
-              <a:schemeClr val="accent1"/>
-            </a:lnRef>
-            <a:fillRef idx="0">
-              <a:schemeClr val="accent1"/>
-            </a:fillRef>
-            <a:effectRef idx="1">
-              <a:schemeClr val="accent1"/>
-            </a:effectRef>
-            <a:fontRef idx="minor">
-              <a:schemeClr val="tx1"/>
-            </a:fontRef>
-          </p:style>
-        </p:cxnSp>
-        <p:sp>
-          <p:nvSpPr>
-            <p:cNvPr id="9" name="TextBox 8">
-              <a:extLst>
-                <a:ext uri="{FF2B5EF4-FFF2-40B4-BE49-F238E27FC236}">
-                  <a16:creationId xmlns:a16="http://schemas.microsoft.com/office/drawing/2014/main" id="{6CBA5250-F4F3-4CBB-BA3D-5F805C2FB772}"/>
-                </a:ext>
-              </a:extLst>
-            </p:cNvPr>
-            <p:cNvSpPr txBox="1"/>
-            <p:nvPr/>
-          </p:nvSpPr>
-          <p:spPr>
-            <a:xfrm>
-              <a:off x="1779754" y="4491729"/>
-              <a:ext cx="288862" cy="338554"/>
-            </a:xfrm>
-            <a:prstGeom prst="rect">
-              <a:avLst/>
-            </a:prstGeom>
-            <a:noFill/>
-          </p:spPr>
-          <p:txBody>
-            <a:bodyPr wrap="none" rtlCol="0">
-              <a:spAutoFit/>
-            </a:bodyPr>
-            <a:lstStyle/>
-            <a:p>
-              <a:r>
-                <a:rPr lang="en-US" sz="1600"/>
-                <a:t>2</a:t>
-              </a:r>
-              <a:endParaRPr lang="en-US"/>
-            </a:p>
-          </p:txBody>
-        </p:sp>
-        <p:cxnSp>
-          <p:nvCxnSpPr>
-            <p:cNvPr id="10" name="Straight Connector 9">
-              <a:extLst>
-                <a:ext uri="{FF2B5EF4-FFF2-40B4-BE49-F238E27FC236}">
-                  <a16:creationId xmlns:a16="http://schemas.microsoft.com/office/drawing/2014/main" id="{9EC7902A-15DA-4F1E-BE25-49C37D8FD90D}"/>
-                </a:ext>
-              </a:extLst>
-            </p:cNvPr>
-            <p:cNvCxnSpPr/>
-            <p:nvPr/>
-          </p:nvCxnSpPr>
-          <p:spPr>
-            <a:xfrm flipH="1">
-              <a:off x="2929467" y="2711804"/>
-              <a:ext cx="712723" cy="1"/>
-            </a:xfrm>
-            <a:prstGeom prst="line">
-              <a:avLst/>
-            </a:prstGeom>
-          </p:spPr>
-          <p:style>
-            <a:lnRef idx="2">
-              <a:schemeClr val="accent1"/>
-            </a:lnRef>
-            <a:fillRef idx="0">
-              <a:schemeClr val="accent1"/>
-            </a:fillRef>
-            <a:effectRef idx="1">
-              <a:schemeClr val="accent1"/>
-            </a:effectRef>
-            <a:fontRef idx="minor">
-              <a:schemeClr val="tx1"/>
-            </a:fontRef>
-          </p:style>
-        </p:cxnSp>
-        <p:cxnSp>
-          <p:nvCxnSpPr>
-            <p:cNvPr id="11" name="Straight Connector 10">
-              <a:extLst>
-                <a:ext uri="{FF2B5EF4-FFF2-40B4-BE49-F238E27FC236}">
-                  <a16:creationId xmlns:a16="http://schemas.microsoft.com/office/drawing/2014/main" id="{98B01014-1ACE-460C-B613-74515B038F92}"/>
-                </a:ext>
-              </a:extLst>
-            </p:cNvPr>
-            <p:cNvCxnSpPr/>
-            <p:nvPr/>
-          </p:nvCxnSpPr>
-          <p:spPr>
-            <a:xfrm flipH="1">
-              <a:off x="2929467" y="3181702"/>
-              <a:ext cx="712723" cy="1"/>
-            </a:xfrm>
-            <a:prstGeom prst="line">
-              <a:avLst/>
-            </a:prstGeom>
-          </p:spPr>
-          <p:style>
-            <a:lnRef idx="2">
-              <a:schemeClr val="accent1"/>
-            </a:lnRef>
-            <a:fillRef idx="0">
-              <a:schemeClr val="accent1"/>
-            </a:fillRef>
-            <a:effectRef idx="1">
-              <a:schemeClr val="accent1"/>
-            </a:effectRef>
-            <a:fontRef idx="minor">
-              <a:schemeClr val="tx1"/>
-            </a:fontRef>
-          </p:style>
-        </p:cxnSp>
-        <p:cxnSp>
-          <p:nvCxnSpPr>
-            <p:cNvPr id="12" name="Straight Connector 11">
-              <a:extLst>
-                <a:ext uri="{FF2B5EF4-FFF2-40B4-BE49-F238E27FC236}">
-                  <a16:creationId xmlns:a16="http://schemas.microsoft.com/office/drawing/2014/main" id="{BA296724-B0AE-475A-BD95-6EE6DBC2F74B}"/>
-                </a:ext>
-              </a:extLst>
-            </p:cNvPr>
-            <p:cNvCxnSpPr/>
-            <p:nvPr/>
-          </p:nvCxnSpPr>
-          <p:spPr>
-            <a:xfrm flipH="1">
-              <a:off x="2929466" y="3666479"/>
-              <a:ext cx="712723" cy="1"/>
-            </a:xfrm>
-            <a:prstGeom prst="line">
-              <a:avLst/>
-            </a:prstGeom>
-          </p:spPr>
-          <p:style>
-            <a:lnRef idx="2">
-              <a:schemeClr val="accent1"/>
-            </a:lnRef>
-            <a:fillRef idx="0">
-              <a:schemeClr val="accent1"/>
-            </a:fillRef>
-            <a:effectRef idx="1">
-              <a:schemeClr val="accent1"/>
-            </a:effectRef>
-            <a:fontRef idx="minor">
-              <a:schemeClr val="tx1"/>
-            </a:fontRef>
-          </p:style>
-        </p:cxnSp>
-        <p:cxnSp>
-          <p:nvCxnSpPr>
-            <p:cNvPr id="13" name="Straight Connector 12">
-              <a:extLst>
-                <a:ext uri="{FF2B5EF4-FFF2-40B4-BE49-F238E27FC236}">
-                  <a16:creationId xmlns:a16="http://schemas.microsoft.com/office/drawing/2014/main" id="{87FF1914-ACFE-4751-817D-661313A7CC78}"/>
-                </a:ext>
-              </a:extLst>
-            </p:cNvPr>
-            <p:cNvCxnSpPr/>
-            <p:nvPr/>
-          </p:nvCxnSpPr>
-          <p:spPr>
-            <a:xfrm flipH="1">
-              <a:off x="2929467" y="4130354"/>
-              <a:ext cx="712723" cy="1"/>
-            </a:xfrm>
-            <a:prstGeom prst="line">
-              <a:avLst/>
-            </a:prstGeom>
-          </p:spPr>
-          <p:style>
-            <a:lnRef idx="2">
-              <a:schemeClr val="accent1"/>
-            </a:lnRef>
-            <a:fillRef idx="0">
-              <a:schemeClr val="accent1"/>
-            </a:fillRef>
-            <a:effectRef idx="1">
-              <a:schemeClr val="accent1"/>
-            </a:effectRef>
-            <a:fontRef idx="minor">
-              <a:schemeClr val="tx1"/>
-            </a:fontRef>
-          </p:style>
-        </p:cxnSp>
-        <p:sp>
-          <p:nvSpPr>
-            <p:cNvPr id="14" name="TextBox 13">
-              <a:extLst>
-                <a:ext uri="{FF2B5EF4-FFF2-40B4-BE49-F238E27FC236}">
-                  <a16:creationId xmlns:a16="http://schemas.microsoft.com/office/drawing/2014/main" id="{517F66A8-A2FE-45DC-B716-68755FF7F567}"/>
-                </a:ext>
-              </a:extLst>
-            </p:cNvPr>
-            <p:cNvSpPr txBox="1"/>
-            <p:nvPr/>
-          </p:nvSpPr>
-          <p:spPr>
-            <a:xfrm>
-              <a:off x="3642189" y="2484805"/>
-              <a:ext cx="670376" cy="400110"/>
-            </a:xfrm>
-            <a:prstGeom prst="rect">
-              <a:avLst/>
-            </a:prstGeom>
-            <a:noFill/>
-          </p:spPr>
-          <p:txBody>
-            <a:bodyPr wrap="none" rtlCol="0">
-              <a:spAutoFit/>
-            </a:bodyPr>
-            <a:lstStyle/>
-            <a:p>
-              <a:r>
-                <a:rPr lang="en-US" sz="2000"/>
-                <a:t>out3</a:t>
-              </a:r>
-            </a:p>
-          </p:txBody>
-        </p:sp>
-        <p:sp>
-          <p:nvSpPr>
-            <p:cNvPr id="15" name="TextBox 14">
-              <a:extLst>
-                <a:ext uri="{FF2B5EF4-FFF2-40B4-BE49-F238E27FC236}">
-                  <a16:creationId xmlns:a16="http://schemas.microsoft.com/office/drawing/2014/main" id="{DBC256C4-ADEE-4563-B2C5-19B0E07CEF5C}"/>
-                </a:ext>
-              </a:extLst>
-            </p:cNvPr>
-            <p:cNvSpPr txBox="1"/>
-            <p:nvPr/>
-          </p:nvSpPr>
-          <p:spPr>
-            <a:xfrm>
-              <a:off x="3646420" y="2912376"/>
-              <a:ext cx="670376" cy="400110"/>
-            </a:xfrm>
-            <a:prstGeom prst="rect">
-              <a:avLst/>
-            </a:prstGeom>
-            <a:noFill/>
-          </p:spPr>
-          <p:txBody>
-            <a:bodyPr wrap="none" rtlCol="0">
-              <a:spAutoFit/>
-            </a:bodyPr>
-            <a:lstStyle/>
-            <a:p>
-              <a:r>
-                <a:rPr lang="en-US" sz="2000"/>
-                <a:t>out2</a:t>
-              </a:r>
-            </a:p>
-          </p:txBody>
-        </p:sp>
-        <p:sp>
-          <p:nvSpPr>
-            <p:cNvPr id="16" name="TextBox 15">
-              <a:extLst>
-                <a:ext uri="{FF2B5EF4-FFF2-40B4-BE49-F238E27FC236}">
-                  <a16:creationId xmlns:a16="http://schemas.microsoft.com/office/drawing/2014/main" id="{8A9D246E-6930-4357-862A-B2DCF11C4381}"/>
-                </a:ext>
-              </a:extLst>
-            </p:cNvPr>
-            <p:cNvSpPr txBox="1"/>
-            <p:nvPr/>
-          </p:nvSpPr>
-          <p:spPr>
-            <a:xfrm>
-              <a:off x="3646420" y="3399217"/>
-              <a:ext cx="670376" cy="400110"/>
-            </a:xfrm>
-            <a:prstGeom prst="rect">
-              <a:avLst/>
-            </a:prstGeom>
-            <a:noFill/>
-          </p:spPr>
-          <p:txBody>
-            <a:bodyPr wrap="none" rtlCol="0">
-              <a:spAutoFit/>
-            </a:bodyPr>
-            <a:lstStyle/>
-            <a:p>
-              <a:r>
-                <a:rPr lang="en-US" sz="2000"/>
-                <a:t>out1</a:t>
-              </a:r>
-            </a:p>
-          </p:txBody>
-        </p:sp>
-        <p:sp>
-          <p:nvSpPr>
-            <p:cNvPr id="17" name="TextBox 16">
-              <a:extLst>
-                <a:ext uri="{FF2B5EF4-FFF2-40B4-BE49-F238E27FC236}">
-                  <a16:creationId xmlns:a16="http://schemas.microsoft.com/office/drawing/2014/main" id="{C94FB5EB-EB7E-40D4-9C80-34C43509DE21}"/>
-                </a:ext>
-              </a:extLst>
-            </p:cNvPr>
-            <p:cNvSpPr txBox="1"/>
-            <p:nvPr/>
-          </p:nvSpPr>
-          <p:spPr>
-            <a:xfrm>
-              <a:off x="3646420" y="3843724"/>
-              <a:ext cx="670376" cy="400110"/>
-            </a:xfrm>
-            <a:prstGeom prst="rect">
-              <a:avLst/>
-            </a:prstGeom>
-            <a:noFill/>
-          </p:spPr>
-          <p:txBody>
-            <a:bodyPr wrap="none" rtlCol="0">
-              <a:spAutoFit/>
-            </a:bodyPr>
-            <a:lstStyle/>
-            <a:p>
-              <a:r>
-                <a:rPr lang="en-US" sz="2000"/>
-                <a:t>out0</a:t>
-              </a:r>
-            </a:p>
-          </p:txBody>
-        </p:sp>
-      </p:grpSp>
-      <p:grpSp>
-        <p:nvGrpSpPr>
-          <p:cNvPr id="19" name="Group 18">
-            <a:extLst>
-              <a:ext uri="{FF2B5EF4-FFF2-40B4-BE49-F238E27FC236}">
-                <a16:creationId xmlns:a16="http://schemas.microsoft.com/office/drawing/2014/main" id="{6EA019E5-D6DC-4F91-B026-BB0C0703E880}"/>
-              </a:ext>
-            </a:extLst>
-          </p:cNvPr>
-          <p:cNvGrpSpPr/>
-          <p:nvPr/>
-        </p:nvGrpSpPr>
-        <p:grpSpPr>
-          <a:xfrm>
-            <a:off x="5892805" y="4128642"/>
-            <a:ext cx="3251195" cy="2794216"/>
-            <a:chOff x="1927696" y="3511910"/>
-            <a:chExt cx="3251195" cy="2794216"/>
-          </a:xfrm>
-        </p:grpSpPr>
-        <p:sp>
-          <p:nvSpPr>
-            <p:cNvPr id="20" name="Trapezoid 19">
-              <a:extLst>
-                <a:ext uri="{FF2B5EF4-FFF2-40B4-BE49-F238E27FC236}">
-                  <a16:creationId xmlns:a16="http://schemas.microsoft.com/office/drawing/2014/main" id="{3A3FD360-9592-4CE6-980F-00E691A54D61}"/>
-                </a:ext>
-              </a:extLst>
-            </p:cNvPr>
-            <p:cNvSpPr/>
-            <p:nvPr/>
-          </p:nvSpPr>
-          <p:spPr>
-            <a:xfrm rot="5400000">
-              <a:off x="2830745" y="3931180"/>
-              <a:ext cx="2054692" cy="1216152"/>
-            </a:xfrm>
-            <a:prstGeom prst="trapezoid">
-              <a:avLst>
-                <a:gd name="adj" fmla="val 52847"/>
-              </a:avLst>
-            </a:prstGeom>
-            <a:solidFill>
-              <a:schemeClr val="bg1"/>
-            </a:solidFill>
-            <a:ln w="38100" cmpd="sng">
-              <a:solidFill>
-                <a:srgbClr val="000000"/>
-              </a:solidFill>
-            </a:ln>
-          </p:spPr>
-          <p:style>
-            <a:lnRef idx="1">
-              <a:schemeClr val="accent1"/>
-            </a:lnRef>
-            <a:fillRef idx="3">
-              <a:schemeClr val="accent1"/>
-            </a:fillRef>
-            <a:effectRef idx="2">
-              <a:schemeClr val="accent1"/>
-            </a:effectRef>
-            <a:fontRef idx="minor">
-              <a:schemeClr val="lt1"/>
-            </a:fontRef>
-          </p:style>
-          <p:txBody>
-            <a:bodyPr rtlCol="0" anchor="ctr"/>
-            <a:lstStyle/>
-            <a:p>
-              <a:pPr algn="ctr"/>
-              <a:endParaRPr lang="en-US">
-                <a:solidFill>
-                  <a:srgbClr val="000000"/>
-                </a:solidFill>
-              </a:endParaRPr>
-            </a:p>
-          </p:txBody>
-        </p:sp>
-        <p:sp>
-          <p:nvSpPr>
-            <p:cNvPr id="21" name="TextBox 20">
-              <a:extLst>
-                <a:ext uri="{FF2B5EF4-FFF2-40B4-BE49-F238E27FC236}">
-                  <a16:creationId xmlns:a16="http://schemas.microsoft.com/office/drawing/2014/main" id="{28B93D7B-7C28-4646-B352-E51142D02D7F}"/>
-                </a:ext>
-              </a:extLst>
-            </p:cNvPr>
-            <p:cNvSpPr txBox="1"/>
-            <p:nvPr/>
-          </p:nvSpPr>
-          <p:spPr>
-            <a:xfrm>
-              <a:off x="3450168" y="4246890"/>
-              <a:ext cx="742511" cy="461665"/>
-            </a:xfrm>
-            <a:prstGeom prst="rect">
-              <a:avLst/>
-            </a:prstGeom>
-            <a:noFill/>
-          </p:spPr>
-          <p:txBody>
-            <a:bodyPr wrap="none" rtlCol="0">
-              <a:spAutoFit/>
-            </a:bodyPr>
-            <a:lstStyle/>
-            <a:p>
-              <a:r>
-                <a:rPr lang="en-US" sz="2400"/>
-                <a:t>Mux</a:t>
-              </a:r>
-            </a:p>
-          </p:txBody>
-        </p:sp>
-        <p:cxnSp>
-          <p:nvCxnSpPr>
-            <p:cNvPr id="22" name="Straight Connector 21">
-              <a:extLst>
-                <a:ext uri="{FF2B5EF4-FFF2-40B4-BE49-F238E27FC236}">
-                  <a16:creationId xmlns:a16="http://schemas.microsoft.com/office/drawing/2014/main" id="{02606D09-F732-4500-A1ED-49674F9982AF}"/>
-                </a:ext>
-              </a:extLst>
-            </p:cNvPr>
-            <p:cNvCxnSpPr/>
-            <p:nvPr/>
-          </p:nvCxnSpPr>
-          <p:spPr>
-            <a:xfrm flipV="1">
-              <a:off x="3815759" y="5220327"/>
-              <a:ext cx="1" cy="860014"/>
-            </a:xfrm>
-            <a:prstGeom prst="line">
-              <a:avLst/>
-            </a:prstGeom>
-          </p:spPr>
-          <p:style>
-            <a:lnRef idx="2">
-              <a:schemeClr val="accent1"/>
-            </a:lnRef>
-            <a:fillRef idx="0">
-              <a:schemeClr val="accent1"/>
-            </a:fillRef>
-            <a:effectRef idx="1">
-              <a:schemeClr val="accent1"/>
-            </a:effectRef>
-            <a:fontRef idx="minor">
-              <a:schemeClr val="tx1"/>
-            </a:fontRef>
-          </p:style>
-        </p:cxnSp>
-        <p:cxnSp>
-          <p:nvCxnSpPr>
-            <p:cNvPr id="23" name="Straight Connector 22">
-              <a:extLst>
-                <a:ext uri="{FF2B5EF4-FFF2-40B4-BE49-F238E27FC236}">
-                  <a16:creationId xmlns:a16="http://schemas.microsoft.com/office/drawing/2014/main" id="{78AE5010-5F11-4539-A3B8-1000E4A8373A}"/>
-                </a:ext>
-              </a:extLst>
-            </p:cNvPr>
-            <p:cNvCxnSpPr/>
-            <p:nvPr/>
-          </p:nvCxnSpPr>
-          <p:spPr>
-            <a:xfrm>
-              <a:off x="3633726" y="5711010"/>
-              <a:ext cx="402167" cy="148167"/>
-            </a:xfrm>
-            <a:prstGeom prst="line">
-              <a:avLst/>
-            </a:prstGeom>
-          </p:spPr>
-          <p:style>
-            <a:lnRef idx="2">
-              <a:schemeClr val="accent1"/>
-            </a:lnRef>
-            <a:fillRef idx="0">
-              <a:schemeClr val="accent1"/>
-            </a:fillRef>
-            <a:effectRef idx="1">
-              <a:schemeClr val="accent1"/>
-            </a:effectRef>
-            <a:fontRef idx="minor">
-              <a:schemeClr val="tx1"/>
-            </a:fontRef>
-          </p:style>
-        </p:cxnSp>
-        <p:sp>
-          <p:nvSpPr>
-            <p:cNvPr id="24" name="TextBox 23">
-              <a:extLst>
-                <a:ext uri="{FF2B5EF4-FFF2-40B4-BE49-F238E27FC236}">
-                  <a16:creationId xmlns:a16="http://schemas.microsoft.com/office/drawing/2014/main" id="{D3E8A6DB-4C02-4A57-B2FD-1FBF9EFE409A}"/>
-                </a:ext>
-              </a:extLst>
-            </p:cNvPr>
-            <p:cNvSpPr txBox="1"/>
-            <p:nvPr/>
-          </p:nvSpPr>
-          <p:spPr>
-            <a:xfrm>
-              <a:off x="3365499" y="5584007"/>
-              <a:ext cx="301660" cy="369332"/>
-            </a:xfrm>
-            <a:prstGeom prst="rect">
-              <a:avLst/>
-            </a:prstGeom>
-            <a:noFill/>
-          </p:spPr>
-          <p:txBody>
-            <a:bodyPr wrap="none" rtlCol="0">
-              <a:spAutoFit/>
-            </a:bodyPr>
-            <a:lstStyle/>
-            <a:p>
-              <a:r>
-                <a:rPr lang="en-US"/>
-                <a:t>2</a:t>
-              </a:r>
-            </a:p>
-          </p:txBody>
-        </p:sp>
-        <p:sp>
-          <p:nvSpPr>
-            <p:cNvPr id="25" name="TextBox 24">
-              <a:extLst>
-                <a:ext uri="{FF2B5EF4-FFF2-40B4-BE49-F238E27FC236}">
-                  <a16:creationId xmlns:a16="http://schemas.microsoft.com/office/drawing/2014/main" id="{96A51E64-744D-4FB6-B186-51E438E7F71E}"/>
-                </a:ext>
-              </a:extLst>
-            </p:cNvPr>
-            <p:cNvSpPr txBox="1"/>
-            <p:nvPr/>
-          </p:nvSpPr>
-          <p:spPr>
-            <a:xfrm>
-              <a:off x="3772521" y="5844461"/>
-              <a:ext cx="325730" cy="461665"/>
-            </a:xfrm>
-            <a:prstGeom prst="rect">
-              <a:avLst/>
-            </a:prstGeom>
-            <a:noFill/>
-          </p:spPr>
-          <p:txBody>
-            <a:bodyPr wrap="none" rtlCol="0">
-              <a:spAutoFit/>
-            </a:bodyPr>
-            <a:lstStyle/>
-            <a:p>
-              <a:r>
-                <a:rPr lang="en-US" sz="2400"/>
-                <a:t>S</a:t>
-              </a:r>
-            </a:p>
-          </p:txBody>
-        </p:sp>
-        <p:cxnSp>
-          <p:nvCxnSpPr>
-            <p:cNvPr id="26" name="Straight Connector 25">
-              <a:extLst>
-                <a:ext uri="{FF2B5EF4-FFF2-40B4-BE49-F238E27FC236}">
-                  <a16:creationId xmlns:a16="http://schemas.microsoft.com/office/drawing/2014/main" id="{679E93B7-CD2B-448E-A8AC-ACB60E379965}"/>
-                </a:ext>
-              </a:extLst>
-            </p:cNvPr>
-            <p:cNvCxnSpPr/>
-            <p:nvPr/>
-          </p:nvCxnSpPr>
-          <p:spPr>
-            <a:xfrm flipH="1">
-              <a:off x="2537293" y="3769883"/>
-              <a:ext cx="712723" cy="1"/>
-            </a:xfrm>
-            <a:prstGeom prst="line">
-              <a:avLst/>
-            </a:prstGeom>
-          </p:spPr>
-          <p:style>
-            <a:lnRef idx="2">
-              <a:schemeClr val="accent1"/>
-            </a:lnRef>
-            <a:fillRef idx="0">
-              <a:schemeClr val="accent1"/>
-            </a:fillRef>
-            <a:effectRef idx="1">
-              <a:schemeClr val="accent1"/>
-            </a:effectRef>
-            <a:fontRef idx="minor">
-              <a:schemeClr val="tx1"/>
-            </a:fontRef>
-          </p:style>
-        </p:cxnSp>
-        <p:cxnSp>
-          <p:nvCxnSpPr>
-            <p:cNvPr id="27" name="Straight Connector 26">
-              <a:extLst>
-                <a:ext uri="{FF2B5EF4-FFF2-40B4-BE49-F238E27FC236}">
-                  <a16:creationId xmlns:a16="http://schemas.microsoft.com/office/drawing/2014/main" id="{77B466A0-D579-4265-B44D-C4C8DF768CFE}"/>
-                </a:ext>
-              </a:extLst>
-            </p:cNvPr>
-            <p:cNvCxnSpPr/>
-            <p:nvPr/>
-          </p:nvCxnSpPr>
-          <p:spPr>
-            <a:xfrm flipH="1">
-              <a:off x="2537293" y="4239781"/>
-              <a:ext cx="712723" cy="1"/>
-            </a:xfrm>
-            <a:prstGeom prst="line">
-              <a:avLst/>
-            </a:prstGeom>
-          </p:spPr>
-          <p:style>
-            <a:lnRef idx="2">
-              <a:schemeClr val="accent1"/>
-            </a:lnRef>
-            <a:fillRef idx="0">
-              <a:schemeClr val="accent1"/>
-            </a:fillRef>
-            <a:effectRef idx="1">
-              <a:schemeClr val="accent1"/>
-            </a:effectRef>
-            <a:fontRef idx="minor">
-              <a:schemeClr val="tx1"/>
-            </a:fontRef>
-          </p:style>
-        </p:cxnSp>
-        <p:cxnSp>
-          <p:nvCxnSpPr>
-            <p:cNvPr id="28" name="Straight Connector 27">
-              <a:extLst>
-                <a:ext uri="{FF2B5EF4-FFF2-40B4-BE49-F238E27FC236}">
-                  <a16:creationId xmlns:a16="http://schemas.microsoft.com/office/drawing/2014/main" id="{F6A28D58-8BE3-4219-99F7-7DA38EEEA4CA}"/>
-                </a:ext>
-              </a:extLst>
-            </p:cNvPr>
-            <p:cNvCxnSpPr/>
-            <p:nvPr/>
-          </p:nvCxnSpPr>
-          <p:spPr>
-            <a:xfrm flipH="1">
-              <a:off x="2537292" y="4724558"/>
-              <a:ext cx="712723" cy="1"/>
-            </a:xfrm>
-            <a:prstGeom prst="line">
-              <a:avLst/>
-            </a:prstGeom>
-          </p:spPr>
-          <p:style>
-            <a:lnRef idx="2">
-              <a:schemeClr val="accent1"/>
-            </a:lnRef>
-            <a:fillRef idx="0">
-              <a:schemeClr val="accent1"/>
-            </a:fillRef>
-            <a:effectRef idx="1">
-              <a:schemeClr val="accent1"/>
-            </a:effectRef>
-            <a:fontRef idx="minor">
-              <a:schemeClr val="tx1"/>
-            </a:fontRef>
-          </p:style>
-        </p:cxnSp>
-        <p:cxnSp>
-          <p:nvCxnSpPr>
-            <p:cNvPr id="29" name="Straight Connector 28">
-              <a:extLst>
-                <a:ext uri="{FF2B5EF4-FFF2-40B4-BE49-F238E27FC236}">
-                  <a16:creationId xmlns:a16="http://schemas.microsoft.com/office/drawing/2014/main" id="{63119C7D-D0F1-4BB3-963D-117B44761492}"/>
-                </a:ext>
-              </a:extLst>
-            </p:cNvPr>
-            <p:cNvCxnSpPr/>
-            <p:nvPr/>
-          </p:nvCxnSpPr>
-          <p:spPr>
-            <a:xfrm flipH="1">
-              <a:off x="2537293" y="5188433"/>
-              <a:ext cx="712723" cy="1"/>
-            </a:xfrm>
-            <a:prstGeom prst="line">
-              <a:avLst/>
-            </a:prstGeom>
-          </p:spPr>
-          <p:style>
-            <a:lnRef idx="2">
-              <a:schemeClr val="accent1"/>
-            </a:lnRef>
-            <a:fillRef idx="0">
-              <a:schemeClr val="accent1"/>
-            </a:fillRef>
-            <a:effectRef idx="1">
-              <a:schemeClr val="accent1"/>
-            </a:effectRef>
-            <a:fontRef idx="minor">
-              <a:schemeClr val="tx1"/>
-            </a:fontRef>
-          </p:style>
-        </p:cxnSp>
-        <p:sp>
-          <p:nvSpPr>
-            <p:cNvPr id="30" name="TextBox 29">
-              <a:extLst>
-                <a:ext uri="{FF2B5EF4-FFF2-40B4-BE49-F238E27FC236}">
-                  <a16:creationId xmlns:a16="http://schemas.microsoft.com/office/drawing/2014/main" id="{7821C303-4676-4273-95F0-1AE6CC152E7B}"/>
-                </a:ext>
-              </a:extLst>
-            </p:cNvPr>
-            <p:cNvSpPr txBox="1"/>
-            <p:nvPr/>
-          </p:nvSpPr>
-          <p:spPr>
-            <a:xfrm>
-              <a:off x="1927696" y="3529067"/>
-              <a:ext cx="508473" cy="400110"/>
-            </a:xfrm>
-            <a:prstGeom prst="rect">
-              <a:avLst/>
-            </a:prstGeom>
-            <a:noFill/>
-          </p:spPr>
-          <p:txBody>
-            <a:bodyPr wrap="none" rtlCol="0">
-              <a:spAutoFit/>
-            </a:bodyPr>
-            <a:lstStyle/>
-            <a:p>
-              <a:r>
-                <a:rPr lang="en-US" sz="2000"/>
-                <a:t>in3</a:t>
-              </a:r>
-            </a:p>
-          </p:txBody>
-        </p:sp>
-        <p:sp>
-          <p:nvSpPr>
-            <p:cNvPr id="31" name="TextBox 30">
-              <a:extLst>
-                <a:ext uri="{FF2B5EF4-FFF2-40B4-BE49-F238E27FC236}">
-                  <a16:creationId xmlns:a16="http://schemas.microsoft.com/office/drawing/2014/main" id="{652BB457-A9A6-42A9-8AB9-BD101FDC693B}"/>
-                </a:ext>
-              </a:extLst>
-            </p:cNvPr>
-            <p:cNvSpPr txBox="1"/>
-            <p:nvPr/>
-          </p:nvSpPr>
-          <p:spPr>
-            <a:xfrm>
-              <a:off x="1931927" y="3956638"/>
-              <a:ext cx="508473" cy="400110"/>
-            </a:xfrm>
-            <a:prstGeom prst="rect">
-              <a:avLst/>
-            </a:prstGeom>
-            <a:noFill/>
-          </p:spPr>
-          <p:txBody>
-            <a:bodyPr wrap="none" rtlCol="0">
-              <a:spAutoFit/>
-            </a:bodyPr>
-            <a:lstStyle/>
-            <a:p>
-              <a:r>
-                <a:rPr lang="en-US" sz="2000"/>
-                <a:t>in2</a:t>
-              </a:r>
-            </a:p>
-          </p:txBody>
-        </p:sp>
-        <p:sp>
-          <p:nvSpPr>
-            <p:cNvPr id="32" name="TextBox 31">
-              <a:extLst>
-                <a:ext uri="{FF2B5EF4-FFF2-40B4-BE49-F238E27FC236}">
-                  <a16:creationId xmlns:a16="http://schemas.microsoft.com/office/drawing/2014/main" id="{CECFAA1A-2A09-42D3-9EE8-1A9598D85E1B}"/>
-                </a:ext>
-              </a:extLst>
-            </p:cNvPr>
-            <p:cNvSpPr txBox="1"/>
-            <p:nvPr/>
-          </p:nvSpPr>
-          <p:spPr>
-            <a:xfrm>
-              <a:off x="1931927" y="4443479"/>
-              <a:ext cx="508473" cy="400110"/>
-            </a:xfrm>
-            <a:prstGeom prst="rect">
-              <a:avLst/>
-            </a:prstGeom>
-            <a:noFill/>
-          </p:spPr>
-          <p:txBody>
-            <a:bodyPr wrap="none" rtlCol="0">
-              <a:spAutoFit/>
-            </a:bodyPr>
-            <a:lstStyle/>
-            <a:p>
-              <a:r>
-                <a:rPr lang="en-US" sz="2000"/>
-                <a:t>in1</a:t>
-              </a:r>
-            </a:p>
-          </p:txBody>
-        </p:sp>
-        <p:sp>
-          <p:nvSpPr>
-            <p:cNvPr id="33" name="TextBox 32">
-              <a:extLst>
-                <a:ext uri="{FF2B5EF4-FFF2-40B4-BE49-F238E27FC236}">
-                  <a16:creationId xmlns:a16="http://schemas.microsoft.com/office/drawing/2014/main" id="{47937295-8A09-4470-8056-897F571112FF}"/>
-                </a:ext>
-              </a:extLst>
-            </p:cNvPr>
-            <p:cNvSpPr txBox="1"/>
-            <p:nvPr/>
-          </p:nvSpPr>
-          <p:spPr>
-            <a:xfrm>
-              <a:off x="1931927" y="4887986"/>
-              <a:ext cx="508473" cy="400110"/>
-            </a:xfrm>
-            <a:prstGeom prst="rect">
-              <a:avLst/>
-            </a:prstGeom>
-            <a:noFill/>
-          </p:spPr>
-          <p:txBody>
-            <a:bodyPr wrap="none" rtlCol="0">
-              <a:spAutoFit/>
-            </a:bodyPr>
-            <a:lstStyle/>
-            <a:p>
-              <a:r>
-                <a:rPr lang="en-US" sz="2000"/>
-                <a:t>in0</a:t>
-              </a:r>
-            </a:p>
-          </p:txBody>
-        </p:sp>
-        <p:cxnSp>
-          <p:nvCxnSpPr>
-            <p:cNvPr id="34" name="Straight Connector 33">
-              <a:extLst>
-                <a:ext uri="{FF2B5EF4-FFF2-40B4-BE49-F238E27FC236}">
-                  <a16:creationId xmlns:a16="http://schemas.microsoft.com/office/drawing/2014/main" id="{BBDC8CC9-4C90-4562-9A9E-69A4D93E1530}"/>
-                </a:ext>
-              </a:extLst>
-            </p:cNvPr>
-            <p:cNvCxnSpPr/>
-            <p:nvPr/>
-          </p:nvCxnSpPr>
-          <p:spPr>
-            <a:xfrm flipH="1">
-              <a:off x="4466168" y="4441956"/>
-              <a:ext cx="712723" cy="1"/>
-            </a:xfrm>
-            <a:prstGeom prst="line">
-              <a:avLst/>
-            </a:prstGeom>
-          </p:spPr>
-          <p:style>
-            <a:lnRef idx="2">
-              <a:schemeClr val="accent1"/>
-            </a:lnRef>
-            <a:fillRef idx="0">
-              <a:schemeClr val="accent1"/>
-            </a:fillRef>
-            <a:effectRef idx="1">
-              <a:schemeClr val="accent1"/>
-            </a:effectRef>
-            <a:fontRef idx="minor">
-              <a:schemeClr val="tx1"/>
-            </a:fontRef>
-          </p:style>
-        </p:cxnSp>
-        <p:sp>
-          <p:nvSpPr>
-            <p:cNvPr id="35" name="TextBox 34">
-              <a:extLst>
-                <a:ext uri="{FF2B5EF4-FFF2-40B4-BE49-F238E27FC236}">
-                  <a16:creationId xmlns:a16="http://schemas.microsoft.com/office/drawing/2014/main" id="{56771F69-F9E2-4E44-B677-63E1749C0C5E}"/>
-                </a:ext>
-              </a:extLst>
-            </p:cNvPr>
-            <p:cNvSpPr txBox="1"/>
-            <p:nvPr/>
-          </p:nvSpPr>
-          <p:spPr>
-            <a:xfrm>
-              <a:off x="4567124" y="3956638"/>
-              <a:ext cx="540533" cy="400110"/>
-            </a:xfrm>
-            <a:prstGeom prst="rect">
-              <a:avLst/>
-            </a:prstGeom>
-            <a:noFill/>
-          </p:spPr>
-          <p:txBody>
-            <a:bodyPr wrap="none" rtlCol="0">
-              <a:spAutoFit/>
-            </a:bodyPr>
-            <a:lstStyle/>
-            <a:p>
-              <a:r>
-                <a:rPr lang="en-US" sz="2000"/>
-                <a:t>out</a:t>
-              </a:r>
-            </a:p>
-          </p:txBody>
-        </p:sp>
-      </p:grpSp>
-    </p:spTree>
-    <p:extLst>
-      <p:ext uri="{BB962C8B-B14F-4D97-AF65-F5344CB8AC3E}">
-        <p14:creationId xmlns:p14="http://schemas.microsoft.com/office/powerpoint/2010/main" val="903419827"/>
-      </p:ext>
-    </p:extLst>
-  </p:cSld>
-  <p:clrMapOvr>
-    <a:masterClrMapping/>
-  </p:clrMapOvr>
-</p:sld>
-</file>
-
-<file path=ppt/slides/slide20.xml><?xml version="1.0" encoding="utf-8"?>
+<file path=ppt/slides/slide21.xml><?xml version="1.0" encoding="utf-8"?>
 <p:sld xmlns:a="http://schemas.openxmlformats.org/drawingml/2006/main" xmlns:r="http://schemas.openxmlformats.org/officeDocument/2006/relationships" xmlns:p="http://schemas.openxmlformats.org/presentationml/2006/main">
   <p:cSld>
     <p:spTree>
@@ -15820,7 +18049,7 @@
 </p:sld>
 </file>
 
-<file path=ppt/slides/slide21.xml><?xml version="1.0" encoding="utf-8"?>
+<file path=ppt/slides/slide22.xml><?xml version="1.0" encoding="utf-8"?>
 <p:sld xmlns:a="http://schemas.openxmlformats.org/drawingml/2006/main" xmlns:r="http://schemas.openxmlformats.org/officeDocument/2006/relationships" xmlns:p="http://schemas.openxmlformats.org/presentationml/2006/main">
   <p:cSld>
     <p:spTree>
@@ -17756,7 +19985,7 @@
 </p:sld>
 </file>
 
-<file path=ppt/slides/slide22.xml><?xml version="1.0" encoding="utf-8"?>
+<file path=ppt/slides/slide23.xml><?xml version="1.0" encoding="utf-8"?>
 <p:sld xmlns:a="http://schemas.openxmlformats.org/drawingml/2006/main" xmlns:r="http://schemas.openxmlformats.org/officeDocument/2006/relationships" xmlns:p="http://schemas.openxmlformats.org/presentationml/2006/main">
   <p:cSld>
     <p:spTree>
@@ -18120,7 +20349,7 @@
 </p:sld>
 </file>
 
-<file path=ppt/slides/slide23.xml><?xml version="1.0" encoding="utf-8"?>
+<file path=ppt/slides/slide24.xml><?xml version="1.0" encoding="utf-8"?>
 <p:sld xmlns:a="http://schemas.openxmlformats.org/drawingml/2006/main" xmlns:r="http://schemas.openxmlformats.org/officeDocument/2006/relationships" xmlns:p="http://schemas.openxmlformats.org/presentationml/2006/main">
   <p:cSld>
     <p:spTree>
@@ -19537,7 +21766,7 @@
 </p:sld>
 </file>
 
-<file path=ppt/slides/slide24.xml><?xml version="1.0" encoding="utf-8"?>
+<file path=ppt/slides/slide25.xml><?xml version="1.0" encoding="utf-8"?>
 <p:sld xmlns:a="http://schemas.openxmlformats.org/drawingml/2006/main" xmlns:r="http://schemas.openxmlformats.org/officeDocument/2006/relationships" xmlns:p="http://schemas.openxmlformats.org/presentationml/2006/main">
   <p:cSld>
     <p:spTree>
@@ -20386,7 +22615,7 @@
 </p:sld>
 </file>
 
-<file path=ppt/slides/slide25.xml><?xml version="1.0" encoding="utf-8"?>
+<file path=ppt/slides/slide26.xml><?xml version="1.0" encoding="utf-8"?>
 <p:sld xmlns:a="http://schemas.openxmlformats.org/drawingml/2006/main" xmlns:r="http://schemas.openxmlformats.org/officeDocument/2006/relationships" xmlns:p="http://schemas.openxmlformats.org/presentationml/2006/main">
   <p:cSld>
     <p:spTree>
@@ -21068,7 +23297,7 @@
 </p:sld>
 </file>
 
-<file path=ppt/slides/slide26.xml><?xml version="1.0" encoding="utf-8"?>
+<file path=ppt/slides/slide27.xml><?xml version="1.0" encoding="utf-8"?>
 <p:sld xmlns:a="http://schemas.openxmlformats.org/drawingml/2006/main" xmlns:r="http://schemas.openxmlformats.org/officeDocument/2006/relationships" xmlns:p="http://schemas.openxmlformats.org/presentationml/2006/main">
   <p:cSld>
     <p:spTree>
@@ -21289,7 +23518,7 @@
 </p:sld>
 </file>
 
-<file path=ppt/slides/slide27.xml><?xml version="1.0" encoding="utf-8"?>
+<file path=ppt/slides/slide28.xml><?xml version="1.0" encoding="utf-8"?>
 <p:sld xmlns:a="http://schemas.openxmlformats.org/drawingml/2006/main" xmlns:r="http://schemas.openxmlformats.org/officeDocument/2006/relationships" xmlns:p="http://schemas.openxmlformats.org/presentationml/2006/main">
   <p:cSld>
     <p:spTree>
@@ -21715,7 +23944,7 @@
 </p:sld>
 </file>
 
-<file path=ppt/slides/slide28.xml><?xml version="1.0" encoding="utf-8"?>
+<file path=ppt/slides/slide29.xml><?xml version="1.0" encoding="utf-8"?>
 <p:sld xmlns:a="http://schemas.openxmlformats.org/drawingml/2006/main" xmlns:r="http://schemas.openxmlformats.org/officeDocument/2006/relationships" xmlns:p="http://schemas.openxmlformats.org/presentationml/2006/main">
   <p:cSld>
     <p:spTree>
@@ -22149,7 +24378,101 @@
 </p:sld>
 </file>
 
-<file path=ppt/slides/slide29.xml><?xml version="1.0" encoding="utf-8"?>
+<file path=ppt/slides/slide3.xml><?xml version="1.0" encoding="utf-8"?>
+<p:sld xmlns:a="http://schemas.openxmlformats.org/drawingml/2006/main" xmlns:r="http://schemas.openxmlformats.org/officeDocument/2006/relationships" xmlns:p="http://schemas.openxmlformats.org/presentationml/2006/main">
+  <p:cSld>
+    <p:spTree>
+      <p:nvGrpSpPr>
+        <p:cNvPr id="1" name=""/>
+        <p:cNvGrpSpPr/>
+        <p:nvPr/>
+      </p:nvGrpSpPr>
+      <p:grpSpPr>
+        <a:xfrm>
+          <a:off x="0" y="0"/>
+          <a:ext cx="0" cy="0"/>
+          <a:chOff x="0" y="0"/>
+          <a:chExt cx="0" cy="0"/>
+        </a:xfrm>
+      </p:grpSpPr>
+      <p:sp>
+        <p:nvSpPr>
+          <p:cNvPr id="2" name="Title 1"/>
+          <p:cNvSpPr>
+            <a:spLocks noGrp="1"/>
+          </p:cNvSpPr>
+          <p:nvPr>
+            <p:ph type="title"/>
+          </p:nvPr>
+        </p:nvSpPr>
+        <p:spPr/>
+        <p:txBody>
+          <a:bodyPr/>
+          <a:lstStyle/>
+          <a:p>
+            <a:r>
+              <a:rPr lang="en-US"/>
+              <a:t>Lesson plan</a:t>
+            </a:r>
+          </a:p>
+        </p:txBody>
+      </p:sp>
+      <p:sp>
+        <p:nvSpPr>
+          <p:cNvPr id="3" name="Content Placeholder 2"/>
+          <p:cNvSpPr>
+            <a:spLocks noGrp="1"/>
+          </p:cNvSpPr>
+          <p:nvPr>
+            <p:ph idx="1"/>
+          </p:nvPr>
+        </p:nvSpPr>
+        <p:spPr/>
+        <p:txBody>
+          <a:bodyPr/>
+          <a:lstStyle/>
+          <a:p>
+            <a:r>
+              <a:rPr lang="en-US"/>
+              <a:t>ROM (another way to implement CL)</a:t>
+            </a:r>
+          </a:p>
+          <a:p>
+            <a:r>
+              <a:rPr lang="en-US"/>
+              <a:t>ALU </a:t>
+            </a:r>
+          </a:p>
+          <a:p>
+            <a:pPr lvl="1"/>
+            <a:r>
+              <a:rPr lang="en-US"/>
+              <a:t>Logical ops: AND/OR</a:t>
+            </a:r>
+          </a:p>
+          <a:p>
+            <a:pPr lvl="1"/>
+            <a:r>
+              <a:rPr lang="en-US"/>
+              <a:t>Arithmetic ops: addition, subtraction…</a:t>
+            </a:r>
+          </a:p>
+        </p:txBody>
+      </p:sp>
+    </p:spTree>
+    <p:extLst>
+      <p:ext uri="{BB962C8B-B14F-4D97-AF65-F5344CB8AC3E}">
+        <p14:creationId xmlns:p14="http://schemas.microsoft.com/office/powerpoint/2010/main" val="2144803942"/>
+      </p:ext>
+    </p:extLst>
+  </p:cSld>
+  <p:clrMapOvr>
+    <a:masterClrMapping/>
+  </p:clrMapOvr>
+</p:sld>
+</file>
+
+<file path=ppt/slides/slide30.xml><?xml version="1.0" encoding="utf-8"?>
 <p:sld xmlns:a="http://schemas.openxmlformats.org/drawingml/2006/main" xmlns:r="http://schemas.openxmlformats.org/officeDocument/2006/relationships" xmlns:p="http://schemas.openxmlformats.org/presentationml/2006/main">
   <p:cSld>
     <p:spTree>
@@ -24008,101 +26331,7 @@
 </p:sld>
 </file>
 
-<file path=ppt/slides/slide3.xml><?xml version="1.0" encoding="utf-8"?>
-<p:sld xmlns:a="http://schemas.openxmlformats.org/drawingml/2006/main" xmlns:r="http://schemas.openxmlformats.org/officeDocument/2006/relationships" xmlns:p="http://schemas.openxmlformats.org/presentationml/2006/main">
-  <p:cSld>
-    <p:spTree>
-      <p:nvGrpSpPr>
-        <p:cNvPr id="1" name=""/>
-        <p:cNvGrpSpPr/>
-        <p:nvPr/>
-      </p:nvGrpSpPr>
-      <p:grpSpPr>
-        <a:xfrm>
-          <a:off x="0" y="0"/>
-          <a:ext cx="0" cy="0"/>
-          <a:chOff x="0" y="0"/>
-          <a:chExt cx="0" cy="0"/>
-        </a:xfrm>
-      </p:grpSpPr>
-      <p:sp>
-        <p:nvSpPr>
-          <p:cNvPr id="2" name="Title 1"/>
-          <p:cNvSpPr>
-            <a:spLocks noGrp="1"/>
-          </p:cNvSpPr>
-          <p:nvPr>
-            <p:ph type="title"/>
-          </p:nvPr>
-        </p:nvSpPr>
-        <p:spPr/>
-        <p:txBody>
-          <a:bodyPr/>
-          <a:lstStyle/>
-          <a:p>
-            <a:r>
-              <a:rPr lang="en-US"/>
-              <a:t>Lesson plan</a:t>
-            </a:r>
-          </a:p>
-        </p:txBody>
-      </p:sp>
-      <p:sp>
-        <p:nvSpPr>
-          <p:cNvPr id="3" name="Content Placeholder 2"/>
-          <p:cNvSpPr>
-            <a:spLocks noGrp="1"/>
-          </p:cNvSpPr>
-          <p:nvPr>
-            <p:ph idx="1"/>
-          </p:nvPr>
-        </p:nvSpPr>
-        <p:spPr/>
-        <p:txBody>
-          <a:bodyPr/>
-          <a:lstStyle/>
-          <a:p>
-            <a:r>
-              <a:rPr lang="en-US"/>
-              <a:t>ROM (another way to implement CL)</a:t>
-            </a:r>
-          </a:p>
-          <a:p>
-            <a:r>
-              <a:rPr lang="en-US"/>
-              <a:t>ALU </a:t>
-            </a:r>
-          </a:p>
-          <a:p>
-            <a:pPr lvl="1"/>
-            <a:r>
-              <a:rPr lang="en-US"/>
-              <a:t>Logical ops: AND/OR</a:t>
-            </a:r>
-          </a:p>
-          <a:p>
-            <a:pPr lvl="1"/>
-            <a:r>
-              <a:rPr lang="en-US"/>
-              <a:t>Arithmetic ops: addition, subtraction…</a:t>
-            </a:r>
-          </a:p>
-        </p:txBody>
-      </p:sp>
-    </p:spTree>
-    <p:extLst>
-      <p:ext uri="{BB962C8B-B14F-4D97-AF65-F5344CB8AC3E}">
-        <p14:creationId xmlns:p14="http://schemas.microsoft.com/office/powerpoint/2010/main" val="2144803942"/>
-      </p:ext>
-    </p:extLst>
-  </p:cSld>
-  <p:clrMapOvr>
-    <a:masterClrMapping/>
-  </p:clrMapOvr>
-</p:sld>
-</file>
-
-<file path=ppt/slides/slide30.xml><?xml version="1.0" encoding="utf-8"?>
+<file path=ppt/slides/slide31.xml><?xml version="1.0" encoding="utf-8"?>
 <p:sld xmlns:a="http://schemas.openxmlformats.org/drawingml/2006/main" xmlns:r="http://schemas.openxmlformats.org/officeDocument/2006/relationships" xmlns:p="http://schemas.openxmlformats.org/presentationml/2006/main">
   <p:cSld>
     <p:spTree>
@@ -24542,7 +26771,7 @@
 </p:sld>
 </file>
 
-<file path=ppt/slides/slide31.xml><?xml version="1.0" encoding="utf-8"?>
+<file path=ppt/slides/slide32.xml><?xml version="1.0" encoding="utf-8"?>
 <p:sld xmlns:a="http://schemas.openxmlformats.org/drawingml/2006/main" xmlns:r="http://schemas.openxmlformats.org/officeDocument/2006/relationships" xmlns:p="http://schemas.openxmlformats.org/presentationml/2006/main">
   <p:cSld>
     <p:spTree>
@@ -26074,7 +28303,7 @@
 </p:sld>
 </file>
 
-<file path=ppt/slides/slide32.xml><?xml version="1.0" encoding="utf-8"?>
+<file path=ppt/slides/slide33.xml><?xml version="1.0" encoding="utf-8"?>
 <p:sld xmlns:a="http://schemas.openxmlformats.org/drawingml/2006/main" xmlns:r="http://schemas.openxmlformats.org/officeDocument/2006/relationships" xmlns:p="http://schemas.openxmlformats.org/presentationml/2006/main">
   <p:cSld>
     <p:spTree>
@@ -29513,7 +31742,7 @@
 </p:sld>
 </file>
 
-<file path=ppt/slides/slide33.xml><?xml version="1.0" encoding="utf-8"?>
+<file path=ppt/slides/slide34.xml><?xml version="1.0" encoding="utf-8"?>
 <p:sld xmlns:a="http://schemas.openxmlformats.org/drawingml/2006/main" xmlns:r="http://schemas.openxmlformats.org/officeDocument/2006/relationships" xmlns:p="http://schemas.openxmlformats.org/presentationml/2006/main">
   <p:cSld>
     <p:spTree>

--- a/notes/arch-alu.pptx
+++ b/notes/arch-alu.pptx
@@ -11763,43 +11763,83 @@
           <a:lstStyle/>
           <a:p>
             <a:r>
-              <a:rPr lang="en-US" dirty="0"/>
+              <a:rPr lang="en-US" dirty="0">
+                <a:solidFill>
+                  <a:srgbClr val="FF0000"/>
+                </a:solidFill>
+              </a:rPr>
               <a:t>c</a:t>
             </a:r>
             <a:r>
-              <a:rPr lang="en-US" baseline="-25000" dirty="0"/>
+              <a:rPr lang="en-US" baseline="-25000" dirty="0">
+                <a:solidFill>
+                  <a:srgbClr val="FF0000"/>
+                </a:solidFill>
+              </a:rPr>
               <a:t>4  </a:t>
             </a:r>
             <a:r>
-              <a:rPr lang="en-US" dirty="0"/>
+              <a:rPr lang="en-US" dirty="0">
+                <a:solidFill>
+                  <a:srgbClr val="FF0000"/>
+                </a:solidFill>
+              </a:rPr>
               <a:t> c</a:t>
             </a:r>
             <a:r>
-              <a:rPr lang="en-US" baseline="-25000" dirty="0"/>
+              <a:rPr lang="en-US" baseline="-25000" dirty="0">
+                <a:solidFill>
+                  <a:srgbClr val="FF0000"/>
+                </a:solidFill>
+              </a:rPr>
               <a:t>3</a:t>
             </a:r>
             <a:r>
-              <a:rPr lang="en-US" dirty="0"/>
+              <a:rPr lang="en-US" dirty="0">
+                <a:solidFill>
+                  <a:srgbClr val="FF0000"/>
+                </a:solidFill>
+              </a:rPr>
               <a:t>  c</a:t>
             </a:r>
             <a:r>
-              <a:rPr lang="en-US" baseline="-25000" dirty="0"/>
+              <a:rPr lang="en-US" baseline="-25000" dirty="0">
+                <a:solidFill>
+                  <a:srgbClr val="FF0000"/>
+                </a:solidFill>
+              </a:rPr>
               <a:t>2</a:t>
             </a:r>
             <a:r>
-              <a:rPr lang="en-US" dirty="0"/>
+              <a:rPr lang="en-US" dirty="0">
+                <a:solidFill>
+                  <a:srgbClr val="FF0000"/>
+                </a:solidFill>
+              </a:rPr>
               <a:t>  c</a:t>
             </a:r>
             <a:r>
-              <a:rPr lang="en-US" baseline="-25000" dirty="0"/>
+              <a:rPr lang="en-US" baseline="-25000" dirty="0">
+                <a:solidFill>
+                  <a:srgbClr val="FF0000"/>
+                </a:solidFill>
+              </a:rPr>
               <a:t>1</a:t>
             </a:r>
             <a:r>
-              <a:rPr lang="en-US" dirty="0"/>
+              <a:rPr lang="en-US" dirty="0">
+                <a:solidFill>
+                  <a:srgbClr val="FF0000"/>
+                </a:solidFill>
+              </a:rPr>
               <a:t>  c</a:t>
             </a:r>
             <a:r>
-              <a:rPr lang="en-US" baseline="-25000" dirty="0"/>
+              <a:rPr lang="en-US" baseline="-25000" dirty="0">
+                <a:solidFill>
+                  <a:srgbClr val="FF0000"/>
+                </a:solidFill>
+              </a:rPr>
               <a:t>0</a:t>
             </a:r>
           </a:p>
